--- a/HButler_Decision_Trees.pptx
+++ b/HButler_Decision_Trees.pptx
@@ -4,15 +4,18 @@
   <p:sldMasterIdLst>
     <p:sldMasterId id="2147483673" r:id="rId1"/>
   </p:sldMasterIdLst>
+  <p:notesMasterIdLst>
+    <p:notesMasterId r:id="rId16"/>
+  </p:notesMasterIdLst>
   <p:sldIdLst>
     <p:sldId id="256" r:id="rId2"/>
-    <p:sldId id="257" r:id="rId3"/>
-    <p:sldId id="258" r:id="rId4"/>
-    <p:sldId id="263" r:id="rId5"/>
-    <p:sldId id="260" r:id="rId6"/>
+    <p:sldId id="260" r:id="rId3"/>
+    <p:sldId id="257" r:id="rId4"/>
+    <p:sldId id="258" r:id="rId5"/>
+    <p:sldId id="263" r:id="rId6"/>
     <p:sldId id="259" r:id="rId7"/>
-    <p:sldId id="261" r:id="rId8"/>
-    <p:sldId id="269" r:id="rId9"/>
+    <p:sldId id="269" r:id="rId8"/>
+    <p:sldId id="261" r:id="rId9"/>
     <p:sldId id="270" r:id="rId10"/>
     <p:sldId id="264" r:id="rId11"/>
     <p:sldId id="265" r:id="rId12"/>
@@ -117,6 +120,11 @@
       </a:defRPr>
     </a:lvl9pPr>
   </p:defaultTextStyle>
+  <p:extLst>
+    <p:ext uri="{EFAFB233-063F-42B5-8137-9DF3F51BA10A}">
+      <p15:sldGuideLst xmlns:p15="http://schemas.microsoft.com/office/powerpoint/2012/main"/>
+    </p:ext>
+  </p:extLst>
 </p:presentation>
 </file>
 
@@ -903,6 +911,755 @@
 </file>
 
 <file path=ppt/diagrams/colors2.xml><?xml version="1.0" encoding="utf-8"?>
+<dgm:colorsDef xmlns:dgm="http://schemas.openxmlformats.org/drawingml/2006/diagram" xmlns:a="http://schemas.openxmlformats.org/drawingml/2006/main" uniqueId="urn:microsoft.com/office/officeart/2018/5/colors/Iconchunking_neutralbg_accent3_2">
+  <dgm:title val=""/>
+  <dgm:desc val=""/>
+  <dgm:catLst>
+    <dgm:cat type="accent3" pri="13200"/>
+  </dgm:catLst>
+  <dgm:styleLbl name="node0">
+    <dgm:fillClrLst meth="repeat">
+      <a:schemeClr val="accent3"/>
+    </dgm:fillClrLst>
+    <dgm:linClrLst meth="repeat">
+      <a:schemeClr val="lt1"/>
+    </dgm:linClrLst>
+    <dgm:effectClrLst/>
+    <dgm:txLinClrLst/>
+    <dgm:txFillClrLst/>
+    <dgm:txEffectClrLst/>
+  </dgm:styleLbl>
+  <dgm:styleLbl name="node1">
+    <dgm:fillClrLst meth="repeat">
+      <a:schemeClr val="accent3"/>
+    </dgm:fillClrLst>
+    <dgm:linClrLst meth="repeat">
+      <a:schemeClr val="lt1">
+        <a:alpha val="0"/>
+      </a:schemeClr>
+    </dgm:linClrLst>
+    <dgm:effectClrLst/>
+    <dgm:txLinClrLst/>
+    <dgm:txFillClrLst/>
+    <dgm:txEffectClrLst/>
+  </dgm:styleLbl>
+  <dgm:styleLbl name="alignNode1">
+    <dgm:fillClrLst meth="repeat">
+      <a:schemeClr val="accent3"/>
+    </dgm:fillClrLst>
+    <dgm:linClrLst meth="repeat">
+      <a:schemeClr val="accent3"/>
+    </dgm:linClrLst>
+    <dgm:effectClrLst/>
+    <dgm:txLinClrLst/>
+    <dgm:txFillClrLst/>
+    <dgm:txEffectClrLst/>
+  </dgm:styleLbl>
+  <dgm:styleLbl name="lnNode1">
+    <dgm:fillClrLst meth="repeat">
+      <a:schemeClr val="accent3"/>
+    </dgm:fillClrLst>
+    <dgm:linClrLst meth="repeat">
+      <a:schemeClr val="lt1"/>
+    </dgm:linClrLst>
+    <dgm:effectClrLst/>
+    <dgm:txLinClrLst/>
+    <dgm:txFillClrLst/>
+    <dgm:txEffectClrLst/>
+  </dgm:styleLbl>
+  <dgm:styleLbl name="vennNode1">
+    <dgm:fillClrLst meth="repeat">
+      <a:schemeClr val="accent3">
+        <a:alpha val="50000"/>
+      </a:schemeClr>
+    </dgm:fillClrLst>
+    <dgm:linClrLst meth="repeat">
+      <a:schemeClr val="lt1"/>
+    </dgm:linClrLst>
+    <dgm:effectClrLst/>
+    <dgm:txLinClrLst/>
+    <dgm:txFillClrLst/>
+    <dgm:txEffectClrLst/>
+  </dgm:styleLbl>
+  <dgm:styleLbl name="node2">
+    <dgm:fillClrLst meth="repeat">
+      <a:schemeClr val="accent3"/>
+    </dgm:fillClrLst>
+    <dgm:linClrLst meth="repeat">
+      <a:schemeClr val="lt1"/>
+    </dgm:linClrLst>
+    <dgm:effectClrLst/>
+    <dgm:txLinClrLst/>
+    <dgm:txFillClrLst/>
+    <dgm:txEffectClrLst/>
+  </dgm:styleLbl>
+  <dgm:styleLbl name="node3">
+    <dgm:fillClrLst meth="repeat">
+      <a:schemeClr val="accent3"/>
+    </dgm:fillClrLst>
+    <dgm:linClrLst meth="repeat">
+      <a:schemeClr val="lt1"/>
+    </dgm:linClrLst>
+    <dgm:effectClrLst/>
+    <dgm:txLinClrLst/>
+    <dgm:txFillClrLst/>
+    <dgm:txEffectClrLst/>
+  </dgm:styleLbl>
+  <dgm:styleLbl name="node4">
+    <dgm:fillClrLst meth="repeat">
+      <a:schemeClr val="accent3"/>
+    </dgm:fillClrLst>
+    <dgm:linClrLst meth="repeat">
+      <a:schemeClr val="lt1"/>
+    </dgm:linClrLst>
+    <dgm:effectClrLst/>
+    <dgm:txLinClrLst/>
+    <dgm:txFillClrLst/>
+    <dgm:txEffectClrLst/>
+  </dgm:styleLbl>
+  <dgm:styleLbl name="fgImgPlace1">
+    <dgm:fillClrLst meth="repeat">
+      <a:schemeClr val="accent3">
+        <a:tint val="50000"/>
+      </a:schemeClr>
+    </dgm:fillClrLst>
+    <dgm:linClrLst meth="repeat">
+      <a:schemeClr val="lt1"/>
+    </dgm:linClrLst>
+    <dgm:effectClrLst/>
+    <dgm:txLinClrLst/>
+    <dgm:txFillClrLst meth="repeat">
+      <a:schemeClr val="lt1"/>
+    </dgm:txFillClrLst>
+    <dgm:txEffectClrLst/>
+  </dgm:styleLbl>
+  <dgm:styleLbl name="alignImgPlace1">
+    <dgm:fillClrLst meth="repeat">
+      <a:schemeClr val="accent3">
+        <a:tint val="50000"/>
+      </a:schemeClr>
+    </dgm:fillClrLst>
+    <dgm:linClrLst meth="repeat">
+      <a:schemeClr val="lt1"/>
+    </dgm:linClrLst>
+    <dgm:effectClrLst/>
+    <dgm:txLinClrLst/>
+    <dgm:txFillClrLst meth="repeat">
+      <a:schemeClr val="lt1"/>
+    </dgm:txFillClrLst>
+    <dgm:txEffectClrLst/>
+  </dgm:styleLbl>
+  <dgm:styleLbl name="bgImgPlace1">
+    <dgm:fillClrLst meth="repeat">
+      <a:schemeClr val="accent3">
+        <a:tint val="50000"/>
+      </a:schemeClr>
+    </dgm:fillClrLst>
+    <dgm:linClrLst meth="repeat">
+      <a:schemeClr val="lt1"/>
+    </dgm:linClrLst>
+    <dgm:effectClrLst/>
+    <dgm:txLinClrLst/>
+    <dgm:txFillClrLst meth="repeat">
+      <a:schemeClr val="lt1"/>
+    </dgm:txFillClrLst>
+    <dgm:txEffectClrLst/>
+  </dgm:styleLbl>
+  <dgm:styleLbl name="sibTrans2D1">
+    <dgm:fillClrLst meth="repeat">
+      <a:schemeClr val="accent3">
+        <a:tint val="60000"/>
+      </a:schemeClr>
+    </dgm:fillClrLst>
+    <dgm:linClrLst meth="repeat">
+      <a:schemeClr val="accent3">
+        <a:tint val="60000"/>
+      </a:schemeClr>
+    </dgm:linClrLst>
+    <dgm:effectClrLst/>
+    <dgm:txLinClrLst/>
+    <dgm:txFillClrLst/>
+    <dgm:txEffectClrLst/>
+  </dgm:styleLbl>
+  <dgm:styleLbl name="fgSibTrans2D1">
+    <dgm:fillClrLst meth="repeat">
+      <a:schemeClr val="accent3">
+        <a:tint val="60000"/>
+      </a:schemeClr>
+    </dgm:fillClrLst>
+    <dgm:linClrLst meth="repeat">
+      <a:schemeClr val="accent3">
+        <a:tint val="60000"/>
+      </a:schemeClr>
+    </dgm:linClrLst>
+    <dgm:effectClrLst/>
+    <dgm:txLinClrLst/>
+    <dgm:txFillClrLst/>
+    <dgm:txEffectClrLst/>
+  </dgm:styleLbl>
+  <dgm:styleLbl name="bgSibTrans2D1">
+    <dgm:fillClrLst meth="repeat">
+      <a:schemeClr val="accent3">
+        <a:tint val="60000"/>
+      </a:schemeClr>
+    </dgm:fillClrLst>
+    <dgm:linClrLst meth="repeat">
+      <a:schemeClr val="accent3">
+        <a:tint val="60000"/>
+      </a:schemeClr>
+    </dgm:linClrLst>
+    <dgm:effectClrLst/>
+    <dgm:txLinClrLst/>
+    <dgm:txFillClrLst/>
+    <dgm:txEffectClrLst/>
+  </dgm:styleLbl>
+  <dgm:styleLbl name="sibTrans1D1">
+    <dgm:fillClrLst meth="repeat">
+      <a:schemeClr val="accent3"/>
+    </dgm:fillClrLst>
+    <dgm:linClrLst meth="repeat">
+      <a:schemeClr val="accent3"/>
+    </dgm:linClrLst>
+    <dgm:effectClrLst/>
+    <dgm:txLinClrLst/>
+    <dgm:txFillClrLst meth="repeat">
+      <a:schemeClr val="tx1"/>
+    </dgm:txFillClrLst>
+    <dgm:txEffectClrLst/>
+  </dgm:styleLbl>
+  <dgm:styleLbl name="callout">
+    <dgm:fillClrLst meth="repeat">
+      <a:schemeClr val="accent3"/>
+    </dgm:fillClrLst>
+    <dgm:linClrLst meth="repeat">
+      <a:schemeClr val="accent3">
+        <a:tint val="50000"/>
+      </a:schemeClr>
+    </dgm:linClrLst>
+    <dgm:effectClrLst/>
+    <dgm:txLinClrLst/>
+    <dgm:txFillClrLst meth="repeat">
+      <a:schemeClr val="tx1"/>
+    </dgm:txFillClrLst>
+    <dgm:txEffectClrLst/>
+  </dgm:styleLbl>
+  <dgm:styleLbl name="asst0">
+    <dgm:fillClrLst meth="repeat">
+      <a:schemeClr val="accent3"/>
+    </dgm:fillClrLst>
+    <dgm:linClrLst meth="repeat">
+      <a:schemeClr val="lt1"/>
+    </dgm:linClrLst>
+    <dgm:effectClrLst/>
+    <dgm:txLinClrLst/>
+    <dgm:txFillClrLst/>
+    <dgm:txEffectClrLst/>
+  </dgm:styleLbl>
+  <dgm:styleLbl name="asst1">
+    <dgm:fillClrLst meth="repeat">
+      <a:schemeClr val="accent3"/>
+    </dgm:fillClrLst>
+    <dgm:linClrLst meth="repeat">
+      <a:schemeClr val="lt1"/>
+    </dgm:linClrLst>
+    <dgm:effectClrLst/>
+    <dgm:txLinClrLst/>
+    <dgm:txFillClrLst/>
+    <dgm:txEffectClrLst/>
+  </dgm:styleLbl>
+  <dgm:styleLbl name="asst2">
+    <dgm:fillClrLst meth="repeat">
+      <a:schemeClr val="accent3"/>
+    </dgm:fillClrLst>
+    <dgm:linClrLst meth="repeat">
+      <a:schemeClr val="lt1"/>
+    </dgm:linClrLst>
+    <dgm:effectClrLst/>
+    <dgm:txLinClrLst/>
+    <dgm:txFillClrLst/>
+    <dgm:txEffectClrLst/>
+  </dgm:styleLbl>
+  <dgm:styleLbl name="asst3">
+    <dgm:fillClrLst meth="repeat">
+      <a:schemeClr val="accent3"/>
+    </dgm:fillClrLst>
+    <dgm:linClrLst meth="repeat">
+      <a:schemeClr val="lt1"/>
+    </dgm:linClrLst>
+    <dgm:effectClrLst/>
+    <dgm:txLinClrLst/>
+    <dgm:txFillClrLst/>
+    <dgm:txEffectClrLst/>
+  </dgm:styleLbl>
+  <dgm:styleLbl name="asst4">
+    <dgm:fillClrLst meth="repeat">
+      <a:schemeClr val="accent3"/>
+    </dgm:fillClrLst>
+    <dgm:linClrLst meth="repeat">
+      <a:schemeClr val="lt1"/>
+    </dgm:linClrLst>
+    <dgm:effectClrLst/>
+    <dgm:txLinClrLst/>
+    <dgm:txFillClrLst/>
+    <dgm:txEffectClrLst/>
+  </dgm:styleLbl>
+  <dgm:styleLbl name="parChTrans2D1">
+    <dgm:fillClrLst meth="repeat">
+      <a:schemeClr val="accent3">
+        <a:tint val="60000"/>
+      </a:schemeClr>
+    </dgm:fillClrLst>
+    <dgm:linClrLst meth="repeat">
+      <a:schemeClr val="accent3">
+        <a:tint val="60000"/>
+      </a:schemeClr>
+    </dgm:linClrLst>
+    <dgm:effectClrLst/>
+    <dgm:txLinClrLst/>
+    <dgm:txFillClrLst meth="repeat">
+      <a:schemeClr val="lt1"/>
+    </dgm:txFillClrLst>
+    <dgm:txEffectClrLst/>
+  </dgm:styleLbl>
+  <dgm:styleLbl name="parChTrans2D2">
+    <dgm:fillClrLst meth="repeat">
+      <a:schemeClr val="accent3"/>
+    </dgm:fillClrLst>
+    <dgm:linClrLst meth="repeat">
+      <a:schemeClr val="accent3"/>
+    </dgm:linClrLst>
+    <dgm:effectClrLst/>
+    <dgm:txLinClrLst/>
+    <dgm:txFillClrLst meth="repeat">
+      <a:schemeClr val="lt1"/>
+    </dgm:txFillClrLst>
+    <dgm:txEffectClrLst/>
+  </dgm:styleLbl>
+  <dgm:styleLbl name="parChTrans2D3">
+    <dgm:fillClrLst meth="repeat">
+      <a:schemeClr val="accent3"/>
+    </dgm:fillClrLst>
+    <dgm:linClrLst meth="repeat">
+      <a:schemeClr val="accent3"/>
+    </dgm:linClrLst>
+    <dgm:effectClrLst/>
+    <dgm:txLinClrLst/>
+    <dgm:txFillClrLst meth="repeat">
+      <a:schemeClr val="lt1"/>
+    </dgm:txFillClrLst>
+    <dgm:txEffectClrLst/>
+  </dgm:styleLbl>
+  <dgm:styleLbl name="parChTrans2D4">
+    <dgm:fillClrLst meth="repeat">
+      <a:schemeClr val="accent3"/>
+    </dgm:fillClrLst>
+    <dgm:linClrLst meth="repeat">
+      <a:schemeClr val="accent3"/>
+    </dgm:linClrLst>
+    <dgm:effectClrLst/>
+    <dgm:txLinClrLst/>
+    <dgm:txFillClrLst meth="repeat">
+      <a:schemeClr val="lt1"/>
+    </dgm:txFillClrLst>
+    <dgm:txEffectClrLst/>
+  </dgm:styleLbl>
+  <dgm:styleLbl name="parChTrans1D1">
+    <dgm:fillClrLst meth="repeat">
+      <a:schemeClr val="accent3"/>
+    </dgm:fillClrLst>
+    <dgm:linClrLst meth="repeat">
+      <a:schemeClr val="accent3">
+        <a:shade val="60000"/>
+      </a:schemeClr>
+    </dgm:linClrLst>
+    <dgm:effectClrLst/>
+    <dgm:txLinClrLst/>
+    <dgm:txFillClrLst meth="repeat">
+      <a:schemeClr val="tx1"/>
+    </dgm:txFillClrLst>
+    <dgm:txEffectClrLst/>
+  </dgm:styleLbl>
+  <dgm:styleLbl name="parChTrans1D2">
+    <dgm:fillClrLst meth="repeat">
+      <a:schemeClr val="accent3"/>
+    </dgm:fillClrLst>
+    <dgm:linClrLst meth="repeat">
+      <a:schemeClr val="accent3">
+        <a:shade val="60000"/>
+      </a:schemeClr>
+    </dgm:linClrLst>
+    <dgm:effectClrLst/>
+    <dgm:txLinClrLst/>
+    <dgm:txFillClrLst meth="repeat">
+      <a:schemeClr val="tx1"/>
+    </dgm:txFillClrLst>
+    <dgm:txEffectClrLst/>
+  </dgm:styleLbl>
+  <dgm:styleLbl name="parChTrans1D3">
+    <dgm:fillClrLst meth="repeat">
+      <a:schemeClr val="accent3"/>
+    </dgm:fillClrLst>
+    <dgm:linClrLst meth="repeat">
+      <a:schemeClr val="accent3">
+        <a:shade val="80000"/>
+      </a:schemeClr>
+    </dgm:linClrLst>
+    <dgm:effectClrLst/>
+    <dgm:txLinClrLst/>
+    <dgm:txFillClrLst meth="repeat">
+      <a:schemeClr val="tx1"/>
+    </dgm:txFillClrLst>
+    <dgm:txEffectClrLst/>
+  </dgm:styleLbl>
+  <dgm:styleLbl name="parChTrans1D4">
+    <dgm:fillClrLst meth="repeat">
+      <a:schemeClr val="accent3"/>
+    </dgm:fillClrLst>
+    <dgm:linClrLst meth="repeat">
+      <a:schemeClr val="accent3">
+        <a:shade val="80000"/>
+      </a:schemeClr>
+    </dgm:linClrLst>
+    <dgm:effectClrLst/>
+    <dgm:txLinClrLst/>
+    <dgm:txFillClrLst meth="repeat">
+      <a:schemeClr val="tx1"/>
+    </dgm:txFillClrLst>
+    <dgm:txEffectClrLst/>
+  </dgm:styleLbl>
+  <dgm:styleLbl name="fgAcc1">
+    <dgm:fillClrLst meth="repeat">
+      <a:schemeClr val="lt1">
+        <a:alpha val="90000"/>
+      </a:schemeClr>
+    </dgm:fillClrLst>
+    <dgm:linClrLst meth="repeat">
+      <a:schemeClr val="accent3"/>
+    </dgm:linClrLst>
+    <dgm:effectClrLst/>
+    <dgm:txLinClrLst/>
+    <dgm:txFillClrLst meth="repeat">
+      <a:schemeClr val="dk1"/>
+    </dgm:txFillClrLst>
+    <dgm:txEffectClrLst/>
+  </dgm:styleLbl>
+  <dgm:styleLbl name="conFgAcc1">
+    <dgm:fillClrLst meth="repeat">
+      <a:schemeClr val="lt1">
+        <a:alpha val="90000"/>
+      </a:schemeClr>
+    </dgm:fillClrLst>
+    <dgm:linClrLst meth="repeat">
+      <a:schemeClr val="accent3"/>
+    </dgm:linClrLst>
+    <dgm:effectClrLst/>
+    <dgm:txLinClrLst/>
+    <dgm:txFillClrLst meth="repeat">
+      <a:schemeClr val="dk1"/>
+    </dgm:txFillClrLst>
+    <dgm:txEffectClrLst/>
+  </dgm:styleLbl>
+  <dgm:styleLbl name="alignAcc1">
+    <dgm:fillClrLst meth="repeat">
+      <a:schemeClr val="lt1">
+        <a:alpha val="90000"/>
+      </a:schemeClr>
+    </dgm:fillClrLst>
+    <dgm:linClrLst meth="repeat">
+      <a:schemeClr val="accent3"/>
+    </dgm:linClrLst>
+    <dgm:effectClrLst/>
+    <dgm:txLinClrLst/>
+    <dgm:txFillClrLst meth="repeat">
+      <a:schemeClr val="dk1"/>
+    </dgm:txFillClrLst>
+    <dgm:txEffectClrLst/>
+  </dgm:styleLbl>
+  <dgm:styleLbl name="trAlignAcc1">
+    <dgm:fillClrLst meth="repeat">
+      <a:schemeClr val="lt1">
+        <a:alpha val="40000"/>
+      </a:schemeClr>
+    </dgm:fillClrLst>
+    <dgm:linClrLst meth="repeat">
+      <a:schemeClr val="accent3"/>
+    </dgm:linClrLst>
+    <dgm:effectClrLst/>
+    <dgm:txLinClrLst/>
+    <dgm:txFillClrLst meth="repeat">
+      <a:schemeClr val="dk1"/>
+    </dgm:txFillClrLst>
+    <dgm:txEffectClrLst/>
+  </dgm:styleLbl>
+  <dgm:styleLbl name="bgAcc1">
+    <dgm:fillClrLst meth="repeat">
+      <a:schemeClr val="lt1">
+        <a:alpha val="90000"/>
+      </a:schemeClr>
+    </dgm:fillClrLst>
+    <dgm:linClrLst meth="repeat">
+      <a:schemeClr val="accent3"/>
+    </dgm:linClrLst>
+    <dgm:effectClrLst/>
+    <dgm:txLinClrLst/>
+    <dgm:txFillClrLst meth="repeat">
+      <a:schemeClr val="dk1"/>
+    </dgm:txFillClrLst>
+    <dgm:txEffectClrLst/>
+  </dgm:styleLbl>
+  <dgm:styleLbl name="solidFgAcc1">
+    <dgm:fillClrLst meth="repeat">
+      <a:schemeClr val="lt1"/>
+    </dgm:fillClrLst>
+    <dgm:linClrLst meth="repeat">
+      <a:schemeClr val="accent3"/>
+    </dgm:linClrLst>
+    <dgm:effectClrLst/>
+    <dgm:txLinClrLst/>
+    <dgm:txFillClrLst meth="repeat">
+      <a:schemeClr val="dk1"/>
+    </dgm:txFillClrLst>
+    <dgm:txEffectClrLst/>
+  </dgm:styleLbl>
+  <dgm:styleLbl name="solidAlignAcc1">
+    <dgm:fillClrLst meth="repeat">
+      <a:schemeClr val="lt1"/>
+    </dgm:fillClrLst>
+    <dgm:linClrLst meth="repeat">
+      <a:schemeClr val="accent3"/>
+    </dgm:linClrLst>
+    <dgm:effectClrLst/>
+    <dgm:txLinClrLst/>
+    <dgm:txFillClrLst meth="repeat">
+      <a:schemeClr val="dk1"/>
+    </dgm:txFillClrLst>
+    <dgm:txEffectClrLst/>
+  </dgm:styleLbl>
+  <dgm:styleLbl name="solidBgAcc1">
+    <dgm:fillClrLst meth="repeat">
+      <a:schemeClr val="lt1"/>
+    </dgm:fillClrLst>
+    <dgm:linClrLst meth="repeat">
+      <a:schemeClr val="accent3"/>
+    </dgm:linClrLst>
+    <dgm:effectClrLst/>
+    <dgm:txLinClrLst/>
+    <dgm:txFillClrLst meth="repeat">
+      <a:schemeClr val="dk1"/>
+    </dgm:txFillClrLst>
+    <dgm:txEffectClrLst/>
+  </dgm:styleLbl>
+  <dgm:styleLbl name="fgAccFollowNode1">
+    <dgm:fillClrLst meth="repeat">
+      <a:schemeClr val="accent3">
+        <a:alpha val="90000"/>
+        <a:tint val="40000"/>
+      </a:schemeClr>
+    </dgm:fillClrLst>
+    <dgm:linClrLst meth="repeat">
+      <a:schemeClr val="accent3">
+        <a:alpha val="90000"/>
+        <a:tint val="40000"/>
+      </a:schemeClr>
+    </dgm:linClrLst>
+    <dgm:effectClrLst/>
+    <dgm:txLinClrLst/>
+    <dgm:txFillClrLst meth="repeat">
+      <a:schemeClr val="dk1"/>
+    </dgm:txFillClrLst>
+    <dgm:txEffectClrLst/>
+  </dgm:styleLbl>
+  <dgm:styleLbl name="alignAccFollowNode1">
+    <dgm:fillClrLst meth="repeat">
+      <a:schemeClr val="accent3">
+        <a:alpha val="90000"/>
+        <a:tint val="40000"/>
+      </a:schemeClr>
+    </dgm:fillClrLst>
+    <dgm:linClrLst meth="repeat">
+      <a:schemeClr val="accent3">
+        <a:alpha val="90000"/>
+        <a:tint val="40000"/>
+      </a:schemeClr>
+    </dgm:linClrLst>
+    <dgm:effectClrLst/>
+    <dgm:txLinClrLst/>
+    <dgm:txFillClrLst meth="repeat">
+      <a:schemeClr val="dk1"/>
+    </dgm:txFillClrLst>
+    <dgm:txEffectClrLst/>
+  </dgm:styleLbl>
+  <dgm:styleLbl name="bgAccFollowNode1">
+    <dgm:fillClrLst meth="repeat">
+      <a:schemeClr val="accent3">
+        <a:alpha val="90000"/>
+        <a:tint val="40000"/>
+      </a:schemeClr>
+    </dgm:fillClrLst>
+    <dgm:linClrLst meth="repeat">
+      <a:schemeClr val="accent3">
+        <a:alpha val="90000"/>
+        <a:tint val="40000"/>
+      </a:schemeClr>
+    </dgm:linClrLst>
+    <dgm:effectClrLst/>
+    <dgm:txLinClrLst/>
+    <dgm:txFillClrLst meth="repeat">
+      <a:schemeClr val="dk1"/>
+    </dgm:txFillClrLst>
+    <dgm:txEffectClrLst/>
+  </dgm:styleLbl>
+  <dgm:styleLbl name="fgAcc0">
+    <dgm:fillClrLst meth="repeat">
+      <a:schemeClr val="lt1">
+        <a:alpha val="90000"/>
+      </a:schemeClr>
+    </dgm:fillClrLst>
+    <dgm:linClrLst meth="repeat">
+      <a:schemeClr val="accent3"/>
+    </dgm:linClrLst>
+    <dgm:effectClrLst/>
+    <dgm:txLinClrLst/>
+    <dgm:txFillClrLst meth="repeat">
+      <a:schemeClr val="dk1"/>
+    </dgm:txFillClrLst>
+    <dgm:txEffectClrLst/>
+  </dgm:styleLbl>
+  <dgm:styleLbl name="fgAcc2">
+    <dgm:fillClrLst meth="repeat">
+      <a:schemeClr val="lt1">
+        <a:alpha val="90000"/>
+      </a:schemeClr>
+    </dgm:fillClrLst>
+    <dgm:linClrLst meth="repeat">
+      <a:schemeClr val="accent3"/>
+    </dgm:linClrLst>
+    <dgm:effectClrLst/>
+    <dgm:txLinClrLst/>
+    <dgm:txFillClrLst meth="repeat">
+      <a:schemeClr val="dk1"/>
+    </dgm:txFillClrLst>
+    <dgm:txEffectClrLst/>
+  </dgm:styleLbl>
+  <dgm:styleLbl name="fgAcc3">
+    <dgm:fillClrLst meth="repeat">
+      <a:schemeClr val="lt1">
+        <a:alpha val="90000"/>
+      </a:schemeClr>
+    </dgm:fillClrLst>
+    <dgm:linClrLst meth="repeat">
+      <a:schemeClr val="accent3"/>
+    </dgm:linClrLst>
+    <dgm:effectClrLst/>
+    <dgm:txLinClrLst/>
+    <dgm:txFillClrLst meth="repeat">
+      <a:schemeClr val="dk1"/>
+    </dgm:txFillClrLst>
+    <dgm:txEffectClrLst/>
+  </dgm:styleLbl>
+  <dgm:styleLbl name="fgAcc4">
+    <dgm:fillClrLst meth="repeat">
+      <a:schemeClr val="lt1">
+        <a:alpha val="90000"/>
+      </a:schemeClr>
+    </dgm:fillClrLst>
+    <dgm:linClrLst meth="repeat">
+      <a:schemeClr val="accent3"/>
+    </dgm:linClrLst>
+    <dgm:effectClrLst/>
+    <dgm:txLinClrLst/>
+    <dgm:txFillClrLst meth="repeat">
+      <a:schemeClr val="dk1"/>
+    </dgm:txFillClrLst>
+    <dgm:txEffectClrLst/>
+  </dgm:styleLbl>
+  <dgm:styleLbl name="bgShp">
+    <dgm:fillClrLst meth="repeat">
+      <a:schemeClr val="bg1">
+        <a:lumMod val="95000"/>
+      </a:schemeClr>
+    </dgm:fillClrLst>
+    <dgm:linClrLst meth="repeat">
+      <a:schemeClr val="accent3"/>
+    </dgm:linClrLst>
+    <dgm:effectClrLst/>
+    <dgm:txLinClrLst/>
+    <dgm:txFillClrLst meth="repeat">
+      <a:schemeClr val="dk1"/>
+    </dgm:txFillClrLst>
+    <dgm:txEffectClrLst/>
+  </dgm:styleLbl>
+  <dgm:styleLbl name="dkBgShp">
+    <dgm:fillClrLst meth="repeat">
+      <a:schemeClr val="accent3">
+        <a:shade val="80000"/>
+      </a:schemeClr>
+    </dgm:fillClrLst>
+    <dgm:linClrLst meth="repeat">
+      <a:schemeClr val="accent3"/>
+    </dgm:linClrLst>
+    <dgm:effectClrLst/>
+    <dgm:txLinClrLst/>
+    <dgm:txFillClrLst meth="repeat">
+      <a:schemeClr val="lt1"/>
+    </dgm:txFillClrLst>
+    <dgm:txEffectClrLst/>
+  </dgm:styleLbl>
+  <dgm:styleLbl name="trBgShp">
+    <dgm:fillClrLst meth="repeat">
+      <a:schemeClr val="accent3">
+        <a:tint val="50000"/>
+        <a:alpha val="40000"/>
+      </a:schemeClr>
+    </dgm:fillClrLst>
+    <dgm:linClrLst meth="repeat">
+      <a:schemeClr val="accent3"/>
+    </dgm:linClrLst>
+    <dgm:effectClrLst/>
+    <dgm:txLinClrLst/>
+    <dgm:txFillClrLst meth="repeat">
+      <a:schemeClr val="lt1"/>
+    </dgm:txFillClrLst>
+    <dgm:txEffectClrLst/>
+  </dgm:styleLbl>
+  <dgm:styleLbl name="fgShp">
+    <dgm:fillClrLst meth="repeat">
+      <a:schemeClr val="accent3">
+        <a:tint val="60000"/>
+      </a:schemeClr>
+    </dgm:fillClrLst>
+    <dgm:linClrLst meth="repeat">
+      <a:schemeClr val="lt1"/>
+    </dgm:linClrLst>
+    <dgm:effectClrLst/>
+    <dgm:txLinClrLst/>
+    <dgm:txFillClrLst meth="repeat">
+      <a:schemeClr val="dk1"/>
+    </dgm:txFillClrLst>
+    <dgm:txEffectClrLst/>
+  </dgm:styleLbl>
+  <dgm:styleLbl name="revTx">
+    <dgm:fillClrLst meth="repeat">
+      <a:schemeClr val="lt1">
+        <a:alpha val="0"/>
+      </a:schemeClr>
+    </dgm:fillClrLst>
+    <dgm:linClrLst meth="repeat">
+      <a:schemeClr val="dk1">
+        <a:alpha val="0"/>
+      </a:schemeClr>
+    </dgm:linClrLst>
+    <dgm:effectClrLst/>
+    <dgm:txLinClrLst/>
+    <dgm:txFillClrLst meth="repeat">
+      <a:schemeClr val="tx1"/>
+    </dgm:txFillClrLst>
+    <dgm:txEffectClrLst/>
+  </dgm:styleLbl>
+</dgm:colorsDef>
+</file>
+
+<file path=ppt/diagrams/colors3.xml><?xml version="1.0" encoding="utf-8"?>
 <dgm:colorsDef xmlns:dgm="http://schemas.openxmlformats.org/drawingml/2006/diagram" xmlns:a="http://schemas.openxmlformats.org/drawingml/2006/main" uniqueId="urn:microsoft.com/office/officeart/2018/5/colors/Iconchunking_neutralbg_colorful1">
   <dgm:title val=""/>
   <dgm:desc val=""/>
@@ -1823,7 +2580,7 @@
 </dgm:colorsDef>
 </file>
 
-<file path=ppt/diagrams/colors3.xml><?xml version="1.0" encoding="utf-8"?>
+<file path=ppt/diagrams/colors4.xml><?xml version="1.0" encoding="utf-8"?>
 <dgm:colorsDef xmlns:dgm="http://schemas.openxmlformats.org/drawingml/2006/diagram" xmlns:a="http://schemas.openxmlformats.org/drawingml/2006/main" uniqueId="urn:microsoft.com/office/officeart/2018/5/colors/Iconchunking_neutralbg_colorful1">
   <dgm:title val=""/>
   <dgm:desc val=""/>
@@ -2957,6 +3714,290 @@
 </file>
 
 <file path=ppt/diagrams/data2.xml><?xml version="1.0" encoding="utf-8"?>
+<dgm:dataModel xmlns:dgm="http://schemas.openxmlformats.org/drawingml/2006/diagram" xmlns:a="http://schemas.openxmlformats.org/drawingml/2006/main">
+  <dgm:ptLst>
+    <dgm:pt modelId="{8A325B9C-C7BC-470B-AA1C-908C99DFE912}" type="doc">
+      <dgm:prSet loTypeId="urn:microsoft.com/office/officeart/2018/2/layout/IconLabelDescriptionList" loCatId="icon" qsTypeId="urn:microsoft.com/office/officeart/2005/8/quickstyle/simple1" qsCatId="simple" csTypeId="urn:microsoft.com/office/officeart/2018/5/colors/Iconchunking_neutralbg_accent3_2" csCatId="accent3" phldr="1"/>
+      <dgm:spPr/>
+      <dgm:t>
+        <a:bodyPr/>
+        <a:lstStyle/>
+        <a:p>
+          <a:endParaRPr lang="en-US"/>
+        </a:p>
+      </dgm:t>
+    </dgm:pt>
+    <dgm:pt modelId="{1D635062-F8B3-4DA4-ACB2-D103B66DB71A}">
+      <dgm:prSet/>
+      <dgm:spPr/>
+      <dgm:t>
+        <a:bodyPr/>
+        <a:lstStyle/>
+        <a:p>
+          <a:pPr>
+            <a:defRPr b="1"/>
+          </a:pPr>
+          <a:r>
+            <a:rPr lang="en-US"/>
+            <a:t>Jupyter  Notebooks</a:t>
+          </a:r>
+        </a:p>
+      </dgm:t>
+    </dgm:pt>
+    <dgm:pt modelId="{02E63A06-4546-4A31-B526-15044FB8E2A2}" type="parTrans" cxnId="{91CB7A7E-2F2C-4549-8F4A-AA780B96C296}">
+      <dgm:prSet/>
+      <dgm:spPr/>
+      <dgm:t>
+        <a:bodyPr/>
+        <a:lstStyle/>
+        <a:p>
+          <a:endParaRPr lang="en-US"/>
+        </a:p>
+      </dgm:t>
+    </dgm:pt>
+    <dgm:pt modelId="{9435F54F-B37E-48BB-9533-81F6EF943D69}" type="sibTrans" cxnId="{91CB7A7E-2F2C-4549-8F4A-AA780B96C296}">
+      <dgm:prSet/>
+      <dgm:spPr/>
+      <dgm:t>
+        <a:bodyPr/>
+        <a:lstStyle/>
+        <a:p>
+          <a:endParaRPr lang="en-US"/>
+        </a:p>
+      </dgm:t>
+    </dgm:pt>
+    <dgm:pt modelId="{861E236F-D044-4BFB-B8E0-3CE70DDFF108}">
+      <dgm:prSet/>
+      <dgm:spPr/>
+      <dgm:t>
+        <a:bodyPr/>
+        <a:lstStyle/>
+        <a:p>
+          <a:pPr>
+            <a:defRPr b="1"/>
+          </a:pPr>
+          <a:r>
+            <a:rPr lang="en-US"/>
+            <a:t>Scikit-Learn</a:t>
+          </a:r>
+        </a:p>
+      </dgm:t>
+    </dgm:pt>
+    <dgm:pt modelId="{6233092A-9781-433E-8D28-C8E1C9924EB7}" type="parTrans" cxnId="{0AA34AB2-21F9-4ECB-B888-6429B4DDC915}">
+      <dgm:prSet/>
+      <dgm:spPr/>
+      <dgm:t>
+        <a:bodyPr/>
+        <a:lstStyle/>
+        <a:p>
+          <a:endParaRPr lang="en-US"/>
+        </a:p>
+      </dgm:t>
+    </dgm:pt>
+    <dgm:pt modelId="{F574973A-BA51-460A-81B0-1E80947F0F77}" type="sibTrans" cxnId="{0AA34AB2-21F9-4ECB-B888-6429B4DDC915}">
+      <dgm:prSet/>
+      <dgm:spPr/>
+      <dgm:t>
+        <a:bodyPr/>
+        <a:lstStyle/>
+        <a:p>
+          <a:endParaRPr lang="en-US"/>
+        </a:p>
+      </dgm:t>
+    </dgm:pt>
+    <dgm:pt modelId="{5FF7F7BC-F946-4C3A-93B1-790CE532D7DF}">
+      <dgm:prSet/>
+      <dgm:spPr/>
+      <dgm:t>
+        <a:bodyPr/>
+        <a:lstStyle/>
+        <a:p>
+          <a:r>
+            <a:rPr lang="en-US"/>
+            <a:t>Train_test_split</a:t>
+          </a:r>
+        </a:p>
+      </dgm:t>
+    </dgm:pt>
+    <dgm:pt modelId="{7B0B01B5-0F58-48FB-A1E9-CBA3F912BB28}" type="parTrans" cxnId="{2536FA88-2070-499F-BA1A-B8B95250D1B8}">
+      <dgm:prSet/>
+      <dgm:spPr/>
+      <dgm:t>
+        <a:bodyPr/>
+        <a:lstStyle/>
+        <a:p>
+          <a:endParaRPr lang="en-US"/>
+        </a:p>
+      </dgm:t>
+    </dgm:pt>
+    <dgm:pt modelId="{E6210248-7D6D-4A13-9373-E3FEEAC54A35}" type="sibTrans" cxnId="{2536FA88-2070-499F-BA1A-B8B95250D1B8}">
+      <dgm:prSet/>
+      <dgm:spPr/>
+      <dgm:t>
+        <a:bodyPr/>
+        <a:lstStyle/>
+        <a:p>
+          <a:endParaRPr lang="en-US"/>
+        </a:p>
+      </dgm:t>
+    </dgm:pt>
+    <dgm:pt modelId="{FE032CAE-EF00-48CE-8E20-0937D00E6398}" type="pres">
+      <dgm:prSet presAssocID="{8A325B9C-C7BC-470B-AA1C-908C99DFE912}" presName="root" presStyleCnt="0">
+        <dgm:presLayoutVars>
+          <dgm:dir/>
+          <dgm:resizeHandles val="exact"/>
+        </dgm:presLayoutVars>
+      </dgm:prSet>
+      <dgm:spPr/>
+    </dgm:pt>
+    <dgm:pt modelId="{DF863B15-AAC8-4A2F-BB1B-F2A5131E5ABF}" type="pres">
+      <dgm:prSet presAssocID="{1D635062-F8B3-4DA4-ACB2-D103B66DB71A}" presName="compNode" presStyleCnt="0"/>
+      <dgm:spPr/>
+    </dgm:pt>
+    <dgm:pt modelId="{F9E5BFE5-03C5-4D88-9CA3-60AC56C35BC7}" type="pres">
+      <dgm:prSet presAssocID="{1D635062-F8B3-4DA4-ACB2-D103B66DB71A}" presName="iconRect" presStyleLbl="node1" presStyleIdx="0" presStyleCnt="2"/>
+      <dgm:spPr>
+        <a:blipFill>
+          <a:blip xmlns:r="http://schemas.openxmlformats.org/officeDocument/2006/relationships" r:embed="rId1">
+            <a:extLst>
+              <a:ext uri="{28A0092B-C50C-407E-A947-70E740481C1C}">
+                <a14:useLocalDpi xmlns:a14="http://schemas.microsoft.com/office/drawing/2010/main" val="0"/>
+              </a:ext>
+              <a:ext uri="{96DAC541-7B7A-43D3-8B79-37D633B846F1}">
+                <asvg:svgBlip xmlns:asvg="http://schemas.microsoft.com/office/drawing/2016/SVG/main" r:embed="rId2"/>
+              </a:ext>
+            </a:extLst>
+          </a:blip>
+          <a:stretch>
+            <a:fillRect/>
+          </a:stretch>
+        </a:blipFill>
+        <a:ln>
+          <a:noFill/>
+        </a:ln>
+      </dgm:spPr>
+      <dgm:extLst>
+        <a:ext uri="{E40237B7-FDA0-4F09-8148-C483321AD2D9}">
+          <dgm14:cNvPr xmlns:dgm14="http://schemas.microsoft.com/office/drawing/2010/diagram" id="0" name="" descr="Pencil"/>
+        </a:ext>
+      </dgm:extLst>
+    </dgm:pt>
+    <dgm:pt modelId="{F72E1096-D18F-4052-A360-AD3AAA6B4603}" type="pres">
+      <dgm:prSet presAssocID="{1D635062-F8B3-4DA4-ACB2-D103B66DB71A}" presName="iconSpace" presStyleCnt="0"/>
+      <dgm:spPr/>
+    </dgm:pt>
+    <dgm:pt modelId="{74DDBF81-5068-4D31-A670-726760462332}" type="pres">
+      <dgm:prSet presAssocID="{1D635062-F8B3-4DA4-ACB2-D103B66DB71A}" presName="parTx" presStyleLbl="revTx" presStyleIdx="0" presStyleCnt="4">
+        <dgm:presLayoutVars>
+          <dgm:chMax val="0"/>
+          <dgm:chPref val="0"/>
+        </dgm:presLayoutVars>
+      </dgm:prSet>
+      <dgm:spPr/>
+    </dgm:pt>
+    <dgm:pt modelId="{825E974C-874A-4180-AE6F-4E4D0EF0C38D}" type="pres">
+      <dgm:prSet presAssocID="{1D635062-F8B3-4DA4-ACB2-D103B66DB71A}" presName="txSpace" presStyleCnt="0"/>
+      <dgm:spPr/>
+    </dgm:pt>
+    <dgm:pt modelId="{6C46A6AA-F963-407A-8D75-7AF16B5F89C9}" type="pres">
+      <dgm:prSet presAssocID="{1D635062-F8B3-4DA4-ACB2-D103B66DB71A}" presName="desTx" presStyleLbl="revTx" presStyleIdx="1" presStyleCnt="4">
+        <dgm:presLayoutVars/>
+      </dgm:prSet>
+      <dgm:spPr/>
+    </dgm:pt>
+    <dgm:pt modelId="{E7A007CF-2DF9-4739-9432-14250C15B51F}" type="pres">
+      <dgm:prSet presAssocID="{9435F54F-B37E-48BB-9533-81F6EF943D69}" presName="sibTrans" presStyleCnt="0"/>
+      <dgm:spPr/>
+    </dgm:pt>
+    <dgm:pt modelId="{89D70B6A-FBB8-4327-BCED-D6634014184B}" type="pres">
+      <dgm:prSet presAssocID="{861E236F-D044-4BFB-B8E0-3CE70DDFF108}" presName="compNode" presStyleCnt="0"/>
+      <dgm:spPr/>
+    </dgm:pt>
+    <dgm:pt modelId="{B578C729-6AB0-4F79-A04F-E7F807393FC4}" type="pres">
+      <dgm:prSet presAssocID="{861E236F-D044-4BFB-B8E0-3CE70DDFF108}" presName="iconRect" presStyleLbl="node1" presStyleIdx="1" presStyleCnt="2"/>
+      <dgm:spPr>
+        <a:blipFill>
+          <a:blip xmlns:r="http://schemas.openxmlformats.org/officeDocument/2006/relationships" r:embed="rId3">
+            <a:extLst>
+              <a:ext uri="{28A0092B-C50C-407E-A947-70E740481C1C}">
+                <a14:useLocalDpi xmlns:a14="http://schemas.microsoft.com/office/drawing/2010/main" val="0"/>
+              </a:ext>
+              <a:ext uri="{96DAC541-7B7A-43D3-8B79-37D633B846F1}">
+                <asvg:svgBlip xmlns:asvg="http://schemas.microsoft.com/office/drawing/2016/SVG/main" r:embed="rId4"/>
+              </a:ext>
+            </a:extLst>
+          </a:blip>
+          <a:stretch>
+            <a:fillRect/>
+          </a:stretch>
+        </a:blipFill>
+        <a:ln>
+          <a:noFill/>
+        </a:ln>
+      </dgm:spPr>
+      <dgm:extLst>
+        <a:ext uri="{E40237B7-FDA0-4F09-8148-C483321AD2D9}">
+          <dgm14:cNvPr xmlns:dgm14="http://schemas.microsoft.com/office/drawing/2010/diagram" id="0" name="" descr="Tools"/>
+        </a:ext>
+      </dgm:extLst>
+    </dgm:pt>
+    <dgm:pt modelId="{6E8FE067-A493-4341-AB8D-7AB352E7F79A}" type="pres">
+      <dgm:prSet presAssocID="{861E236F-D044-4BFB-B8E0-3CE70DDFF108}" presName="iconSpace" presStyleCnt="0"/>
+      <dgm:spPr/>
+    </dgm:pt>
+    <dgm:pt modelId="{6D735328-CD80-4758-B5AD-DD16B8A7E920}" type="pres">
+      <dgm:prSet presAssocID="{861E236F-D044-4BFB-B8E0-3CE70DDFF108}" presName="parTx" presStyleLbl="revTx" presStyleIdx="2" presStyleCnt="4">
+        <dgm:presLayoutVars>
+          <dgm:chMax val="0"/>
+          <dgm:chPref val="0"/>
+        </dgm:presLayoutVars>
+      </dgm:prSet>
+      <dgm:spPr/>
+    </dgm:pt>
+    <dgm:pt modelId="{E3DF1DFC-147B-4FB4-B9ED-DA6E61F4DA9A}" type="pres">
+      <dgm:prSet presAssocID="{861E236F-D044-4BFB-B8E0-3CE70DDFF108}" presName="txSpace" presStyleCnt="0"/>
+      <dgm:spPr/>
+    </dgm:pt>
+    <dgm:pt modelId="{804ED5BA-4369-4151-B764-F0C70CCCCCB1}" type="pres">
+      <dgm:prSet presAssocID="{861E236F-D044-4BFB-B8E0-3CE70DDFF108}" presName="desTx" presStyleLbl="revTx" presStyleIdx="3" presStyleCnt="4">
+        <dgm:presLayoutVars/>
+      </dgm:prSet>
+      <dgm:spPr/>
+    </dgm:pt>
+  </dgm:ptLst>
+  <dgm:cxnLst>
+    <dgm:cxn modelId="{57D67E08-1EA1-4D15-9CB8-314D858F757A}" type="presOf" srcId="{861E236F-D044-4BFB-B8E0-3CE70DDFF108}" destId="{6D735328-CD80-4758-B5AD-DD16B8A7E920}" srcOrd="0" destOrd="0" presId="urn:microsoft.com/office/officeart/2018/2/layout/IconLabelDescriptionList"/>
+    <dgm:cxn modelId="{5953E328-FC03-4C60-873E-6788C79825FB}" type="presOf" srcId="{8A325B9C-C7BC-470B-AA1C-908C99DFE912}" destId="{FE032CAE-EF00-48CE-8E20-0937D00E6398}" srcOrd="0" destOrd="0" presId="urn:microsoft.com/office/officeart/2018/2/layout/IconLabelDescriptionList"/>
+    <dgm:cxn modelId="{91CB7A7E-2F2C-4549-8F4A-AA780B96C296}" srcId="{8A325B9C-C7BC-470B-AA1C-908C99DFE912}" destId="{1D635062-F8B3-4DA4-ACB2-D103B66DB71A}" srcOrd="0" destOrd="0" parTransId="{02E63A06-4546-4A31-B526-15044FB8E2A2}" sibTransId="{9435F54F-B37E-48BB-9533-81F6EF943D69}"/>
+    <dgm:cxn modelId="{012D187F-AB4A-4375-89E7-CD2380176ADA}" type="presOf" srcId="{1D635062-F8B3-4DA4-ACB2-D103B66DB71A}" destId="{74DDBF81-5068-4D31-A670-726760462332}" srcOrd="0" destOrd="0" presId="urn:microsoft.com/office/officeart/2018/2/layout/IconLabelDescriptionList"/>
+    <dgm:cxn modelId="{2536FA88-2070-499F-BA1A-B8B95250D1B8}" srcId="{861E236F-D044-4BFB-B8E0-3CE70DDFF108}" destId="{5FF7F7BC-F946-4C3A-93B1-790CE532D7DF}" srcOrd="0" destOrd="0" parTransId="{7B0B01B5-0F58-48FB-A1E9-CBA3F912BB28}" sibTransId="{E6210248-7D6D-4A13-9373-E3FEEAC54A35}"/>
+    <dgm:cxn modelId="{0AA34AB2-21F9-4ECB-B888-6429B4DDC915}" srcId="{8A325B9C-C7BC-470B-AA1C-908C99DFE912}" destId="{861E236F-D044-4BFB-B8E0-3CE70DDFF108}" srcOrd="1" destOrd="0" parTransId="{6233092A-9781-433E-8D28-C8E1C9924EB7}" sibTransId="{F574973A-BA51-460A-81B0-1E80947F0F77}"/>
+    <dgm:cxn modelId="{FD6F30BE-93D3-41DB-87C0-696A4BE5210F}" type="presOf" srcId="{5FF7F7BC-F946-4C3A-93B1-790CE532D7DF}" destId="{804ED5BA-4369-4151-B764-F0C70CCCCCB1}" srcOrd="0" destOrd="0" presId="urn:microsoft.com/office/officeart/2018/2/layout/IconLabelDescriptionList"/>
+    <dgm:cxn modelId="{782F26C8-04B7-499F-904B-4ED02AA2C5DD}" type="presParOf" srcId="{FE032CAE-EF00-48CE-8E20-0937D00E6398}" destId="{DF863B15-AAC8-4A2F-BB1B-F2A5131E5ABF}" srcOrd="0" destOrd="0" presId="urn:microsoft.com/office/officeart/2018/2/layout/IconLabelDescriptionList"/>
+    <dgm:cxn modelId="{0F861B28-2383-4AB2-80E0-9A370A7FE4B7}" type="presParOf" srcId="{DF863B15-AAC8-4A2F-BB1B-F2A5131E5ABF}" destId="{F9E5BFE5-03C5-4D88-9CA3-60AC56C35BC7}" srcOrd="0" destOrd="0" presId="urn:microsoft.com/office/officeart/2018/2/layout/IconLabelDescriptionList"/>
+    <dgm:cxn modelId="{D3AF9B73-C963-436E-8891-C3B2621DADE8}" type="presParOf" srcId="{DF863B15-AAC8-4A2F-BB1B-F2A5131E5ABF}" destId="{F72E1096-D18F-4052-A360-AD3AAA6B4603}" srcOrd="1" destOrd="0" presId="urn:microsoft.com/office/officeart/2018/2/layout/IconLabelDescriptionList"/>
+    <dgm:cxn modelId="{4FC38456-6A0C-48EC-BF85-3369A92BF020}" type="presParOf" srcId="{DF863B15-AAC8-4A2F-BB1B-F2A5131E5ABF}" destId="{74DDBF81-5068-4D31-A670-726760462332}" srcOrd="2" destOrd="0" presId="urn:microsoft.com/office/officeart/2018/2/layout/IconLabelDescriptionList"/>
+    <dgm:cxn modelId="{0B50B6D3-3416-44DA-BD05-6858D0F901E4}" type="presParOf" srcId="{DF863B15-AAC8-4A2F-BB1B-F2A5131E5ABF}" destId="{825E974C-874A-4180-AE6F-4E4D0EF0C38D}" srcOrd="3" destOrd="0" presId="urn:microsoft.com/office/officeart/2018/2/layout/IconLabelDescriptionList"/>
+    <dgm:cxn modelId="{5EEA076E-520C-4006-AD57-4B1F2D35D257}" type="presParOf" srcId="{DF863B15-AAC8-4A2F-BB1B-F2A5131E5ABF}" destId="{6C46A6AA-F963-407A-8D75-7AF16B5F89C9}" srcOrd="4" destOrd="0" presId="urn:microsoft.com/office/officeart/2018/2/layout/IconLabelDescriptionList"/>
+    <dgm:cxn modelId="{C6C8EFCC-C267-4C01-B526-0901B1A021A1}" type="presParOf" srcId="{FE032CAE-EF00-48CE-8E20-0937D00E6398}" destId="{E7A007CF-2DF9-4739-9432-14250C15B51F}" srcOrd="1" destOrd="0" presId="urn:microsoft.com/office/officeart/2018/2/layout/IconLabelDescriptionList"/>
+    <dgm:cxn modelId="{561A8DB7-7BE1-4DA5-BEAC-716BADA74A15}" type="presParOf" srcId="{FE032CAE-EF00-48CE-8E20-0937D00E6398}" destId="{89D70B6A-FBB8-4327-BCED-D6634014184B}" srcOrd="2" destOrd="0" presId="urn:microsoft.com/office/officeart/2018/2/layout/IconLabelDescriptionList"/>
+    <dgm:cxn modelId="{6C65BA66-C01F-4368-9659-C62EEB8B77C0}" type="presParOf" srcId="{89D70B6A-FBB8-4327-BCED-D6634014184B}" destId="{B578C729-6AB0-4F79-A04F-E7F807393FC4}" srcOrd="0" destOrd="0" presId="urn:microsoft.com/office/officeart/2018/2/layout/IconLabelDescriptionList"/>
+    <dgm:cxn modelId="{7F825976-46BA-492C-BFC7-EE360C344B36}" type="presParOf" srcId="{89D70B6A-FBB8-4327-BCED-D6634014184B}" destId="{6E8FE067-A493-4341-AB8D-7AB352E7F79A}" srcOrd="1" destOrd="0" presId="urn:microsoft.com/office/officeart/2018/2/layout/IconLabelDescriptionList"/>
+    <dgm:cxn modelId="{92CCC902-C37C-4942-A958-C84B995572B6}" type="presParOf" srcId="{89D70B6A-FBB8-4327-BCED-D6634014184B}" destId="{6D735328-CD80-4758-B5AD-DD16B8A7E920}" srcOrd="2" destOrd="0" presId="urn:microsoft.com/office/officeart/2018/2/layout/IconLabelDescriptionList"/>
+    <dgm:cxn modelId="{3B4E0620-25AC-4D45-A9E5-F3F3BDC06222}" type="presParOf" srcId="{89D70B6A-FBB8-4327-BCED-D6634014184B}" destId="{E3DF1DFC-147B-4FB4-B9ED-DA6E61F4DA9A}" srcOrd="3" destOrd="0" presId="urn:microsoft.com/office/officeart/2018/2/layout/IconLabelDescriptionList"/>
+    <dgm:cxn modelId="{40D6FED9-0589-402A-8E34-4576D17C0F9D}" type="presParOf" srcId="{89D70B6A-FBB8-4327-BCED-D6634014184B}" destId="{804ED5BA-4369-4151-B764-F0C70CCCCCB1}" srcOrd="4" destOrd="0" presId="urn:microsoft.com/office/officeart/2018/2/layout/IconLabelDescriptionList"/>
+  </dgm:cxnLst>
+  <dgm:bg/>
+  <dgm:whole/>
+  <dgm:extLst>
+    <a:ext uri="http://schemas.microsoft.com/office/drawing/2008/diagram">
+      <dsp:dataModelExt xmlns:dsp="http://schemas.microsoft.com/office/drawing/2008/diagram" relId="rId6" minVer="http://schemas.openxmlformats.org/drawingml/2006/diagram"/>
+    </a:ext>
+  </dgm:extLst>
+</dgm:dataModel>
+</file>
+
+<file path=ppt/diagrams/data3.xml><?xml version="1.0" encoding="utf-8"?>
 <dgm:dataModel xmlns:dgm="http://schemas.openxmlformats.org/drawingml/2006/diagram" xmlns:a="http://schemas.openxmlformats.org/drawingml/2006/main">
   <dgm:ptLst>
     <dgm:pt modelId="{BF12B757-E3C4-4F7A-AAE4-69E67DE6A34D}" type="doc">
@@ -3243,7 +4284,7 @@
 </dgm:dataModel>
 </file>
 
-<file path=ppt/diagrams/data3.xml><?xml version="1.0" encoding="utf-8"?>
+<file path=ppt/diagrams/data4.xml><?xml version="1.0" encoding="utf-8"?>
 <dgm:dataModel xmlns:dgm="http://schemas.openxmlformats.org/drawingml/2006/diagram" xmlns:a="http://schemas.openxmlformats.org/drawingml/2006/main">
   <dgm:ptLst>
     <dgm:pt modelId="{E26BC3AE-B5A6-4D70-B705-C93EEAE0E283}" type="doc">
@@ -3382,7 +4423,7 @@
             <a:defRPr b="1"/>
           </a:pPr>
           <a:r>
-            <a:rPr lang="en-US"/>
+            <a:rPr lang="en-US" dirty="0"/>
             <a:t>Trees can be biased if some classes dominate, ensure dataset is balanced prior to fitting</a:t>
           </a:r>
         </a:p>
@@ -3984,6 +5025,332 @@
       <dsp:cNvGrpSpPr/>
     </dsp:nvGrpSpPr>
     <dsp:grpSpPr/>
+    <dsp:sp modelId="{F9E5BFE5-03C5-4D88-9CA3-60AC56C35BC7}">
+      <dsp:nvSpPr>
+        <dsp:cNvPr id="0" name=""/>
+        <dsp:cNvSpPr/>
+      </dsp:nvSpPr>
+      <dsp:spPr>
+        <a:xfrm>
+          <a:off x="2910" y="1583848"/>
+          <a:ext cx="1024734" cy="1024734"/>
+        </a:xfrm>
+        <a:prstGeom prst="rect">
+          <a:avLst/>
+        </a:prstGeom>
+        <a:blipFill>
+          <a:blip xmlns:r="http://schemas.openxmlformats.org/officeDocument/2006/relationships" r:embed="rId1">
+            <a:extLst>
+              <a:ext uri="{28A0092B-C50C-407E-A947-70E740481C1C}">
+                <a14:useLocalDpi xmlns:a14="http://schemas.microsoft.com/office/drawing/2010/main" val="0"/>
+              </a:ext>
+              <a:ext uri="{96DAC541-7B7A-43D3-8B79-37D633B846F1}">
+                <asvg:svgBlip xmlns:asvg="http://schemas.microsoft.com/office/drawing/2016/SVG/main" r:embed="rId2"/>
+              </a:ext>
+            </a:extLst>
+          </a:blip>
+          <a:stretch>
+            <a:fillRect/>
+          </a:stretch>
+        </a:blipFill>
+        <a:ln w="12700" cap="flat" cmpd="sng" algn="ctr">
+          <a:noFill/>
+          <a:prstDash val="solid"/>
+          <a:miter lim="800000"/>
+        </a:ln>
+        <a:effectLst/>
+      </dsp:spPr>
+      <dsp:style>
+        <a:lnRef idx="2">
+          <a:scrgbClr r="0" g="0" b="0"/>
+        </a:lnRef>
+        <a:fillRef idx="1">
+          <a:scrgbClr r="0" g="0" b="0"/>
+        </a:fillRef>
+        <a:effectRef idx="0">
+          <a:scrgbClr r="0" g="0" b="0"/>
+        </a:effectRef>
+        <a:fontRef idx="minor">
+          <a:schemeClr val="lt1"/>
+        </a:fontRef>
+      </dsp:style>
+    </dsp:sp>
+    <dsp:sp modelId="{74DDBF81-5068-4D31-A670-726760462332}">
+      <dsp:nvSpPr>
+        <dsp:cNvPr id="0" name=""/>
+        <dsp:cNvSpPr/>
+      </dsp:nvSpPr>
+      <dsp:spPr>
+        <a:xfrm>
+          <a:off x="2910" y="2720028"/>
+          <a:ext cx="2927812" cy="439171"/>
+        </a:xfrm>
+        <a:prstGeom prst="rect">
+          <a:avLst/>
+        </a:prstGeom>
+        <a:noFill/>
+        <a:ln>
+          <a:noFill/>
+        </a:ln>
+        <a:effectLst/>
+      </dsp:spPr>
+      <dsp:style>
+        <a:lnRef idx="0">
+          <a:scrgbClr r="0" g="0" b="0"/>
+        </a:lnRef>
+        <a:fillRef idx="0">
+          <a:scrgbClr r="0" g="0" b="0"/>
+        </a:fillRef>
+        <a:effectRef idx="0">
+          <a:scrgbClr r="0" g="0" b="0"/>
+        </a:effectRef>
+        <a:fontRef idx="minor"/>
+      </dsp:style>
+      <dsp:txBody>
+        <a:bodyPr spcFirstLastPara="0" vert="horz" wrap="square" lIns="0" tIns="0" rIns="0" bIns="0" numCol="1" spcCol="1270" anchor="t" anchorCtr="0">
+          <a:noAutofit/>
+        </a:bodyPr>
+        <a:lstStyle/>
+        <a:p>
+          <a:pPr marL="0" lvl="0" indent="0" algn="l" defTabSz="1155700">
+            <a:lnSpc>
+              <a:spcPct val="90000"/>
+            </a:lnSpc>
+            <a:spcBef>
+              <a:spcPct val="0"/>
+            </a:spcBef>
+            <a:spcAft>
+              <a:spcPct val="35000"/>
+            </a:spcAft>
+            <a:buNone/>
+            <a:defRPr b="1"/>
+          </a:pPr>
+          <a:r>
+            <a:rPr lang="en-US" sz="2600" kern="1200"/>
+            <a:t>Jupyter  Notebooks</a:t>
+          </a:r>
+        </a:p>
+      </dsp:txBody>
+      <dsp:txXfrm>
+        <a:off x="2910" y="2720028"/>
+        <a:ext cx="2927812" cy="439171"/>
+      </dsp:txXfrm>
+    </dsp:sp>
+    <dsp:sp modelId="{6C46A6AA-F963-407A-8D75-7AF16B5F89C9}">
+      <dsp:nvSpPr>
+        <dsp:cNvPr id="0" name=""/>
+        <dsp:cNvSpPr/>
+      </dsp:nvSpPr>
+      <dsp:spPr>
+        <a:xfrm>
+          <a:off x="2910" y="3211035"/>
+          <a:ext cx="2927812" cy="964565"/>
+        </a:xfrm>
+        <a:prstGeom prst="rect">
+          <a:avLst/>
+        </a:prstGeom>
+        <a:noFill/>
+        <a:ln>
+          <a:noFill/>
+        </a:ln>
+        <a:effectLst/>
+      </dsp:spPr>
+      <dsp:style>
+        <a:lnRef idx="0">
+          <a:scrgbClr r="0" g="0" b="0"/>
+        </a:lnRef>
+        <a:fillRef idx="0">
+          <a:scrgbClr r="0" g="0" b="0"/>
+        </a:fillRef>
+        <a:effectRef idx="0">
+          <a:scrgbClr r="0" g="0" b="0"/>
+        </a:effectRef>
+        <a:fontRef idx="minor"/>
+      </dsp:style>
+    </dsp:sp>
+    <dsp:sp modelId="{B578C729-6AB0-4F79-A04F-E7F807393FC4}">
+      <dsp:nvSpPr>
+        <dsp:cNvPr id="0" name=""/>
+        <dsp:cNvSpPr/>
+      </dsp:nvSpPr>
+      <dsp:spPr>
+        <a:xfrm>
+          <a:off x="3443090" y="1583848"/>
+          <a:ext cx="1024734" cy="1024734"/>
+        </a:xfrm>
+        <a:prstGeom prst="rect">
+          <a:avLst/>
+        </a:prstGeom>
+        <a:blipFill>
+          <a:blip xmlns:r="http://schemas.openxmlformats.org/officeDocument/2006/relationships" r:embed="rId3">
+            <a:extLst>
+              <a:ext uri="{28A0092B-C50C-407E-A947-70E740481C1C}">
+                <a14:useLocalDpi xmlns:a14="http://schemas.microsoft.com/office/drawing/2010/main" val="0"/>
+              </a:ext>
+              <a:ext uri="{96DAC541-7B7A-43D3-8B79-37D633B846F1}">
+                <asvg:svgBlip xmlns:asvg="http://schemas.microsoft.com/office/drawing/2016/SVG/main" r:embed="rId4"/>
+              </a:ext>
+            </a:extLst>
+          </a:blip>
+          <a:stretch>
+            <a:fillRect/>
+          </a:stretch>
+        </a:blipFill>
+        <a:ln w="12700" cap="flat" cmpd="sng" algn="ctr">
+          <a:noFill/>
+          <a:prstDash val="solid"/>
+          <a:miter lim="800000"/>
+        </a:ln>
+        <a:effectLst/>
+      </dsp:spPr>
+      <dsp:style>
+        <a:lnRef idx="2">
+          <a:scrgbClr r="0" g="0" b="0"/>
+        </a:lnRef>
+        <a:fillRef idx="1">
+          <a:scrgbClr r="0" g="0" b="0"/>
+        </a:fillRef>
+        <a:effectRef idx="0">
+          <a:scrgbClr r="0" g="0" b="0"/>
+        </a:effectRef>
+        <a:fontRef idx="minor">
+          <a:schemeClr val="lt1"/>
+        </a:fontRef>
+      </dsp:style>
+    </dsp:sp>
+    <dsp:sp modelId="{6D735328-CD80-4758-B5AD-DD16B8A7E920}">
+      <dsp:nvSpPr>
+        <dsp:cNvPr id="0" name=""/>
+        <dsp:cNvSpPr/>
+      </dsp:nvSpPr>
+      <dsp:spPr>
+        <a:xfrm>
+          <a:off x="3443090" y="2720028"/>
+          <a:ext cx="2927812" cy="439171"/>
+        </a:xfrm>
+        <a:prstGeom prst="rect">
+          <a:avLst/>
+        </a:prstGeom>
+        <a:noFill/>
+        <a:ln>
+          <a:noFill/>
+        </a:ln>
+        <a:effectLst/>
+      </dsp:spPr>
+      <dsp:style>
+        <a:lnRef idx="0">
+          <a:scrgbClr r="0" g="0" b="0"/>
+        </a:lnRef>
+        <a:fillRef idx="0">
+          <a:scrgbClr r="0" g="0" b="0"/>
+        </a:fillRef>
+        <a:effectRef idx="0">
+          <a:scrgbClr r="0" g="0" b="0"/>
+        </a:effectRef>
+        <a:fontRef idx="minor"/>
+      </dsp:style>
+      <dsp:txBody>
+        <a:bodyPr spcFirstLastPara="0" vert="horz" wrap="square" lIns="0" tIns="0" rIns="0" bIns="0" numCol="1" spcCol="1270" anchor="t" anchorCtr="0">
+          <a:noAutofit/>
+        </a:bodyPr>
+        <a:lstStyle/>
+        <a:p>
+          <a:pPr marL="0" lvl="0" indent="0" algn="l" defTabSz="1155700">
+            <a:lnSpc>
+              <a:spcPct val="90000"/>
+            </a:lnSpc>
+            <a:spcBef>
+              <a:spcPct val="0"/>
+            </a:spcBef>
+            <a:spcAft>
+              <a:spcPct val="35000"/>
+            </a:spcAft>
+            <a:buNone/>
+            <a:defRPr b="1"/>
+          </a:pPr>
+          <a:r>
+            <a:rPr lang="en-US" sz="2600" kern="1200"/>
+            <a:t>Scikit-Learn</a:t>
+          </a:r>
+        </a:p>
+      </dsp:txBody>
+      <dsp:txXfrm>
+        <a:off x="3443090" y="2720028"/>
+        <a:ext cx="2927812" cy="439171"/>
+      </dsp:txXfrm>
+    </dsp:sp>
+    <dsp:sp modelId="{804ED5BA-4369-4151-B764-F0C70CCCCCB1}">
+      <dsp:nvSpPr>
+        <dsp:cNvPr id="0" name=""/>
+        <dsp:cNvSpPr/>
+      </dsp:nvSpPr>
+      <dsp:spPr>
+        <a:xfrm>
+          <a:off x="3443090" y="3211035"/>
+          <a:ext cx="2927812" cy="964565"/>
+        </a:xfrm>
+        <a:prstGeom prst="rect">
+          <a:avLst/>
+        </a:prstGeom>
+        <a:noFill/>
+        <a:ln>
+          <a:noFill/>
+        </a:ln>
+        <a:effectLst/>
+      </dsp:spPr>
+      <dsp:style>
+        <a:lnRef idx="0">
+          <a:scrgbClr r="0" g="0" b="0"/>
+        </a:lnRef>
+        <a:fillRef idx="0">
+          <a:scrgbClr r="0" g="0" b="0"/>
+        </a:fillRef>
+        <a:effectRef idx="0">
+          <a:scrgbClr r="0" g="0" b="0"/>
+        </a:effectRef>
+        <a:fontRef idx="minor"/>
+      </dsp:style>
+      <dsp:txBody>
+        <a:bodyPr spcFirstLastPara="0" vert="horz" wrap="square" lIns="0" tIns="0" rIns="0" bIns="0" numCol="1" spcCol="1270" anchor="t" anchorCtr="0">
+          <a:noAutofit/>
+        </a:bodyPr>
+        <a:lstStyle/>
+        <a:p>
+          <a:pPr marL="0" lvl="0" indent="0" algn="l" defTabSz="800100">
+            <a:lnSpc>
+              <a:spcPct val="90000"/>
+            </a:lnSpc>
+            <a:spcBef>
+              <a:spcPct val="0"/>
+            </a:spcBef>
+            <a:spcAft>
+              <a:spcPct val="35000"/>
+            </a:spcAft>
+            <a:buNone/>
+          </a:pPr>
+          <a:r>
+            <a:rPr lang="en-US" sz="1800" kern="1200"/>
+            <a:t>Train_test_split</a:t>
+          </a:r>
+        </a:p>
+      </dsp:txBody>
+      <dsp:txXfrm>
+        <a:off x="3443090" y="3211035"/>
+        <a:ext cx="2927812" cy="964565"/>
+      </dsp:txXfrm>
+    </dsp:sp>
+  </dsp:spTree>
+</dsp:drawing>
+</file>
+
+<file path=ppt/diagrams/drawing3.xml><?xml version="1.0" encoding="utf-8"?>
+<dsp:drawing xmlns:dgm="http://schemas.openxmlformats.org/drawingml/2006/diagram" xmlns:dsp="http://schemas.microsoft.com/office/drawing/2008/diagram" xmlns:a="http://schemas.openxmlformats.org/drawingml/2006/main">
+  <dsp:spTree>
+    <dsp:nvGrpSpPr>
+      <dsp:cNvPr id="0" name=""/>
+      <dsp:cNvGrpSpPr/>
+    </dsp:nvGrpSpPr>
+    <dsp:grpSpPr/>
     <dsp:sp modelId="{F89012E3-5E18-49C7-8D45-0FBD91B5C6E2}">
       <dsp:nvSpPr>
         <dsp:cNvPr id="0" name=""/>
@@ -4305,7 +5672,7 @@
 </dsp:drawing>
 </file>
 
-<file path=ppt/diagrams/drawing3.xml><?xml version="1.0" encoding="utf-8"?>
+<file path=ppt/diagrams/drawing4.xml><?xml version="1.0" encoding="utf-8"?>
 <dsp:drawing xmlns:dgm="http://schemas.openxmlformats.org/drawingml/2006/diagram" xmlns:dsp="http://schemas.microsoft.com/office/drawing/2008/diagram" xmlns:a="http://schemas.openxmlformats.org/drawingml/2006/main">
   <dsp:spTree>
     <dsp:nvGrpSpPr>
@@ -4728,7 +6095,7 @@
             <a:defRPr b="1"/>
           </a:pPr>
           <a:r>
-            <a:rPr lang="en-US" sz="1400" kern="1200"/>
+            <a:rPr lang="en-US" sz="1400" kern="1200" dirty="0"/>
             <a:t>Trees can be biased if some classes dominate, ensure dataset is balanced prior to fitting</a:t>
           </a:r>
         </a:p>
@@ -5241,6 +6608,215 @@
 </file>
 
 <file path=ppt/diagrams/layout2.xml><?xml version="1.0" encoding="utf-8"?>
+<dgm:layoutDef xmlns:dgm="http://schemas.openxmlformats.org/drawingml/2006/diagram" xmlns:a="http://schemas.openxmlformats.org/drawingml/2006/main" uniqueId="urn:microsoft.com/office/officeart/2018/2/layout/IconLabelDescriptionList">
+  <dgm:title val="Icon Label Description List"/>
+  <dgm:desc val="Use to show non-sequential or grouped chunks of information. The placeholder holds an icon or small picture, and corresponding text boxes show Level 1 and Level 2 text respectively. Works well for minimal Level 1 text accompanied by lengthier Level two text."/>
+  <dgm:catLst>
+    <dgm:cat type="icon" pri="500"/>
+  </dgm:catLst>
+  <dgm:sampData useDef="1">
+    <dgm:dataModel>
+      <dgm:ptLst/>
+      <dgm:bg/>
+      <dgm:whole/>
+    </dgm:dataModel>
+  </dgm:sampData>
+  <dgm:styleData useDef="1">
+    <dgm:dataModel>
+      <dgm:ptLst/>
+      <dgm:bg/>
+      <dgm:whole/>
+    </dgm:dataModel>
+  </dgm:styleData>
+  <dgm:clrData useDef="1">
+    <dgm:dataModel>
+      <dgm:ptLst/>
+      <dgm:bg/>
+      <dgm:whole/>
+    </dgm:dataModel>
+  </dgm:clrData>
+  <dgm:layoutNode name="root">
+    <dgm:varLst>
+      <dgm:dir/>
+      <dgm:resizeHandles val="exact"/>
+    </dgm:varLst>
+    <dgm:choose name="Name0">
+      <dgm:if name="Name1" axis="self" func="var" arg="dir" op="equ" val="norm">
+        <dgm:alg type="lin"/>
+      </dgm:if>
+      <dgm:else name="Name2">
+        <dgm:alg type="lin">
+          <dgm:param type="linDir" val="fromR"/>
+        </dgm:alg>
+      </dgm:else>
+    </dgm:choose>
+    <dgm:shape xmlns:r="http://schemas.openxmlformats.org/officeDocument/2006/relationships" r:blip="">
+      <dgm:adjLst/>
+    </dgm:shape>
+    <dgm:presOf/>
+    <dgm:constrLst>
+      <dgm:constr type="h" for="ch" forName="compNode" refType="h" fact="0.45"/>
+      <dgm:constr type="w" for="ch" forName="compNode" val="120"/>
+      <dgm:constr type="w" for="ch" forName="sibTrans" refType="w" refFor="ch" refForName="compNode" fact="0.175"/>
+      <dgm:constr type="primFontSz" for="des" forName="parTx" val="36"/>
+      <dgm:constr type="primFontSz" for="des" forName="desTx" refType="primFontSz" refFor="des" refForName="parTx" op="lte" fact="0.75"/>
+      <dgm:constr type="h" for="des" forName="compNode" op="equ"/>
+      <dgm:constr type="h" for="des" forName="iconRect" op="equ"/>
+      <dgm:constr type="w" for="des" forName="iconRect" op="equ"/>
+      <dgm:constr type="h" for="des" forName="iconSpace" op="equ"/>
+      <dgm:constr type="h" for="des" forName="parTx" op="equ"/>
+      <dgm:constr type="h" for="des" forName="txSpace" op="equ"/>
+      <dgm:constr type="h" for="des" forName="desTx" op="equ"/>
+    </dgm:constrLst>
+    <dgm:ruleLst>
+      <dgm:rule type="w" for="ch" forName="compNode" val="0" fact="NaN" max="NaN"/>
+    </dgm:ruleLst>
+    <dgm:forEach name="Name3" axis="ch" ptType="node">
+      <dgm:layoutNode name="compNode">
+        <dgm:alg type="composite"/>
+        <dgm:shape xmlns:r="http://schemas.openxmlformats.org/officeDocument/2006/relationships" r:blip="">
+          <dgm:adjLst/>
+        </dgm:shape>
+        <dgm:presOf axis="self"/>
+        <dgm:constrLst>
+          <dgm:constr type="w" for="ch" forName="iconRect" refType="w" fact="0.35"/>
+          <dgm:constr type="h" for="ch" forName="iconRect" refType="w" refFor="ch" refForName="iconRect"/>
+          <dgm:constr type="l" for="ch" forName="iconRect"/>
+          <dgm:constr type="t" for="ch" forName="iconRect"/>
+          <dgm:constr type="w" for="ch" forName="iconSpace" refType="w"/>
+          <dgm:constr type="h" for="ch" forName="iconSpace" refType="h" fact="0.043"/>
+          <dgm:constr type="l" for="ch" forName="iconSpace"/>
+          <dgm:constr type="t" for="ch" forName="iconSpace" refType="b" refFor="ch" refForName="iconRect"/>
+          <dgm:constr type="w" for="ch" forName="parTx" refType="w"/>
+          <dgm:constr type="h" for="ch" forName="parTx" refType="w" fact="0.15"/>
+          <dgm:constr type="l" for="ch" forName="parTx"/>
+          <dgm:constr type="t" for="ch" forName="parTx" refType="b" refFor="ch" refForName="iconSpace"/>
+          <dgm:constr type="h" for="ch" forName="txSpace" refType="h" fact="0.02"/>
+          <dgm:constr type="w" for="ch" forName="txSpace" refType="w"/>
+          <dgm:constr type="l" for="ch" forName="txSpace"/>
+          <dgm:constr type="t" for="ch" forName="txSpace" refType="b" refFor="ch" refForName="parTx"/>
+          <dgm:constr type="w" for="ch" forName="desTx" refType="w"/>
+          <dgm:constr type="l" for="ch" forName="desTx"/>
+          <dgm:constr type="t" for="ch" forName="desTx" refType="b" refFor="ch" refForName="txSpace"/>
+        </dgm:constrLst>
+        <dgm:ruleLst>
+          <dgm:rule type="h" val="INF" fact="NaN" max="NaN"/>
+        </dgm:ruleLst>
+        <dgm:layoutNode name="iconRect" styleLbl="node1">
+          <dgm:alg type="sp"/>
+          <dgm:shape xmlns:r="http://schemas.openxmlformats.org/officeDocument/2006/relationships" type="rect" r:blip="" blipPhldr="1">
+            <dgm:adjLst/>
+          </dgm:shape>
+          <dgm:presOf/>
+          <dgm:constrLst/>
+          <dgm:ruleLst/>
+        </dgm:layoutNode>
+        <dgm:layoutNode name="iconSpace">
+          <dgm:alg type="sp"/>
+          <dgm:shape xmlns:r="http://schemas.openxmlformats.org/officeDocument/2006/relationships" r:blip="">
+            <dgm:adjLst/>
+          </dgm:shape>
+          <dgm:presOf/>
+          <dgm:constrLst/>
+          <dgm:ruleLst/>
+        </dgm:layoutNode>
+        <dgm:layoutNode name="parTx" styleLbl="revTx">
+          <dgm:varLst>
+            <dgm:chMax val="0"/>
+            <dgm:chPref val="0"/>
+          </dgm:varLst>
+          <dgm:alg type="tx">
+            <dgm:param type="txAnchorVert" val="t"/>
+            <dgm:param type="parTxLTRAlign" val="l"/>
+            <dgm:param type="shpTxLTRAlignCh" val="l"/>
+            <dgm:param type="parTxRTLAlign" val="r"/>
+            <dgm:param type="shpTxRTLAlignCh" val="r"/>
+          </dgm:alg>
+          <dgm:shape xmlns:r="http://schemas.openxmlformats.org/officeDocument/2006/relationships" type="rect" r:blip="">
+            <dgm:adjLst/>
+          </dgm:shape>
+          <dgm:presOf axis="self" ptType="node"/>
+          <dgm:constrLst>
+            <dgm:constr type="lMarg"/>
+            <dgm:constr type="rMarg"/>
+            <dgm:constr type="tMarg"/>
+            <dgm:constr type="bMarg"/>
+          </dgm:constrLst>
+          <dgm:ruleLst>
+            <dgm:rule type="primFontSz" val="14" fact="NaN" max="NaN"/>
+            <dgm:rule type="h" val="INF" fact="NaN" max="NaN"/>
+          </dgm:ruleLst>
+        </dgm:layoutNode>
+        <dgm:layoutNode name="txSpace">
+          <dgm:alg type="sp"/>
+          <dgm:shape xmlns:r="http://schemas.openxmlformats.org/officeDocument/2006/relationships" r:blip="">
+            <dgm:adjLst/>
+          </dgm:shape>
+          <dgm:presOf/>
+          <dgm:constrLst/>
+          <dgm:ruleLst/>
+        </dgm:layoutNode>
+        <dgm:layoutNode name="desTx" styleLbl="revTx">
+          <dgm:varLst/>
+          <dgm:alg type="tx">
+            <dgm:param type="stBulletLvl" val="0"/>
+            <dgm:param type="txAnchorVert" val="t"/>
+            <dgm:param type="parTxLTRAlign" val="l"/>
+            <dgm:param type="shpTxLTRAlignCh" val="l"/>
+            <dgm:param type="parTxRTLAlign" val="r"/>
+            <dgm:param type="shpTxRTLAlignCh" val="r"/>
+          </dgm:alg>
+          <dgm:shape xmlns:r="http://schemas.openxmlformats.org/officeDocument/2006/relationships" type="rect" r:blip="">
+            <dgm:adjLst/>
+          </dgm:shape>
+          <dgm:presOf axis="des" ptType="node"/>
+          <dgm:constrLst>
+            <dgm:constr type="secFontSz" refType="primFontSz"/>
+            <dgm:constr type="lMarg"/>
+            <dgm:constr type="rMarg"/>
+            <dgm:constr type="tMarg"/>
+            <dgm:constr type="bMarg"/>
+          </dgm:constrLst>
+          <dgm:ruleLst>
+            <dgm:rule type="primFontSz" val="NaN" fact="NaN" max="17"/>
+            <dgm:rule type="h" val="INF" fact="NaN" max="NaN"/>
+          </dgm:ruleLst>
+        </dgm:layoutNode>
+      </dgm:layoutNode>
+      <dgm:forEach name="Name4" axis="followSib" ptType="sibTrans" cnt="1">
+        <dgm:layoutNode name="sibTrans">
+          <dgm:alg type="sp"/>
+          <dgm:shape xmlns:r="http://schemas.openxmlformats.org/officeDocument/2006/relationships" r:blip="">
+            <dgm:adjLst/>
+          </dgm:shape>
+          <dgm:presOf axis="self"/>
+          <dgm:constrLst/>
+          <dgm:ruleLst/>
+        </dgm:layoutNode>
+      </dgm:forEach>
+    </dgm:forEach>
+  </dgm:layoutNode>
+  <dgm:extLst>
+    <a:ext uri="{68A01E43-0DF5-4B5B-8FA6-DAF915123BFB}">
+      <dgm1612:lstStyle xmlns:dgm1612="http://schemas.microsoft.com/office/drawing/2016/12/diagram">
+        <a:lvl1pPr>
+          <a:lnSpc>
+            <a:spcPct val="100000"/>
+          </a:lnSpc>
+          <a:defRPr b="1"/>
+        </a:lvl1pPr>
+        <a:lvl2pPr>
+          <a:lnSpc>
+            <a:spcPct val="100000"/>
+          </a:lnSpc>
+        </a:lvl2pPr>
+      </dgm1612:lstStyle>
+    </a:ext>
+  </dgm:extLst>
+</dgm:layoutDef>
+</file>
+
+<file path=ppt/diagrams/layout3.xml><?xml version="1.0" encoding="utf-8"?>
 <dgm:layoutDef xmlns:dgm="http://schemas.openxmlformats.org/drawingml/2006/diagram" xmlns:a="http://schemas.openxmlformats.org/drawingml/2006/main" uniqueId="urn:microsoft.com/office/officeart/2018/5/layout/CenteredIconLabelDescriptionList">
   <dgm:title val="Centered Icon Label Description List"/>
   <dgm:desc val="Use to show non-sequential or grouped chunks of information. The placeholder holds an icon or small picture, and corresponding text boxes show Level 1 and Level 2 text respectively. Works well for minimal Level 1 text accompanied by lengthier Level two text."/>
@@ -5441,7 +7017,7 @@
 </dgm:layoutDef>
 </file>
 
-<file path=ppt/diagrams/layout3.xml><?xml version="1.0" encoding="utf-8"?>
+<file path=ppt/diagrams/layout4.xml><?xml version="1.0" encoding="utf-8"?>
 <dgm:layoutDef xmlns:dgm="http://schemas.openxmlformats.org/drawingml/2006/diagram" xmlns:a="http://schemas.openxmlformats.org/drawingml/2006/main" uniqueId="urn:microsoft.com/office/officeart/2018/2/layout/IconLabelDescriptionList">
   <dgm:title val="Icon Label Description List"/>
   <dgm:desc val="Use to show non-sequential or grouped chunks of information. The placeholder holds an icon or small picture, and corresponding text boxes show Level 1 and Level 2 text respectively. Works well for minimal Level 1 text accompanied by lengthier Level two text."/>
@@ -8752,6 +10328,1512 @@
 </dgm:styleDef>
 </file>
 
+<file path=ppt/diagrams/quickStyle4.xml><?xml version="1.0" encoding="utf-8"?>
+<dgm:styleDef xmlns:dgm="http://schemas.openxmlformats.org/drawingml/2006/diagram" xmlns:a="http://schemas.openxmlformats.org/drawingml/2006/main" uniqueId="urn:microsoft.com/office/officeart/2005/8/quickstyle/simple1">
+  <dgm:title val=""/>
+  <dgm:desc val=""/>
+  <dgm:catLst>
+    <dgm:cat type="simple" pri="10100"/>
+  </dgm:catLst>
+  <dgm:scene3d>
+    <a:camera prst="orthographicFront"/>
+    <a:lightRig rig="threePt" dir="t"/>
+  </dgm:scene3d>
+  <dgm:styleLbl name="node0">
+    <dgm:scene3d>
+      <a:camera prst="orthographicFront"/>
+      <a:lightRig rig="threePt" dir="t"/>
+    </dgm:scene3d>
+    <dgm:sp3d/>
+    <dgm:txPr/>
+    <dgm:style>
+      <a:lnRef idx="2">
+        <a:scrgbClr r="0" g="0" b="0"/>
+      </a:lnRef>
+      <a:fillRef idx="1">
+        <a:scrgbClr r="0" g="0" b="0"/>
+      </a:fillRef>
+      <a:effectRef idx="0">
+        <a:scrgbClr r="0" g="0" b="0"/>
+      </a:effectRef>
+      <a:fontRef idx="minor">
+        <a:schemeClr val="lt1"/>
+      </a:fontRef>
+    </dgm:style>
+  </dgm:styleLbl>
+  <dgm:styleLbl name="lnNode1">
+    <dgm:scene3d>
+      <a:camera prst="orthographicFront"/>
+      <a:lightRig rig="threePt" dir="t"/>
+    </dgm:scene3d>
+    <dgm:sp3d/>
+    <dgm:txPr/>
+    <dgm:style>
+      <a:lnRef idx="2">
+        <a:scrgbClr r="0" g="0" b="0"/>
+      </a:lnRef>
+      <a:fillRef idx="1">
+        <a:scrgbClr r="0" g="0" b="0"/>
+      </a:fillRef>
+      <a:effectRef idx="0">
+        <a:scrgbClr r="0" g="0" b="0"/>
+      </a:effectRef>
+      <a:fontRef idx="minor">
+        <a:schemeClr val="lt1"/>
+      </a:fontRef>
+    </dgm:style>
+  </dgm:styleLbl>
+  <dgm:styleLbl name="vennNode1">
+    <dgm:scene3d>
+      <a:camera prst="orthographicFront"/>
+      <a:lightRig rig="threePt" dir="t"/>
+    </dgm:scene3d>
+    <dgm:sp3d/>
+    <dgm:txPr/>
+    <dgm:style>
+      <a:lnRef idx="2">
+        <a:scrgbClr r="0" g="0" b="0"/>
+      </a:lnRef>
+      <a:fillRef idx="1">
+        <a:scrgbClr r="0" g="0" b="0"/>
+      </a:fillRef>
+      <a:effectRef idx="0">
+        <a:scrgbClr r="0" g="0" b="0"/>
+      </a:effectRef>
+      <a:fontRef idx="minor">
+        <a:schemeClr val="tx1"/>
+      </a:fontRef>
+    </dgm:style>
+  </dgm:styleLbl>
+  <dgm:styleLbl name="alignNode1">
+    <dgm:scene3d>
+      <a:camera prst="orthographicFront"/>
+      <a:lightRig rig="threePt" dir="t"/>
+    </dgm:scene3d>
+    <dgm:sp3d/>
+    <dgm:txPr/>
+    <dgm:style>
+      <a:lnRef idx="2">
+        <a:scrgbClr r="0" g="0" b="0"/>
+      </a:lnRef>
+      <a:fillRef idx="1">
+        <a:scrgbClr r="0" g="0" b="0"/>
+      </a:fillRef>
+      <a:effectRef idx="0">
+        <a:scrgbClr r="0" g="0" b="0"/>
+      </a:effectRef>
+      <a:fontRef idx="minor">
+        <a:schemeClr val="lt1"/>
+      </a:fontRef>
+    </dgm:style>
+  </dgm:styleLbl>
+  <dgm:styleLbl name="node1">
+    <dgm:scene3d>
+      <a:camera prst="orthographicFront"/>
+      <a:lightRig rig="threePt" dir="t"/>
+    </dgm:scene3d>
+    <dgm:sp3d/>
+    <dgm:txPr/>
+    <dgm:style>
+      <a:lnRef idx="2">
+        <a:scrgbClr r="0" g="0" b="0"/>
+      </a:lnRef>
+      <a:fillRef idx="1">
+        <a:scrgbClr r="0" g="0" b="0"/>
+      </a:fillRef>
+      <a:effectRef idx="0">
+        <a:scrgbClr r="0" g="0" b="0"/>
+      </a:effectRef>
+      <a:fontRef idx="minor">
+        <a:schemeClr val="lt1"/>
+      </a:fontRef>
+    </dgm:style>
+  </dgm:styleLbl>
+  <dgm:styleLbl name="node2">
+    <dgm:scene3d>
+      <a:camera prst="orthographicFront"/>
+      <a:lightRig rig="threePt" dir="t"/>
+    </dgm:scene3d>
+    <dgm:sp3d/>
+    <dgm:txPr/>
+    <dgm:style>
+      <a:lnRef idx="2">
+        <a:scrgbClr r="0" g="0" b="0"/>
+      </a:lnRef>
+      <a:fillRef idx="1">
+        <a:scrgbClr r="0" g="0" b="0"/>
+      </a:fillRef>
+      <a:effectRef idx="0">
+        <a:scrgbClr r="0" g="0" b="0"/>
+      </a:effectRef>
+      <a:fontRef idx="minor">
+        <a:schemeClr val="lt1"/>
+      </a:fontRef>
+    </dgm:style>
+  </dgm:styleLbl>
+  <dgm:styleLbl name="node3">
+    <dgm:scene3d>
+      <a:camera prst="orthographicFront"/>
+      <a:lightRig rig="threePt" dir="t"/>
+    </dgm:scene3d>
+    <dgm:sp3d/>
+    <dgm:txPr/>
+    <dgm:style>
+      <a:lnRef idx="2">
+        <a:scrgbClr r="0" g="0" b="0"/>
+      </a:lnRef>
+      <a:fillRef idx="1">
+        <a:scrgbClr r="0" g="0" b="0"/>
+      </a:fillRef>
+      <a:effectRef idx="0">
+        <a:scrgbClr r="0" g="0" b="0"/>
+      </a:effectRef>
+      <a:fontRef idx="minor">
+        <a:schemeClr val="lt1"/>
+      </a:fontRef>
+    </dgm:style>
+  </dgm:styleLbl>
+  <dgm:styleLbl name="node4">
+    <dgm:scene3d>
+      <a:camera prst="orthographicFront"/>
+      <a:lightRig rig="threePt" dir="t"/>
+    </dgm:scene3d>
+    <dgm:sp3d/>
+    <dgm:txPr/>
+    <dgm:style>
+      <a:lnRef idx="2">
+        <a:scrgbClr r="0" g="0" b="0"/>
+      </a:lnRef>
+      <a:fillRef idx="1">
+        <a:scrgbClr r="0" g="0" b="0"/>
+      </a:fillRef>
+      <a:effectRef idx="0">
+        <a:scrgbClr r="0" g="0" b="0"/>
+      </a:effectRef>
+      <a:fontRef idx="minor">
+        <a:schemeClr val="lt1"/>
+      </a:fontRef>
+    </dgm:style>
+  </dgm:styleLbl>
+  <dgm:styleLbl name="fgImgPlace1">
+    <dgm:scene3d>
+      <a:camera prst="orthographicFront"/>
+      <a:lightRig rig="threePt" dir="t"/>
+    </dgm:scene3d>
+    <dgm:sp3d/>
+    <dgm:txPr/>
+    <dgm:style>
+      <a:lnRef idx="2">
+        <a:scrgbClr r="0" g="0" b="0"/>
+      </a:lnRef>
+      <a:fillRef idx="1">
+        <a:scrgbClr r="0" g="0" b="0"/>
+      </a:fillRef>
+      <a:effectRef idx="0">
+        <a:scrgbClr r="0" g="0" b="0"/>
+      </a:effectRef>
+      <a:fontRef idx="minor"/>
+    </dgm:style>
+  </dgm:styleLbl>
+  <dgm:styleLbl name="alignImgPlace1">
+    <dgm:scene3d>
+      <a:camera prst="orthographicFront"/>
+      <a:lightRig rig="threePt" dir="t"/>
+    </dgm:scene3d>
+    <dgm:sp3d/>
+    <dgm:txPr/>
+    <dgm:style>
+      <a:lnRef idx="2">
+        <a:scrgbClr r="0" g="0" b="0"/>
+      </a:lnRef>
+      <a:fillRef idx="1">
+        <a:scrgbClr r="0" g="0" b="0"/>
+      </a:fillRef>
+      <a:effectRef idx="0">
+        <a:scrgbClr r="0" g="0" b="0"/>
+      </a:effectRef>
+      <a:fontRef idx="minor"/>
+    </dgm:style>
+  </dgm:styleLbl>
+  <dgm:styleLbl name="bgImgPlace1">
+    <dgm:scene3d>
+      <a:camera prst="orthographicFront"/>
+      <a:lightRig rig="threePt" dir="t"/>
+    </dgm:scene3d>
+    <dgm:sp3d/>
+    <dgm:txPr/>
+    <dgm:style>
+      <a:lnRef idx="2">
+        <a:scrgbClr r="0" g="0" b="0"/>
+      </a:lnRef>
+      <a:fillRef idx="1">
+        <a:scrgbClr r="0" g="0" b="0"/>
+      </a:fillRef>
+      <a:effectRef idx="0">
+        <a:scrgbClr r="0" g="0" b="0"/>
+      </a:effectRef>
+      <a:fontRef idx="minor"/>
+    </dgm:style>
+  </dgm:styleLbl>
+  <dgm:styleLbl name="sibTrans2D1">
+    <dgm:scene3d>
+      <a:camera prst="orthographicFront"/>
+      <a:lightRig rig="threePt" dir="t"/>
+    </dgm:scene3d>
+    <dgm:sp3d/>
+    <dgm:txPr/>
+    <dgm:style>
+      <a:lnRef idx="0">
+        <a:scrgbClr r="0" g="0" b="0"/>
+      </a:lnRef>
+      <a:fillRef idx="1">
+        <a:scrgbClr r="0" g="0" b="0"/>
+      </a:fillRef>
+      <a:effectRef idx="0">
+        <a:scrgbClr r="0" g="0" b="0"/>
+      </a:effectRef>
+      <a:fontRef idx="minor">
+        <a:schemeClr val="lt1"/>
+      </a:fontRef>
+    </dgm:style>
+  </dgm:styleLbl>
+  <dgm:styleLbl name="fgSibTrans2D1">
+    <dgm:scene3d>
+      <a:camera prst="orthographicFront"/>
+      <a:lightRig rig="threePt" dir="t"/>
+    </dgm:scene3d>
+    <dgm:sp3d/>
+    <dgm:txPr/>
+    <dgm:style>
+      <a:lnRef idx="0">
+        <a:scrgbClr r="0" g="0" b="0"/>
+      </a:lnRef>
+      <a:fillRef idx="1">
+        <a:scrgbClr r="0" g="0" b="0"/>
+      </a:fillRef>
+      <a:effectRef idx="0">
+        <a:scrgbClr r="0" g="0" b="0"/>
+      </a:effectRef>
+      <a:fontRef idx="minor">
+        <a:schemeClr val="lt1"/>
+      </a:fontRef>
+    </dgm:style>
+  </dgm:styleLbl>
+  <dgm:styleLbl name="bgSibTrans2D1">
+    <dgm:scene3d>
+      <a:camera prst="orthographicFront"/>
+      <a:lightRig rig="threePt" dir="t"/>
+    </dgm:scene3d>
+    <dgm:sp3d/>
+    <dgm:txPr/>
+    <dgm:style>
+      <a:lnRef idx="0">
+        <a:scrgbClr r="0" g="0" b="0"/>
+      </a:lnRef>
+      <a:fillRef idx="1">
+        <a:scrgbClr r="0" g="0" b="0"/>
+      </a:fillRef>
+      <a:effectRef idx="0">
+        <a:scrgbClr r="0" g="0" b="0"/>
+      </a:effectRef>
+      <a:fontRef idx="minor">
+        <a:schemeClr val="lt1"/>
+      </a:fontRef>
+    </dgm:style>
+  </dgm:styleLbl>
+  <dgm:styleLbl name="sibTrans1D1">
+    <dgm:scene3d>
+      <a:camera prst="orthographicFront"/>
+      <a:lightRig rig="threePt" dir="t"/>
+    </dgm:scene3d>
+    <dgm:sp3d/>
+    <dgm:txPr/>
+    <dgm:style>
+      <a:lnRef idx="1">
+        <a:scrgbClr r="0" g="0" b="0"/>
+      </a:lnRef>
+      <a:fillRef idx="0">
+        <a:scrgbClr r="0" g="0" b="0"/>
+      </a:fillRef>
+      <a:effectRef idx="0">
+        <a:scrgbClr r="0" g="0" b="0"/>
+      </a:effectRef>
+      <a:fontRef idx="minor"/>
+    </dgm:style>
+  </dgm:styleLbl>
+  <dgm:styleLbl name="callout">
+    <dgm:scene3d>
+      <a:camera prst="orthographicFront"/>
+      <a:lightRig rig="threePt" dir="t"/>
+    </dgm:scene3d>
+    <dgm:sp3d/>
+    <dgm:txPr/>
+    <dgm:style>
+      <a:lnRef idx="2">
+        <a:scrgbClr r="0" g="0" b="0"/>
+      </a:lnRef>
+      <a:fillRef idx="1">
+        <a:scrgbClr r="0" g="0" b="0"/>
+      </a:fillRef>
+      <a:effectRef idx="0">
+        <a:scrgbClr r="0" g="0" b="0"/>
+      </a:effectRef>
+      <a:fontRef idx="minor"/>
+    </dgm:style>
+  </dgm:styleLbl>
+  <dgm:styleLbl name="asst0">
+    <dgm:scene3d>
+      <a:camera prst="orthographicFront"/>
+      <a:lightRig rig="threePt" dir="t"/>
+    </dgm:scene3d>
+    <dgm:sp3d/>
+    <dgm:txPr/>
+    <dgm:style>
+      <a:lnRef idx="2">
+        <a:scrgbClr r="0" g="0" b="0"/>
+      </a:lnRef>
+      <a:fillRef idx="1">
+        <a:scrgbClr r="0" g="0" b="0"/>
+      </a:fillRef>
+      <a:effectRef idx="0">
+        <a:scrgbClr r="0" g="0" b="0"/>
+      </a:effectRef>
+      <a:fontRef idx="minor">
+        <a:schemeClr val="lt1"/>
+      </a:fontRef>
+    </dgm:style>
+  </dgm:styleLbl>
+  <dgm:styleLbl name="asst1">
+    <dgm:scene3d>
+      <a:camera prst="orthographicFront"/>
+      <a:lightRig rig="threePt" dir="t"/>
+    </dgm:scene3d>
+    <dgm:sp3d/>
+    <dgm:txPr/>
+    <dgm:style>
+      <a:lnRef idx="2">
+        <a:scrgbClr r="0" g="0" b="0"/>
+      </a:lnRef>
+      <a:fillRef idx="1">
+        <a:scrgbClr r="0" g="0" b="0"/>
+      </a:fillRef>
+      <a:effectRef idx="0">
+        <a:scrgbClr r="0" g="0" b="0"/>
+      </a:effectRef>
+      <a:fontRef idx="minor">
+        <a:schemeClr val="lt1"/>
+      </a:fontRef>
+    </dgm:style>
+  </dgm:styleLbl>
+  <dgm:styleLbl name="asst2">
+    <dgm:scene3d>
+      <a:camera prst="orthographicFront"/>
+      <a:lightRig rig="threePt" dir="t"/>
+    </dgm:scene3d>
+    <dgm:sp3d/>
+    <dgm:txPr/>
+    <dgm:style>
+      <a:lnRef idx="2">
+        <a:scrgbClr r="0" g="0" b="0"/>
+      </a:lnRef>
+      <a:fillRef idx="1">
+        <a:scrgbClr r="0" g="0" b="0"/>
+      </a:fillRef>
+      <a:effectRef idx="0">
+        <a:scrgbClr r="0" g="0" b="0"/>
+      </a:effectRef>
+      <a:fontRef idx="minor">
+        <a:schemeClr val="lt1"/>
+      </a:fontRef>
+    </dgm:style>
+  </dgm:styleLbl>
+  <dgm:styleLbl name="asst3">
+    <dgm:scene3d>
+      <a:camera prst="orthographicFront"/>
+      <a:lightRig rig="threePt" dir="t"/>
+    </dgm:scene3d>
+    <dgm:sp3d/>
+    <dgm:txPr/>
+    <dgm:style>
+      <a:lnRef idx="2">
+        <a:scrgbClr r="0" g="0" b="0"/>
+      </a:lnRef>
+      <a:fillRef idx="1">
+        <a:scrgbClr r="0" g="0" b="0"/>
+      </a:fillRef>
+      <a:effectRef idx="0">
+        <a:scrgbClr r="0" g="0" b="0"/>
+      </a:effectRef>
+      <a:fontRef idx="minor">
+        <a:schemeClr val="lt1"/>
+      </a:fontRef>
+    </dgm:style>
+  </dgm:styleLbl>
+  <dgm:styleLbl name="asst4">
+    <dgm:scene3d>
+      <a:camera prst="orthographicFront"/>
+      <a:lightRig rig="threePt" dir="t"/>
+    </dgm:scene3d>
+    <dgm:sp3d/>
+    <dgm:txPr/>
+    <dgm:style>
+      <a:lnRef idx="2">
+        <a:scrgbClr r="0" g="0" b="0"/>
+      </a:lnRef>
+      <a:fillRef idx="1">
+        <a:scrgbClr r="0" g="0" b="0"/>
+      </a:fillRef>
+      <a:effectRef idx="0">
+        <a:scrgbClr r="0" g="0" b="0"/>
+      </a:effectRef>
+      <a:fontRef idx="minor">
+        <a:schemeClr val="lt1"/>
+      </a:fontRef>
+    </dgm:style>
+  </dgm:styleLbl>
+  <dgm:styleLbl name="parChTrans2D1">
+    <dgm:scene3d>
+      <a:camera prst="orthographicFront"/>
+      <a:lightRig rig="threePt" dir="t"/>
+    </dgm:scene3d>
+    <dgm:sp3d/>
+    <dgm:txPr/>
+    <dgm:style>
+      <a:lnRef idx="2">
+        <a:scrgbClr r="0" g="0" b="0"/>
+      </a:lnRef>
+      <a:fillRef idx="1">
+        <a:scrgbClr r="0" g="0" b="0"/>
+      </a:fillRef>
+      <a:effectRef idx="0">
+        <a:scrgbClr r="0" g="0" b="0"/>
+      </a:effectRef>
+      <a:fontRef idx="minor">
+        <a:schemeClr val="lt1"/>
+      </a:fontRef>
+    </dgm:style>
+  </dgm:styleLbl>
+  <dgm:styleLbl name="parChTrans2D2">
+    <dgm:scene3d>
+      <a:camera prst="orthographicFront"/>
+      <a:lightRig rig="threePt" dir="t"/>
+    </dgm:scene3d>
+    <dgm:sp3d/>
+    <dgm:txPr/>
+    <dgm:style>
+      <a:lnRef idx="2">
+        <a:scrgbClr r="0" g="0" b="0"/>
+      </a:lnRef>
+      <a:fillRef idx="1">
+        <a:scrgbClr r="0" g="0" b="0"/>
+      </a:fillRef>
+      <a:effectRef idx="0">
+        <a:scrgbClr r="0" g="0" b="0"/>
+      </a:effectRef>
+      <a:fontRef idx="minor">
+        <a:schemeClr val="lt1"/>
+      </a:fontRef>
+    </dgm:style>
+  </dgm:styleLbl>
+  <dgm:styleLbl name="parChTrans2D3">
+    <dgm:scene3d>
+      <a:camera prst="orthographicFront"/>
+      <a:lightRig rig="threePt" dir="t"/>
+    </dgm:scene3d>
+    <dgm:sp3d/>
+    <dgm:txPr/>
+    <dgm:style>
+      <a:lnRef idx="2">
+        <a:scrgbClr r="0" g="0" b="0"/>
+      </a:lnRef>
+      <a:fillRef idx="1">
+        <a:scrgbClr r="0" g="0" b="0"/>
+      </a:fillRef>
+      <a:effectRef idx="0">
+        <a:scrgbClr r="0" g="0" b="0"/>
+      </a:effectRef>
+      <a:fontRef idx="minor">
+        <a:schemeClr val="lt1"/>
+      </a:fontRef>
+    </dgm:style>
+  </dgm:styleLbl>
+  <dgm:styleLbl name="parChTrans2D4">
+    <dgm:scene3d>
+      <a:camera prst="orthographicFront"/>
+      <a:lightRig rig="threePt" dir="t"/>
+    </dgm:scene3d>
+    <dgm:sp3d/>
+    <dgm:txPr/>
+    <dgm:style>
+      <a:lnRef idx="2">
+        <a:scrgbClr r="0" g="0" b="0"/>
+      </a:lnRef>
+      <a:fillRef idx="1">
+        <a:scrgbClr r="0" g="0" b="0"/>
+      </a:fillRef>
+      <a:effectRef idx="0">
+        <a:scrgbClr r="0" g="0" b="0"/>
+      </a:effectRef>
+      <a:fontRef idx="minor">
+        <a:schemeClr val="lt1"/>
+      </a:fontRef>
+    </dgm:style>
+  </dgm:styleLbl>
+  <dgm:styleLbl name="parChTrans1D1">
+    <dgm:scene3d>
+      <a:camera prst="orthographicFront"/>
+      <a:lightRig rig="threePt" dir="t"/>
+    </dgm:scene3d>
+    <dgm:sp3d/>
+    <dgm:txPr/>
+    <dgm:style>
+      <a:lnRef idx="2">
+        <a:scrgbClr r="0" g="0" b="0"/>
+      </a:lnRef>
+      <a:fillRef idx="0">
+        <a:scrgbClr r="0" g="0" b="0"/>
+      </a:fillRef>
+      <a:effectRef idx="0">
+        <a:scrgbClr r="0" g="0" b="0"/>
+      </a:effectRef>
+      <a:fontRef idx="minor"/>
+    </dgm:style>
+  </dgm:styleLbl>
+  <dgm:styleLbl name="parChTrans1D2">
+    <dgm:scene3d>
+      <a:camera prst="orthographicFront"/>
+      <a:lightRig rig="threePt" dir="t"/>
+    </dgm:scene3d>
+    <dgm:sp3d/>
+    <dgm:txPr/>
+    <dgm:style>
+      <a:lnRef idx="2">
+        <a:scrgbClr r="0" g="0" b="0"/>
+      </a:lnRef>
+      <a:fillRef idx="0">
+        <a:scrgbClr r="0" g="0" b="0"/>
+      </a:fillRef>
+      <a:effectRef idx="0">
+        <a:scrgbClr r="0" g="0" b="0"/>
+      </a:effectRef>
+      <a:fontRef idx="minor"/>
+    </dgm:style>
+  </dgm:styleLbl>
+  <dgm:styleLbl name="parChTrans1D3">
+    <dgm:scene3d>
+      <a:camera prst="orthographicFront"/>
+      <a:lightRig rig="threePt" dir="t"/>
+    </dgm:scene3d>
+    <dgm:sp3d/>
+    <dgm:txPr/>
+    <dgm:style>
+      <a:lnRef idx="2">
+        <a:scrgbClr r="0" g="0" b="0"/>
+      </a:lnRef>
+      <a:fillRef idx="0">
+        <a:scrgbClr r="0" g="0" b="0"/>
+      </a:fillRef>
+      <a:effectRef idx="0">
+        <a:scrgbClr r="0" g="0" b="0"/>
+      </a:effectRef>
+      <a:fontRef idx="minor"/>
+    </dgm:style>
+  </dgm:styleLbl>
+  <dgm:styleLbl name="parChTrans1D4">
+    <dgm:scene3d>
+      <a:camera prst="orthographicFront"/>
+      <a:lightRig rig="threePt" dir="t"/>
+    </dgm:scene3d>
+    <dgm:sp3d/>
+    <dgm:txPr/>
+    <dgm:style>
+      <a:lnRef idx="2">
+        <a:scrgbClr r="0" g="0" b="0"/>
+      </a:lnRef>
+      <a:fillRef idx="0">
+        <a:scrgbClr r="0" g="0" b="0"/>
+      </a:fillRef>
+      <a:effectRef idx="0">
+        <a:scrgbClr r="0" g="0" b="0"/>
+      </a:effectRef>
+      <a:fontRef idx="minor"/>
+    </dgm:style>
+  </dgm:styleLbl>
+  <dgm:styleLbl name="fgAcc1">
+    <dgm:scene3d>
+      <a:camera prst="orthographicFront"/>
+      <a:lightRig rig="threePt" dir="t"/>
+    </dgm:scene3d>
+    <dgm:sp3d/>
+    <dgm:txPr/>
+    <dgm:style>
+      <a:lnRef idx="2">
+        <a:scrgbClr r="0" g="0" b="0"/>
+      </a:lnRef>
+      <a:fillRef idx="1">
+        <a:scrgbClr r="0" g="0" b="0"/>
+      </a:fillRef>
+      <a:effectRef idx="0">
+        <a:scrgbClr r="0" g="0" b="0"/>
+      </a:effectRef>
+      <a:fontRef idx="minor"/>
+    </dgm:style>
+  </dgm:styleLbl>
+  <dgm:styleLbl name="conFgAcc1">
+    <dgm:scene3d>
+      <a:camera prst="orthographicFront"/>
+      <a:lightRig rig="threePt" dir="t"/>
+    </dgm:scene3d>
+    <dgm:sp3d/>
+    <dgm:txPr/>
+    <dgm:style>
+      <a:lnRef idx="2">
+        <a:scrgbClr r="0" g="0" b="0"/>
+      </a:lnRef>
+      <a:fillRef idx="1">
+        <a:scrgbClr r="0" g="0" b="0"/>
+      </a:fillRef>
+      <a:effectRef idx="0">
+        <a:scrgbClr r="0" g="0" b="0"/>
+      </a:effectRef>
+      <a:fontRef idx="minor"/>
+    </dgm:style>
+  </dgm:styleLbl>
+  <dgm:styleLbl name="alignAcc1">
+    <dgm:scene3d>
+      <a:camera prst="orthographicFront"/>
+      <a:lightRig rig="threePt" dir="t"/>
+    </dgm:scene3d>
+    <dgm:sp3d/>
+    <dgm:txPr/>
+    <dgm:style>
+      <a:lnRef idx="2">
+        <a:scrgbClr r="0" g="0" b="0"/>
+      </a:lnRef>
+      <a:fillRef idx="1">
+        <a:scrgbClr r="0" g="0" b="0"/>
+      </a:fillRef>
+      <a:effectRef idx="0">
+        <a:scrgbClr r="0" g="0" b="0"/>
+      </a:effectRef>
+      <a:fontRef idx="minor"/>
+    </dgm:style>
+  </dgm:styleLbl>
+  <dgm:styleLbl name="trAlignAcc1">
+    <dgm:scene3d>
+      <a:camera prst="orthographicFront"/>
+      <a:lightRig rig="threePt" dir="t"/>
+    </dgm:scene3d>
+    <dgm:sp3d/>
+    <dgm:txPr/>
+    <dgm:style>
+      <a:lnRef idx="1">
+        <a:scrgbClr r="0" g="0" b="0"/>
+      </a:lnRef>
+      <a:fillRef idx="1">
+        <a:scrgbClr r="0" g="0" b="0"/>
+      </a:fillRef>
+      <a:effectRef idx="0">
+        <a:scrgbClr r="0" g="0" b="0"/>
+      </a:effectRef>
+      <a:fontRef idx="minor"/>
+    </dgm:style>
+  </dgm:styleLbl>
+  <dgm:styleLbl name="bgAcc1">
+    <dgm:scene3d>
+      <a:camera prst="orthographicFront"/>
+      <a:lightRig rig="threePt" dir="t"/>
+    </dgm:scene3d>
+    <dgm:sp3d/>
+    <dgm:txPr/>
+    <dgm:style>
+      <a:lnRef idx="2">
+        <a:scrgbClr r="0" g="0" b="0"/>
+      </a:lnRef>
+      <a:fillRef idx="1">
+        <a:scrgbClr r="0" g="0" b="0"/>
+      </a:fillRef>
+      <a:effectRef idx="0">
+        <a:scrgbClr r="0" g="0" b="0"/>
+      </a:effectRef>
+      <a:fontRef idx="minor"/>
+    </dgm:style>
+  </dgm:styleLbl>
+  <dgm:styleLbl name="solidFgAcc1">
+    <dgm:scene3d>
+      <a:camera prst="orthographicFront"/>
+      <a:lightRig rig="threePt" dir="t"/>
+    </dgm:scene3d>
+    <dgm:sp3d/>
+    <dgm:txPr/>
+    <dgm:style>
+      <a:lnRef idx="2">
+        <a:scrgbClr r="0" g="0" b="0"/>
+      </a:lnRef>
+      <a:fillRef idx="1">
+        <a:scrgbClr r="0" g="0" b="0"/>
+      </a:fillRef>
+      <a:effectRef idx="0">
+        <a:scrgbClr r="0" g="0" b="0"/>
+      </a:effectRef>
+      <a:fontRef idx="minor"/>
+    </dgm:style>
+  </dgm:styleLbl>
+  <dgm:styleLbl name="solidAlignAcc1">
+    <dgm:scene3d>
+      <a:camera prst="orthographicFront"/>
+      <a:lightRig rig="threePt" dir="t"/>
+    </dgm:scene3d>
+    <dgm:sp3d/>
+    <dgm:txPr/>
+    <dgm:style>
+      <a:lnRef idx="2">
+        <a:scrgbClr r="0" g="0" b="0"/>
+      </a:lnRef>
+      <a:fillRef idx="1">
+        <a:scrgbClr r="0" g="0" b="0"/>
+      </a:fillRef>
+      <a:effectRef idx="0">
+        <a:scrgbClr r="0" g="0" b="0"/>
+      </a:effectRef>
+      <a:fontRef idx="minor"/>
+    </dgm:style>
+  </dgm:styleLbl>
+  <dgm:styleLbl name="solidBgAcc1">
+    <dgm:scene3d>
+      <a:camera prst="orthographicFront"/>
+      <a:lightRig rig="threePt" dir="t"/>
+    </dgm:scene3d>
+    <dgm:sp3d/>
+    <dgm:txPr/>
+    <dgm:style>
+      <a:lnRef idx="2">
+        <a:scrgbClr r="0" g="0" b="0"/>
+      </a:lnRef>
+      <a:fillRef idx="1">
+        <a:scrgbClr r="0" g="0" b="0"/>
+      </a:fillRef>
+      <a:effectRef idx="0">
+        <a:scrgbClr r="0" g="0" b="0"/>
+      </a:effectRef>
+      <a:fontRef idx="minor"/>
+    </dgm:style>
+  </dgm:styleLbl>
+  <dgm:styleLbl name="fgAccFollowNode1">
+    <dgm:scene3d>
+      <a:camera prst="orthographicFront"/>
+      <a:lightRig rig="threePt" dir="t"/>
+    </dgm:scene3d>
+    <dgm:sp3d/>
+    <dgm:txPr/>
+    <dgm:style>
+      <a:lnRef idx="2">
+        <a:scrgbClr r="0" g="0" b="0"/>
+      </a:lnRef>
+      <a:fillRef idx="1">
+        <a:scrgbClr r="0" g="0" b="0"/>
+      </a:fillRef>
+      <a:effectRef idx="0">
+        <a:scrgbClr r="0" g="0" b="0"/>
+      </a:effectRef>
+      <a:fontRef idx="minor"/>
+    </dgm:style>
+  </dgm:styleLbl>
+  <dgm:styleLbl name="alignAccFollowNode1">
+    <dgm:scene3d>
+      <a:camera prst="orthographicFront"/>
+      <a:lightRig rig="threePt" dir="t"/>
+    </dgm:scene3d>
+    <dgm:sp3d/>
+    <dgm:txPr/>
+    <dgm:style>
+      <a:lnRef idx="2">
+        <a:scrgbClr r="0" g="0" b="0"/>
+      </a:lnRef>
+      <a:fillRef idx="1">
+        <a:scrgbClr r="0" g="0" b="0"/>
+      </a:fillRef>
+      <a:effectRef idx="0">
+        <a:scrgbClr r="0" g="0" b="0"/>
+      </a:effectRef>
+      <a:fontRef idx="minor"/>
+    </dgm:style>
+  </dgm:styleLbl>
+  <dgm:styleLbl name="bgAccFollowNode1">
+    <dgm:scene3d>
+      <a:camera prst="orthographicFront"/>
+      <a:lightRig rig="threePt" dir="t"/>
+    </dgm:scene3d>
+    <dgm:sp3d/>
+    <dgm:txPr/>
+    <dgm:style>
+      <a:lnRef idx="2">
+        <a:scrgbClr r="0" g="0" b="0"/>
+      </a:lnRef>
+      <a:fillRef idx="1">
+        <a:scrgbClr r="0" g="0" b="0"/>
+      </a:fillRef>
+      <a:effectRef idx="0">
+        <a:scrgbClr r="0" g="0" b="0"/>
+      </a:effectRef>
+      <a:fontRef idx="minor"/>
+    </dgm:style>
+  </dgm:styleLbl>
+  <dgm:styleLbl name="fgAcc0">
+    <dgm:scene3d>
+      <a:camera prst="orthographicFront"/>
+      <a:lightRig rig="threePt" dir="t"/>
+    </dgm:scene3d>
+    <dgm:sp3d/>
+    <dgm:txPr/>
+    <dgm:style>
+      <a:lnRef idx="2">
+        <a:scrgbClr r="0" g="0" b="0"/>
+      </a:lnRef>
+      <a:fillRef idx="1">
+        <a:scrgbClr r="0" g="0" b="0"/>
+      </a:fillRef>
+      <a:effectRef idx="0">
+        <a:scrgbClr r="0" g="0" b="0"/>
+      </a:effectRef>
+      <a:fontRef idx="minor"/>
+    </dgm:style>
+  </dgm:styleLbl>
+  <dgm:styleLbl name="fgAcc2">
+    <dgm:scene3d>
+      <a:camera prst="orthographicFront"/>
+      <a:lightRig rig="threePt" dir="t"/>
+    </dgm:scene3d>
+    <dgm:sp3d/>
+    <dgm:txPr/>
+    <dgm:style>
+      <a:lnRef idx="2">
+        <a:scrgbClr r="0" g="0" b="0"/>
+      </a:lnRef>
+      <a:fillRef idx="1">
+        <a:scrgbClr r="0" g="0" b="0"/>
+      </a:fillRef>
+      <a:effectRef idx="0">
+        <a:scrgbClr r="0" g="0" b="0"/>
+      </a:effectRef>
+      <a:fontRef idx="minor"/>
+    </dgm:style>
+  </dgm:styleLbl>
+  <dgm:styleLbl name="fgAcc3">
+    <dgm:scene3d>
+      <a:camera prst="orthographicFront"/>
+      <a:lightRig rig="threePt" dir="t"/>
+    </dgm:scene3d>
+    <dgm:sp3d/>
+    <dgm:txPr/>
+    <dgm:style>
+      <a:lnRef idx="2">
+        <a:scrgbClr r="0" g="0" b="0"/>
+      </a:lnRef>
+      <a:fillRef idx="1">
+        <a:scrgbClr r="0" g="0" b="0"/>
+      </a:fillRef>
+      <a:effectRef idx="0">
+        <a:scrgbClr r="0" g="0" b="0"/>
+      </a:effectRef>
+      <a:fontRef idx="minor"/>
+    </dgm:style>
+  </dgm:styleLbl>
+  <dgm:styleLbl name="fgAcc4">
+    <dgm:scene3d>
+      <a:camera prst="orthographicFront"/>
+      <a:lightRig rig="threePt" dir="t"/>
+    </dgm:scene3d>
+    <dgm:sp3d/>
+    <dgm:txPr/>
+    <dgm:style>
+      <a:lnRef idx="2">
+        <a:scrgbClr r="0" g="0" b="0"/>
+      </a:lnRef>
+      <a:fillRef idx="1">
+        <a:scrgbClr r="0" g="0" b="0"/>
+      </a:fillRef>
+      <a:effectRef idx="0">
+        <a:scrgbClr r="0" g="0" b="0"/>
+      </a:effectRef>
+      <a:fontRef idx="minor"/>
+    </dgm:style>
+  </dgm:styleLbl>
+  <dgm:styleLbl name="bgShp">
+    <dgm:scene3d>
+      <a:camera prst="orthographicFront"/>
+      <a:lightRig rig="threePt" dir="t"/>
+    </dgm:scene3d>
+    <dgm:sp3d/>
+    <dgm:txPr/>
+    <dgm:style>
+      <a:lnRef idx="0">
+        <a:scrgbClr r="0" g="0" b="0"/>
+      </a:lnRef>
+      <a:fillRef idx="1">
+        <a:scrgbClr r="0" g="0" b="0"/>
+      </a:fillRef>
+      <a:effectRef idx="0">
+        <a:scrgbClr r="0" g="0" b="0"/>
+      </a:effectRef>
+      <a:fontRef idx="minor"/>
+    </dgm:style>
+  </dgm:styleLbl>
+  <dgm:styleLbl name="dkBgShp">
+    <dgm:scene3d>
+      <a:camera prst="orthographicFront"/>
+      <a:lightRig rig="threePt" dir="t"/>
+    </dgm:scene3d>
+    <dgm:sp3d/>
+    <dgm:txPr/>
+    <dgm:style>
+      <a:lnRef idx="0">
+        <a:scrgbClr r="0" g="0" b="0"/>
+      </a:lnRef>
+      <a:fillRef idx="1">
+        <a:scrgbClr r="0" g="0" b="0"/>
+      </a:fillRef>
+      <a:effectRef idx="0">
+        <a:scrgbClr r="0" g="0" b="0"/>
+      </a:effectRef>
+      <a:fontRef idx="minor"/>
+    </dgm:style>
+  </dgm:styleLbl>
+  <dgm:styleLbl name="trBgShp">
+    <dgm:scene3d>
+      <a:camera prst="orthographicFront"/>
+      <a:lightRig rig="threePt" dir="t"/>
+    </dgm:scene3d>
+    <dgm:sp3d/>
+    <dgm:txPr/>
+    <dgm:style>
+      <a:lnRef idx="0">
+        <a:scrgbClr r="0" g="0" b="0"/>
+      </a:lnRef>
+      <a:fillRef idx="1">
+        <a:scrgbClr r="0" g="0" b="0"/>
+      </a:fillRef>
+      <a:effectRef idx="0">
+        <a:scrgbClr r="0" g="0" b="0"/>
+      </a:effectRef>
+      <a:fontRef idx="minor"/>
+    </dgm:style>
+  </dgm:styleLbl>
+  <dgm:styleLbl name="fgShp">
+    <dgm:scene3d>
+      <a:camera prst="orthographicFront"/>
+      <a:lightRig rig="threePt" dir="t"/>
+    </dgm:scene3d>
+    <dgm:sp3d/>
+    <dgm:txPr/>
+    <dgm:style>
+      <a:lnRef idx="2">
+        <a:scrgbClr r="0" g="0" b="0"/>
+      </a:lnRef>
+      <a:fillRef idx="1">
+        <a:scrgbClr r="0" g="0" b="0"/>
+      </a:fillRef>
+      <a:effectRef idx="0">
+        <a:scrgbClr r="0" g="0" b="0"/>
+      </a:effectRef>
+      <a:fontRef idx="minor"/>
+    </dgm:style>
+  </dgm:styleLbl>
+  <dgm:styleLbl name="revTx">
+    <dgm:scene3d>
+      <a:camera prst="orthographicFront"/>
+      <a:lightRig rig="threePt" dir="t"/>
+    </dgm:scene3d>
+    <dgm:sp3d/>
+    <dgm:txPr/>
+    <dgm:style>
+      <a:lnRef idx="0">
+        <a:scrgbClr r="0" g="0" b="0"/>
+      </a:lnRef>
+      <a:fillRef idx="0">
+        <a:scrgbClr r="0" g="0" b="0"/>
+      </a:fillRef>
+      <a:effectRef idx="0">
+        <a:scrgbClr r="0" g="0" b="0"/>
+      </a:effectRef>
+      <a:fontRef idx="minor"/>
+    </dgm:style>
+  </dgm:styleLbl>
+</dgm:styleDef>
+</file>
+
+<file path=ppt/notesMasters/notesMaster1.xml><?xml version="1.0" encoding="utf-8"?>
+<p:notesMaster xmlns:a="http://schemas.openxmlformats.org/drawingml/2006/main" xmlns:r="http://schemas.openxmlformats.org/officeDocument/2006/relationships" xmlns:p="http://schemas.openxmlformats.org/presentationml/2006/main">
+  <p:cSld>
+    <p:bg>
+      <p:bgRef idx="1001">
+        <a:schemeClr val="bg1"/>
+      </p:bgRef>
+    </p:bg>
+    <p:spTree>
+      <p:nvGrpSpPr>
+        <p:cNvPr id="1" name=""/>
+        <p:cNvGrpSpPr/>
+        <p:nvPr/>
+      </p:nvGrpSpPr>
+      <p:grpSpPr>
+        <a:xfrm>
+          <a:off x="0" y="0"/>
+          <a:ext cx="0" cy="0"/>
+          <a:chOff x="0" y="0"/>
+          <a:chExt cx="0" cy="0"/>
+        </a:xfrm>
+      </p:grpSpPr>
+      <p:sp>
+        <p:nvSpPr>
+          <p:cNvPr id="2" name="Header Placeholder 1"/>
+          <p:cNvSpPr>
+            <a:spLocks noGrp="1"/>
+          </p:cNvSpPr>
+          <p:nvPr>
+            <p:ph type="hdr" sz="quarter"/>
+          </p:nvPr>
+        </p:nvSpPr>
+        <p:spPr>
+          <a:xfrm>
+            <a:off x="0" y="0"/>
+            <a:ext cx="2971800" cy="458788"/>
+          </a:xfrm>
+          <a:prstGeom prst="rect">
+            <a:avLst/>
+          </a:prstGeom>
+        </p:spPr>
+        <p:txBody>
+          <a:bodyPr vert="horz" lIns="91440" tIns="45720" rIns="91440" bIns="45720" rtlCol="0"/>
+          <a:lstStyle>
+            <a:lvl1pPr algn="l">
+              <a:defRPr sz="1200"/>
+            </a:lvl1pPr>
+          </a:lstStyle>
+          <a:p>
+            <a:endParaRPr lang="en-US"/>
+          </a:p>
+        </p:txBody>
+      </p:sp>
+      <p:sp>
+        <p:nvSpPr>
+          <p:cNvPr id="3" name="Date Placeholder 2"/>
+          <p:cNvSpPr>
+            <a:spLocks noGrp="1"/>
+          </p:cNvSpPr>
+          <p:nvPr>
+            <p:ph type="dt" idx="1"/>
+          </p:nvPr>
+        </p:nvSpPr>
+        <p:spPr>
+          <a:xfrm>
+            <a:off x="3884613" y="0"/>
+            <a:ext cx="2971800" cy="458788"/>
+          </a:xfrm>
+          <a:prstGeom prst="rect">
+            <a:avLst/>
+          </a:prstGeom>
+        </p:spPr>
+        <p:txBody>
+          <a:bodyPr vert="horz" lIns="91440" tIns="45720" rIns="91440" bIns="45720" rtlCol="0"/>
+          <a:lstStyle>
+            <a:lvl1pPr algn="r">
+              <a:defRPr sz="1200"/>
+            </a:lvl1pPr>
+          </a:lstStyle>
+          <a:p>
+            <a:fld id="{D85BCE5C-3BC1-42CA-9371-700BAC6C279D}" type="datetimeFigureOut">
+              <a:rPr lang="en-US" smtClean="0"/>
+              <a:t>4/6/2021</a:t>
+            </a:fld>
+            <a:endParaRPr lang="en-US"/>
+          </a:p>
+        </p:txBody>
+      </p:sp>
+      <p:sp>
+        <p:nvSpPr>
+          <p:cNvPr id="4" name="Slide Image Placeholder 3"/>
+          <p:cNvSpPr>
+            <a:spLocks noGrp="1" noRot="1" noChangeAspect="1"/>
+          </p:cNvSpPr>
+          <p:nvPr>
+            <p:ph type="sldImg" idx="2"/>
+          </p:nvPr>
+        </p:nvSpPr>
+        <p:spPr>
+          <a:xfrm>
+            <a:off x="685800" y="1143000"/>
+            <a:ext cx="5486400" cy="3086100"/>
+          </a:xfrm>
+          <a:prstGeom prst="rect">
+            <a:avLst/>
+          </a:prstGeom>
+          <a:noFill/>
+          <a:ln w="12700">
+            <a:solidFill>
+              <a:prstClr val="black"/>
+            </a:solidFill>
+          </a:ln>
+        </p:spPr>
+        <p:txBody>
+          <a:bodyPr vert="horz" lIns="91440" tIns="45720" rIns="91440" bIns="45720" rtlCol="0" anchor="ctr"/>
+          <a:lstStyle/>
+          <a:p>
+            <a:endParaRPr lang="en-US"/>
+          </a:p>
+        </p:txBody>
+      </p:sp>
+      <p:sp>
+        <p:nvSpPr>
+          <p:cNvPr id="5" name="Notes Placeholder 4"/>
+          <p:cNvSpPr>
+            <a:spLocks noGrp="1"/>
+          </p:cNvSpPr>
+          <p:nvPr>
+            <p:ph type="body" sz="quarter" idx="3"/>
+          </p:nvPr>
+        </p:nvSpPr>
+        <p:spPr>
+          <a:xfrm>
+            <a:off x="685800" y="4400550"/>
+            <a:ext cx="5486400" cy="3600450"/>
+          </a:xfrm>
+          <a:prstGeom prst="rect">
+            <a:avLst/>
+          </a:prstGeom>
+        </p:spPr>
+        <p:txBody>
+          <a:bodyPr vert="horz" lIns="91440" tIns="45720" rIns="91440" bIns="45720" rtlCol="0"/>
+          <a:lstStyle/>
+          <a:p>
+            <a:pPr lvl="0"/>
+            <a:r>
+              <a:rPr lang="en-US"/>
+              <a:t>Click to edit Master text styles</a:t>
+            </a:r>
+          </a:p>
+          <a:p>
+            <a:pPr lvl="1"/>
+            <a:r>
+              <a:rPr lang="en-US"/>
+              <a:t>Second level</a:t>
+            </a:r>
+          </a:p>
+          <a:p>
+            <a:pPr lvl="2"/>
+            <a:r>
+              <a:rPr lang="en-US"/>
+              <a:t>Third level</a:t>
+            </a:r>
+          </a:p>
+          <a:p>
+            <a:pPr lvl="3"/>
+            <a:r>
+              <a:rPr lang="en-US"/>
+              <a:t>Fourth level</a:t>
+            </a:r>
+          </a:p>
+          <a:p>
+            <a:pPr lvl="4"/>
+            <a:r>
+              <a:rPr lang="en-US"/>
+              <a:t>Fifth level</a:t>
+            </a:r>
+          </a:p>
+        </p:txBody>
+      </p:sp>
+      <p:sp>
+        <p:nvSpPr>
+          <p:cNvPr id="6" name="Footer Placeholder 5"/>
+          <p:cNvSpPr>
+            <a:spLocks noGrp="1"/>
+          </p:cNvSpPr>
+          <p:nvPr>
+            <p:ph type="ftr" sz="quarter" idx="4"/>
+          </p:nvPr>
+        </p:nvSpPr>
+        <p:spPr>
+          <a:xfrm>
+            <a:off x="0" y="8685213"/>
+            <a:ext cx="2971800" cy="458787"/>
+          </a:xfrm>
+          <a:prstGeom prst="rect">
+            <a:avLst/>
+          </a:prstGeom>
+        </p:spPr>
+        <p:txBody>
+          <a:bodyPr vert="horz" lIns="91440" tIns="45720" rIns="91440" bIns="45720" rtlCol="0" anchor="b"/>
+          <a:lstStyle>
+            <a:lvl1pPr algn="l">
+              <a:defRPr sz="1200"/>
+            </a:lvl1pPr>
+          </a:lstStyle>
+          <a:p>
+            <a:endParaRPr lang="en-US"/>
+          </a:p>
+        </p:txBody>
+      </p:sp>
+      <p:sp>
+        <p:nvSpPr>
+          <p:cNvPr id="7" name="Slide Number Placeholder 6"/>
+          <p:cNvSpPr>
+            <a:spLocks noGrp="1"/>
+          </p:cNvSpPr>
+          <p:nvPr>
+            <p:ph type="sldNum" sz="quarter" idx="5"/>
+          </p:nvPr>
+        </p:nvSpPr>
+        <p:spPr>
+          <a:xfrm>
+            <a:off x="3884613" y="8685213"/>
+            <a:ext cx="2971800" cy="458787"/>
+          </a:xfrm>
+          <a:prstGeom prst="rect">
+            <a:avLst/>
+          </a:prstGeom>
+        </p:spPr>
+        <p:txBody>
+          <a:bodyPr vert="horz" lIns="91440" tIns="45720" rIns="91440" bIns="45720" rtlCol="0" anchor="b"/>
+          <a:lstStyle>
+            <a:lvl1pPr algn="r">
+              <a:defRPr sz="1200"/>
+            </a:lvl1pPr>
+          </a:lstStyle>
+          <a:p>
+            <a:fld id="{F9B757B9-D1AE-42B4-BED2-9139E987DA27}" type="slidenum">
+              <a:rPr lang="en-US" smtClean="0"/>
+              <a:t>‹#›</a:t>
+            </a:fld>
+            <a:endParaRPr lang="en-US"/>
+          </a:p>
+        </p:txBody>
+      </p:sp>
+    </p:spTree>
+    <p:extLst>
+      <p:ext uri="{BB962C8B-B14F-4D97-AF65-F5344CB8AC3E}">
+        <p14:creationId xmlns:p14="http://schemas.microsoft.com/office/powerpoint/2010/main" val="1812332524"/>
+      </p:ext>
+    </p:extLst>
+  </p:cSld>
+  <p:clrMap bg1="lt1" tx1="dk1" bg2="lt2" tx2="dk2" accent1="accent1" accent2="accent2" accent3="accent3" accent4="accent4" accent5="accent5" accent6="accent6" hlink="hlink" folHlink="folHlink"/>
+  <p:notesStyle>
+    <a:lvl1pPr marL="0" algn="l" defTabSz="914400" rtl="0" eaLnBrk="1" latinLnBrk="0" hangingPunct="1">
+      <a:defRPr sz="1200" kern="1200">
+        <a:solidFill>
+          <a:schemeClr val="tx1"/>
+        </a:solidFill>
+        <a:latin typeface="+mn-lt"/>
+        <a:ea typeface="+mn-ea"/>
+        <a:cs typeface="+mn-cs"/>
+      </a:defRPr>
+    </a:lvl1pPr>
+    <a:lvl2pPr marL="457200" algn="l" defTabSz="914400" rtl="0" eaLnBrk="1" latinLnBrk="0" hangingPunct="1">
+      <a:defRPr sz="1200" kern="1200">
+        <a:solidFill>
+          <a:schemeClr val="tx1"/>
+        </a:solidFill>
+        <a:latin typeface="+mn-lt"/>
+        <a:ea typeface="+mn-ea"/>
+        <a:cs typeface="+mn-cs"/>
+      </a:defRPr>
+    </a:lvl2pPr>
+    <a:lvl3pPr marL="914400" algn="l" defTabSz="914400" rtl="0" eaLnBrk="1" latinLnBrk="0" hangingPunct="1">
+      <a:defRPr sz="1200" kern="1200">
+        <a:solidFill>
+          <a:schemeClr val="tx1"/>
+        </a:solidFill>
+        <a:latin typeface="+mn-lt"/>
+        <a:ea typeface="+mn-ea"/>
+        <a:cs typeface="+mn-cs"/>
+      </a:defRPr>
+    </a:lvl3pPr>
+    <a:lvl4pPr marL="1371600" algn="l" defTabSz="914400" rtl="0" eaLnBrk="1" latinLnBrk="0" hangingPunct="1">
+      <a:defRPr sz="1200" kern="1200">
+        <a:solidFill>
+          <a:schemeClr val="tx1"/>
+        </a:solidFill>
+        <a:latin typeface="+mn-lt"/>
+        <a:ea typeface="+mn-ea"/>
+        <a:cs typeface="+mn-cs"/>
+      </a:defRPr>
+    </a:lvl4pPr>
+    <a:lvl5pPr marL="1828800" algn="l" defTabSz="914400" rtl="0" eaLnBrk="1" latinLnBrk="0" hangingPunct="1">
+      <a:defRPr sz="1200" kern="1200">
+        <a:solidFill>
+          <a:schemeClr val="tx1"/>
+        </a:solidFill>
+        <a:latin typeface="+mn-lt"/>
+        <a:ea typeface="+mn-ea"/>
+        <a:cs typeface="+mn-cs"/>
+      </a:defRPr>
+    </a:lvl5pPr>
+    <a:lvl6pPr marL="2286000" algn="l" defTabSz="914400" rtl="0" eaLnBrk="1" latinLnBrk="0" hangingPunct="1">
+      <a:defRPr sz="1200" kern="1200">
+        <a:solidFill>
+          <a:schemeClr val="tx1"/>
+        </a:solidFill>
+        <a:latin typeface="+mn-lt"/>
+        <a:ea typeface="+mn-ea"/>
+        <a:cs typeface="+mn-cs"/>
+      </a:defRPr>
+    </a:lvl6pPr>
+    <a:lvl7pPr marL="2743200" algn="l" defTabSz="914400" rtl="0" eaLnBrk="1" latinLnBrk="0" hangingPunct="1">
+      <a:defRPr sz="1200" kern="1200">
+        <a:solidFill>
+          <a:schemeClr val="tx1"/>
+        </a:solidFill>
+        <a:latin typeface="+mn-lt"/>
+        <a:ea typeface="+mn-ea"/>
+        <a:cs typeface="+mn-cs"/>
+      </a:defRPr>
+    </a:lvl7pPr>
+    <a:lvl8pPr marL="3200400" algn="l" defTabSz="914400" rtl="0" eaLnBrk="1" latinLnBrk="0" hangingPunct="1">
+      <a:defRPr sz="1200" kern="1200">
+        <a:solidFill>
+          <a:schemeClr val="tx1"/>
+        </a:solidFill>
+        <a:latin typeface="+mn-lt"/>
+        <a:ea typeface="+mn-ea"/>
+        <a:cs typeface="+mn-cs"/>
+      </a:defRPr>
+    </a:lvl8pPr>
+    <a:lvl9pPr marL="3657600" algn="l" defTabSz="914400" rtl="0" eaLnBrk="1" latinLnBrk="0" hangingPunct="1">
+      <a:defRPr sz="1200" kern="1200">
+        <a:solidFill>
+          <a:schemeClr val="tx1"/>
+        </a:solidFill>
+        <a:latin typeface="+mn-lt"/>
+        <a:ea typeface="+mn-ea"/>
+        <a:cs typeface="+mn-cs"/>
+      </a:defRPr>
+    </a:lvl9pPr>
+  </p:notesStyle>
+</p:notesMaster>
+</file>
+
+<file path=ppt/notesSlides/notesSlide1.xml><?xml version="1.0" encoding="utf-8"?>
+<p:notes xmlns:a="http://schemas.openxmlformats.org/drawingml/2006/main" xmlns:r="http://schemas.openxmlformats.org/officeDocument/2006/relationships" xmlns:p="http://schemas.openxmlformats.org/presentationml/2006/main">
+  <p:cSld>
+    <p:spTree>
+      <p:nvGrpSpPr>
+        <p:cNvPr id="1" name=""/>
+        <p:cNvGrpSpPr/>
+        <p:nvPr/>
+      </p:nvGrpSpPr>
+      <p:grpSpPr>
+        <a:xfrm>
+          <a:off x="0" y="0"/>
+          <a:ext cx="0" cy="0"/>
+          <a:chOff x="0" y="0"/>
+          <a:chExt cx="0" cy="0"/>
+        </a:xfrm>
+      </p:grpSpPr>
+      <p:sp>
+        <p:nvSpPr>
+          <p:cNvPr id="2" name="Slide Image Placeholder 1"/>
+          <p:cNvSpPr>
+            <a:spLocks noGrp="1" noRot="1" noChangeAspect="1"/>
+          </p:cNvSpPr>
+          <p:nvPr>
+            <p:ph type="sldImg"/>
+          </p:nvPr>
+        </p:nvSpPr>
+        <p:spPr/>
+      </p:sp>
+      <p:sp>
+        <p:nvSpPr>
+          <p:cNvPr id="3" name="Notes Placeholder 2"/>
+          <p:cNvSpPr>
+            <a:spLocks noGrp="1"/>
+          </p:cNvSpPr>
+          <p:nvPr>
+            <p:ph type="body" idx="1"/>
+          </p:nvPr>
+        </p:nvSpPr>
+        <p:spPr/>
+        <p:txBody>
+          <a:bodyPr/>
+          <a:lstStyle/>
+          <a:p>
+            <a:r>
+              <a:rPr lang="en-US" dirty="0"/>
+              <a:t>Learning a decision tree means learning the sequence of if/else questions that gets us to the test/answer most quickly.</a:t>
+            </a:r>
+          </a:p>
+          <a:p>
+            <a:r>
+              <a:rPr lang="en-US" dirty="0"/>
+              <a:t>To build a tree, algo searches over all possible tests and finds the one that is most informative about the target variable.</a:t>
+            </a:r>
+          </a:p>
+          <a:p>
+            <a:r>
+              <a:rPr lang="en-US" dirty="0"/>
+              <a:t>=recursive process yields a binary tree of decisions with each node containing a test.</a:t>
+            </a:r>
+          </a:p>
+          <a:p>
+            <a:r>
+              <a:rPr lang="en-US" dirty="0"/>
+              <a:t>=Process is repeated until each region in the partition only contains a single target variable</a:t>
+            </a:r>
+          </a:p>
+          <a:p>
+            <a:r>
+              <a:rPr lang="en-US" dirty="0"/>
+              <a:t>=A prediction or new data point is made by checking which region of that partition of the feature space the point lies in and then predicting the majority of that region.</a:t>
+            </a:r>
+          </a:p>
+          <a:p>
+            <a:r>
+              <a:rPr lang="en-US" dirty="0"/>
+              <a:t>Possible for regression tasks, using exact same technique.</a:t>
+            </a:r>
+          </a:p>
+          <a:p>
+            <a:r>
+              <a:rPr lang="en-US" dirty="0"/>
+              <a:t>=Output is a mean target of training points on leaf.</a:t>
+            </a:r>
+          </a:p>
+        </p:txBody>
+      </p:sp>
+      <p:sp>
+        <p:nvSpPr>
+          <p:cNvPr id="4" name="Slide Number Placeholder 3"/>
+          <p:cNvSpPr>
+            <a:spLocks noGrp="1"/>
+          </p:cNvSpPr>
+          <p:nvPr>
+            <p:ph type="sldNum" sz="quarter" idx="5"/>
+          </p:nvPr>
+        </p:nvSpPr>
+        <p:spPr/>
+        <p:txBody>
+          <a:bodyPr/>
+          <a:lstStyle/>
+          <a:p>
+            <a:fld id="{F9B757B9-D1AE-42B4-BED2-9139E987DA27}" type="slidenum">
+              <a:rPr lang="en-US" smtClean="0"/>
+              <a:t>8</a:t>
+            </a:fld>
+            <a:endParaRPr lang="en-US"/>
+          </a:p>
+        </p:txBody>
+      </p:sp>
+    </p:spTree>
+    <p:extLst>
+      <p:ext uri="{BB962C8B-B14F-4D97-AF65-F5344CB8AC3E}">
+        <p14:creationId xmlns:p14="http://schemas.microsoft.com/office/powerpoint/2010/main" val="2895649872"/>
+      </p:ext>
+    </p:extLst>
+  </p:cSld>
+  <p:clrMapOvr>
+    <a:masterClrMapping/>
+  </p:clrMapOvr>
+</p:notes>
+</file>
+
 <file path=ppt/slideLayouts/slideLayout1.xml><?xml version="1.0" encoding="utf-8"?>
 <p:sldLayout xmlns:a="http://schemas.openxmlformats.org/drawingml/2006/main" xmlns:r="http://schemas.openxmlformats.org/officeDocument/2006/relationships" xmlns:p="http://schemas.openxmlformats.org/presentationml/2006/main" type="title" preserve="1">
   <p:cSld name="Title Slide">
@@ -8917,7 +11999,7 @@
           <a:p>
             <a:fld id="{72EA7947-E287-4738-8C82-07CE4F01EF03}" type="datetime2">
               <a:rPr lang="en-US" smtClean="0"/>
-              <a:t>Thursday, February 18, 2021</a:t>
+              <a:t>Tuesday, April 6, 2021</a:t>
             </a:fld>
             <a:endParaRPr lang="en-US" dirty="0"/>
           </a:p>
@@ -9953,7 +13035,7 @@
           <a:p>
             <a:fld id="{EE2EBD84-71F4-4271-8C46-0D47C0A9B12E}" type="datetime2">
               <a:rPr lang="en-US" smtClean="0"/>
-              <a:t>Thursday, February 18, 2021</a:t>
+              <a:t>Tuesday, April 6, 2021</a:t>
             </a:fld>
             <a:endParaRPr lang="en-US"/>
           </a:p>
@@ -10164,7 +13246,7 @@
           <a:p>
             <a:fld id="{ABAE0CE1-F450-4107-B2CB-17B18F8A3F4A}" type="datetime2">
               <a:rPr lang="en-US" smtClean="0"/>
-              <a:t>Thursday, February 18, 2021</a:t>
+              <a:t>Tuesday, April 6, 2021</a:t>
             </a:fld>
             <a:endParaRPr lang="en-US"/>
           </a:p>
@@ -10829,7 +13911,7 @@
           <a:p>
             <a:fld id="{6FE8C025-CD7A-4966-867E-81CF82B15267}" type="datetime2">
               <a:rPr lang="en-US" smtClean="0"/>
-              <a:t>Thursday, February 18, 2021</a:t>
+              <a:t>Tuesday, April 6, 2021</a:t>
             </a:fld>
             <a:endParaRPr lang="en-US"/>
           </a:p>
@@ -11449,7 +14531,7 @@
           <a:p>
             <a:fld id="{FE809929-0719-4517-94D6-FDF7F99E70F6}" type="datetime2">
               <a:rPr lang="en-US" smtClean="0"/>
-              <a:t>Thursday, February 18, 2021</a:t>
+              <a:t>Tuesday, April 6, 2021</a:t>
             </a:fld>
             <a:endParaRPr lang="en-US"/>
           </a:p>
@@ -12567,7 +15649,7 @@
           <a:p>
             <a:fld id="{20E95673-5512-4AAA-9AEB-E00C61EC65D5}" type="datetime2">
               <a:rPr lang="en-US" smtClean="0"/>
-              <a:t>Thursday, February 18, 2021</a:t>
+              <a:t>Tuesday, April 6, 2021</a:t>
             </a:fld>
             <a:endParaRPr lang="en-US"/>
           </a:p>
@@ -13114,7 +16196,7 @@
           <a:p>
             <a:fld id="{C13138FA-2E87-4873-8BBA-13E447C9A99A}" type="datetime2">
               <a:rPr lang="en-US" smtClean="0"/>
-              <a:t>Thursday, February 18, 2021</a:t>
+              <a:t>Tuesday, April 6, 2021</a:t>
             </a:fld>
             <a:endParaRPr lang="en-US"/>
           </a:p>
@@ -13275,7 +16357,7 @@
           <a:p>
             <a:fld id="{D75BB40A-97BD-4BFB-B639-0BFF95FDE8B7}" type="datetime2">
               <a:rPr lang="en-US" smtClean="0"/>
-              <a:t>Thursday, February 18, 2021</a:t>
+              <a:t>Tuesday, April 6, 2021</a:t>
             </a:fld>
             <a:endParaRPr lang="en-US"/>
           </a:p>
@@ -14310,7 +17392,7 @@
           <a:p>
             <a:fld id="{9EE9E0E3-ECF6-4CFE-8698-AEFEBCECC3C0}" type="datetime2">
               <a:rPr lang="en-US" smtClean="0"/>
-              <a:t>Thursday, February 18, 2021</a:t>
+              <a:t>Tuesday, April 6, 2021</a:t>
             </a:fld>
             <a:endParaRPr lang="en-US"/>
           </a:p>
@@ -14956,7 +18038,7 @@
           <a:p>
             <a:fld id="{251462FC-960E-4740-921F-B36862979F21}" type="datetime2">
               <a:rPr lang="en-US" smtClean="0"/>
-              <a:t>Thursday, February 18, 2021</a:t>
+              <a:t>Tuesday, April 6, 2021</a:t>
             </a:fld>
             <a:endParaRPr lang="en-US"/>
           </a:p>
@@ -15720,7 +18802,7 @@
           <a:p>
             <a:fld id="{E50BC9E2-CB44-4C05-9BB5-496C18A241E0}" type="datetime2">
               <a:rPr lang="en-US" smtClean="0"/>
-              <a:t>Thursday, February 18, 2021</a:t>
+              <a:t>Tuesday, April 6, 2021</a:t>
             </a:fld>
             <a:endParaRPr lang="en-US"/>
           </a:p>
@@ -15973,7 +19055,7 @@
           <a:p>
             <a:fld id="{246CB39B-5F4C-4A7E-9BE3-AAFD45576D16}" type="datetime2">
               <a:rPr lang="en-US" smtClean="0"/>
-              <a:t>Thursday, February 18, 2021</a:t>
+              <a:t>Tuesday, April 6, 2021</a:t>
             </a:fld>
             <a:endParaRPr lang="en-US" dirty="0"/>
           </a:p>
@@ -17450,12 +20532,12 @@
           <a:p>
             <a:pPr lvl="1"/>
             <a:r>
-              <a:rPr lang="en-US" sz="1000" dirty="0" err="1">
+              <a:rPr lang="en-US" sz="1600" dirty="0" err="1">
                 <a:hlinkClick r:id="rId2"/>
               </a:rPr>
               <a:t>Decision_Tree.ipynb</a:t>
             </a:r>
-            <a:endParaRPr lang="en-US" sz="1000" dirty="0"/>
+            <a:endParaRPr lang="en-US" sz="1600" dirty="0"/>
           </a:p>
           <a:p>
             <a:r>
@@ -17480,7 +20562,7 @@
             <a:pPr lvl="1"/>
             <a:r>
               <a:rPr lang="en-US" sz="1600" dirty="0"/>
-              <a:t>Historical Prices of Ram</a:t>
+              <a:t>Salary / Years of Experience</a:t>
             </a:r>
           </a:p>
           <a:p>
@@ -17489,7 +20571,7 @@
               <a:rPr lang="en-US" sz="1600" dirty="0">
                 <a:hlinkClick r:id="rId3"/>
               </a:rPr>
-              <a:t>Ram Prices Data</a:t>
+              <a:t>Salary Data</a:t>
             </a:r>
             <a:endParaRPr lang="en-US" sz="1600" dirty="0"/>
           </a:p>
@@ -17497,7 +20579,7 @@
             <a:pPr lvl="1"/>
             <a:r>
               <a:rPr lang="en-US" sz="1600" dirty="0"/>
-              <a:t>Salary Based on Experience</a:t>
+              <a:t>Historical Prices of Ram</a:t>
             </a:r>
           </a:p>
           <a:p>
@@ -17506,7 +20588,7 @@
               <a:rPr lang="en-US" sz="1600" dirty="0">
                 <a:hlinkClick r:id="rId4"/>
               </a:rPr>
-              <a:t>Salary Data</a:t>
+              <a:t>Ram Prices Data</a:t>
             </a:r>
             <a:endParaRPr lang="en-US" sz="1600" dirty="0"/>
           </a:p>
@@ -17772,13 +20854,8 @@
           <a:p>
             <a:r>
               <a:rPr lang="en-US" dirty="0"/>
-              <a:t>Find </a:t>
+              <a:t>Find a Dataset (NOTHING TOO CRAZY)</a:t>
             </a:r>
-            <a:r>
-              <a:rPr lang="en-US"/>
-              <a:t>a Dataset (NOTHING TOO CRAZY)</a:t>
-            </a:r>
-            <a:endParaRPr lang="en-US" dirty="0"/>
           </a:p>
           <a:p>
             <a:pPr lvl="1"/>
@@ -17893,6 +20970,169 @@
           <p:cNvPr id="2" name="Title 1">
             <a:extLst>
               <a:ext uri="{FF2B5EF4-FFF2-40B4-BE49-F238E27FC236}">
+                <a16:creationId xmlns:a16="http://schemas.microsoft.com/office/drawing/2014/main" id="{9D4B72D4-EDC5-427B-BE56-B204739391FC}"/>
+              </a:ext>
+            </a:extLst>
+          </p:cNvPr>
+          <p:cNvSpPr>
+            <a:spLocks noGrp="1"/>
+          </p:cNvSpPr>
+          <p:nvPr>
+            <p:ph type="title"/>
+          </p:nvPr>
+        </p:nvSpPr>
+        <p:spPr/>
+        <p:txBody>
+          <a:bodyPr/>
+          <a:lstStyle/>
+          <a:p>
+            <a:r>
+              <a:rPr lang="en-US" dirty="0"/>
+              <a:t>Objectives – Decision Trees</a:t>
+            </a:r>
+          </a:p>
+        </p:txBody>
+      </p:sp>
+      <p:sp>
+        <p:nvSpPr>
+          <p:cNvPr id="3" name="Content Placeholder 2">
+            <a:extLst>
+              <a:ext uri="{FF2B5EF4-FFF2-40B4-BE49-F238E27FC236}">
+                <a16:creationId xmlns:a16="http://schemas.microsoft.com/office/drawing/2014/main" id="{0E16DDFB-F7E9-492E-A683-D141A392C310}"/>
+              </a:ext>
+            </a:extLst>
+          </p:cNvPr>
+          <p:cNvSpPr>
+            <a:spLocks noGrp="1"/>
+          </p:cNvSpPr>
+          <p:nvPr>
+            <p:ph idx="1"/>
+          </p:nvPr>
+        </p:nvSpPr>
+        <p:spPr/>
+        <p:txBody>
+          <a:bodyPr>
+            <a:normAutofit fontScale="77500" lnSpcReduction="20000"/>
+          </a:bodyPr>
+          <a:lstStyle/>
+          <a:p>
+            <a:r>
+              <a:rPr lang="en-US" dirty="0"/>
+              <a:t>Explain what are Decision Trees/How They Work</a:t>
+            </a:r>
+          </a:p>
+          <a:p>
+            <a:pPr lvl="1"/>
+            <a:r>
+              <a:rPr lang="en-US" dirty="0"/>
+              <a:t>Written</a:t>
+            </a:r>
+          </a:p>
+          <a:p>
+            <a:pPr lvl="1"/>
+            <a:r>
+              <a:rPr lang="en-US" dirty="0"/>
+              <a:t>Verbal</a:t>
+            </a:r>
+          </a:p>
+          <a:p>
+            <a:r>
+              <a:rPr lang="en-US" dirty="0"/>
+              <a:t>Build a Decision Tree</a:t>
+            </a:r>
+          </a:p>
+          <a:p>
+            <a:pPr lvl="1"/>
+            <a:r>
+              <a:rPr lang="en-US" dirty="0"/>
+              <a:t>Follow along with me</a:t>
+            </a:r>
+          </a:p>
+          <a:p>
+            <a:pPr lvl="2"/>
+            <a:r>
+              <a:rPr lang="en-US" dirty="0"/>
+              <a:t>Classification</a:t>
+            </a:r>
+          </a:p>
+          <a:p>
+            <a:pPr lvl="2"/>
+            <a:r>
+              <a:rPr lang="en-US" dirty="0"/>
+              <a:t>Regression</a:t>
+            </a:r>
+          </a:p>
+          <a:p>
+            <a:r>
+              <a:rPr lang="en-US" dirty="0"/>
+              <a:t>Exercise / Application</a:t>
+            </a:r>
+          </a:p>
+          <a:p>
+            <a:pPr lvl="1"/>
+            <a:r>
+              <a:rPr lang="en-US" dirty="0"/>
+              <a:t>Build a decision tree</a:t>
+            </a:r>
+          </a:p>
+          <a:p>
+            <a:pPr lvl="2"/>
+            <a:r>
+              <a:rPr lang="en-US" dirty="0"/>
+              <a:t>One for Classification</a:t>
+            </a:r>
+          </a:p>
+          <a:p>
+            <a:pPr lvl="2"/>
+            <a:r>
+              <a:rPr lang="en-US" dirty="0"/>
+              <a:t>One for Regression</a:t>
+            </a:r>
+          </a:p>
+          <a:p>
+            <a:pPr lvl="1"/>
+            <a:r>
+              <a:rPr lang="en-US" dirty="0"/>
+              <a:t>Improve upon initial tree by adjusting parameters.</a:t>
+            </a:r>
+          </a:p>
+        </p:txBody>
+      </p:sp>
+    </p:spTree>
+    <p:extLst>
+      <p:ext uri="{BB962C8B-B14F-4D97-AF65-F5344CB8AC3E}">
+        <p14:creationId xmlns:p14="http://schemas.microsoft.com/office/powerpoint/2010/main" val="1535784562"/>
+      </p:ext>
+    </p:extLst>
+  </p:cSld>
+  <p:clrMapOvr>
+    <a:masterClrMapping/>
+  </p:clrMapOvr>
+</p:sld>
+</file>
+
+<file path=ppt/slides/slide3.xml><?xml version="1.0" encoding="utf-8"?>
+<p:sld xmlns:a="http://schemas.openxmlformats.org/drawingml/2006/main" xmlns:r="http://schemas.openxmlformats.org/officeDocument/2006/relationships" xmlns:p="http://schemas.openxmlformats.org/presentationml/2006/main">
+  <p:cSld>
+    <p:spTree>
+      <p:nvGrpSpPr>
+        <p:cNvPr id="1" name=""/>
+        <p:cNvGrpSpPr/>
+        <p:nvPr/>
+      </p:nvGrpSpPr>
+      <p:grpSpPr>
+        <a:xfrm>
+          <a:off x="0" y="0"/>
+          <a:ext cx="0" cy="0"/>
+          <a:chOff x="0" y="0"/>
+          <a:chExt cx="0" cy="0"/>
+        </a:xfrm>
+      </p:grpSpPr>
+      <p:sp>
+        <p:nvSpPr>
+          <p:cNvPr id="2" name="Title 1">
+            <a:extLst>
+              <a:ext uri="{FF2B5EF4-FFF2-40B4-BE49-F238E27FC236}">
                 <a16:creationId xmlns:a16="http://schemas.microsoft.com/office/drawing/2014/main" id="{098CA3A0-4381-4494-9808-F1013EED082C}"/>
               </a:ext>
             </a:extLst>
@@ -17950,7 +21190,11 @@
             </a:r>
             <a:r>
               <a:rPr lang="en-US" b="1" dirty="0"/>
-              <a:t>HAVE examples of input/output pairs.</a:t>
+              <a:t>HAVE </a:t>
+            </a:r>
+            <a:r>
+              <a:rPr lang="en-US" dirty="0"/>
+              <a:t>examples of input/output pairs.</a:t>
             </a:r>
           </a:p>
           <a:p>
@@ -17963,14 +21207,14 @@
           <a:p>
             <a:pPr lvl="2"/>
             <a:r>
-              <a:rPr lang="en-US" b="1" dirty="0"/>
+              <a:rPr lang="en-US" dirty="0"/>
               <a:t>Want to predict a class label</a:t>
             </a:r>
           </a:p>
           <a:p>
             <a:pPr lvl="2"/>
             <a:r>
-              <a:rPr lang="en-US" b="1" dirty="0"/>
+              <a:rPr lang="en-US" dirty="0"/>
               <a:t>Examples</a:t>
             </a:r>
           </a:p>
@@ -17984,7 +21228,7 @@
           <a:p>
             <a:pPr lvl="2"/>
             <a:r>
-              <a:rPr lang="en-US" b="1" dirty="0"/>
+              <a:rPr lang="en-US" dirty="0"/>
               <a:t>Want to predict a  continuous number</a:t>
             </a:r>
           </a:p>
@@ -18010,7 +21254,7 @@
 </p:sld>
 </file>
 
-<file path=ppt/slides/slide3.xml><?xml version="1.0" encoding="utf-8"?>
+<file path=ppt/slides/slide4.xml><?xml version="1.0" encoding="utf-8"?>
 <p:sld xmlns:a="http://schemas.openxmlformats.org/drawingml/2006/main" xmlns:r="http://schemas.openxmlformats.org/officeDocument/2006/relationships" xmlns:p="http://schemas.openxmlformats.org/presentationml/2006/main">
   <p:cSld>
     <p:bg>
@@ -18257,7 +21501,7 @@
 </p:sld>
 </file>
 
-<file path=ppt/slides/slide4.xml><?xml version="1.0" encoding="utf-8"?>
+<file path=ppt/slides/slide5.xml><?xml version="1.0" encoding="utf-8"?>
 <p:sld xmlns:a="http://schemas.openxmlformats.org/drawingml/2006/main" xmlns:r="http://schemas.openxmlformats.org/officeDocument/2006/relationships" xmlns:p="http://schemas.openxmlformats.org/presentationml/2006/main">
   <p:cSld>
     <p:bg>
@@ -18284,10 +21528,10 @@
       </p:grpSpPr>
       <p:sp useBgFill="1">
         <p:nvSpPr>
-          <p:cNvPr id="8" name="Rectangle 7">
+          <p:cNvPr id="28" name="Rectangle 27">
             <a:extLst>
               <a:ext uri="{FF2B5EF4-FFF2-40B4-BE49-F238E27FC236}">
-                <a16:creationId xmlns:a16="http://schemas.microsoft.com/office/drawing/2014/main" id="{A5931BE0-4B93-4D6C-878E-ACC59D6B4587}"/>
+                <a16:creationId xmlns:a16="http://schemas.microsoft.com/office/drawing/2014/main" id="{60B7752B-728D-4CA3-8923-C4F7F77029E3}"/>
               </a:ext>
               <a:ext uri="{C183D7F6-B498-43B3-948B-1728B52AA6E4}">
                 <adec:decorative xmlns:adec="http://schemas.microsoft.com/office/drawing/2017/decorative" val="1"/>
@@ -18376,1162 +21620,58 @@
         </p:nvSpPr>
         <p:spPr>
           <a:xfrm>
-            <a:off x="3359149" y="1520825"/>
-            <a:ext cx="8281987" cy="1333057"/>
+            <a:off x="550863" y="1520825"/>
+            <a:ext cx="4535487" cy="3779838"/>
           </a:xfrm>
         </p:spPr>
         <p:txBody>
-          <a:bodyPr wrap="square" anchor="t">
+          <a:bodyPr anchor="ctr">
             <a:normAutofit/>
           </a:bodyPr>
           <a:lstStyle/>
           <a:p>
             <a:r>
-              <a:rPr lang="en-US" dirty="0"/>
+              <a:rPr lang="en-US" sz="6400"/>
               <a:t>Review – Continued</a:t>
             </a:r>
           </a:p>
         </p:txBody>
       </p:sp>
-      <p:sp>
-        <p:nvSpPr>
-          <p:cNvPr id="10" name="Freeform: Shape 9">
+      <p:graphicFrame>
+        <p:nvGraphicFramePr>
+          <p:cNvPr id="24" name="Content Placeholder 2">
             <a:extLst>
               <a:ext uri="{FF2B5EF4-FFF2-40B4-BE49-F238E27FC236}">
-                <a16:creationId xmlns:a16="http://schemas.microsoft.com/office/drawing/2014/main" id="{6D438371-A37F-43CB-8166-3E9115593648}"/>
-              </a:ext>
-              <a:ext uri="{C183D7F6-B498-43B3-948B-1728B52AA6E4}">
-                <adec:decorative xmlns:adec="http://schemas.microsoft.com/office/drawing/2017/decorative" val="1"/>
+                <a16:creationId xmlns:a16="http://schemas.microsoft.com/office/drawing/2014/main" id="{116CC700-28A0-4889-91BB-ED63164B0876}"/>
               </a:ext>
             </a:extLst>
           </p:cNvPr>
-          <p:cNvSpPr>
-            <a:spLocks noGrp="1" noRot="1" noChangeAspect="1" noMove="1" noResize="1" noEditPoints="1" noAdjustHandles="1" noChangeArrowheads="1" noChangeShapeType="1" noTextEdit="1"/>
-          </p:cNvSpPr>
+          <p:cNvGraphicFramePr>
+            <a:graphicFrameLocks noGrp="1"/>
+          </p:cNvGraphicFramePr>
           <p:nvPr>
+            <p:ph idx="1"/>
             <p:extLst>
-              <p:ext uri="{386F3935-93C4-4BCD-93E2-E3B085C9AB24}">
-                <p16:designElem xmlns:p16="http://schemas.microsoft.com/office/powerpoint/2015/main" val="1"/>
+              <p:ext uri="{D42A27DB-BD31-4B8C-83A1-F6EECF244321}">
+                <p14:modId xmlns:p14="http://schemas.microsoft.com/office/powerpoint/2010/main" val="657180709"/>
               </p:ext>
             </p:extLst>
           </p:nvPr>
-        </p:nvSpPr>
-        <p:spPr>
-          <a:xfrm rot="18900000">
-            <a:off x="274870" y="-114297"/>
-            <a:ext cx="1853969" cy="926985"/>
-          </a:xfrm>
-          <a:custGeom>
-            <a:avLst/>
-            <a:gdLst>
-              <a:gd name="connsiteX0" fmla="*/ 958943 w 1853969"/>
-              <a:gd name="connsiteY0" fmla="*/ 1614 h 926985"/>
-              <a:gd name="connsiteX1" fmla="*/ 1852355 w 1853969"/>
-              <a:gd name="connsiteY1" fmla="*/ 895026 h 926985"/>
-              <a:gd name="connsiteX2" fmla="*/ 1853969 w 1853969"/>
-              <a:gd name="connsiteY2" fmla="*/ 926985 h 926985"/>
-              <a:gd name="connsiteX3" fmla="*/ 1390476 w 1853969"/>
-              <a:gd name="connsiteY3" fmla="*/ 926985 h 926985"/>
-              <a:gd name="connsiteX4" fmla="*/ 926984 w 1853969"/>
-              <a:gd name="connsiteY4" fmla="*/ 463493 h 926985"/>
-              <a:gd name="connsiteX5" fmla="*/ 463493 w 1853969"/>
-              <a:gd name="connsiteY5" fmla="*/ 926985 h 926985"/>
-              <a:gd name="connsiteX6" fmla="*/ 0 w 1853969"/>
-              <a:gd name="connsiteY6" fmla="*/ 926985 h 926985"/>
-              <a:gd name="connsiteX7" fmla="*/ 926985 w 1853969"/>
-              <a:gd name="connsiteY7" fmla="*/ 0 h 926985"/>
-            </a:gdLst>
-            <a:ahLst/>
-            <a:cxnLst>
-              <a:cxn ang="0">
-                <a:pos x="connsiteX0" y="connsiteY0"/>
-              </a:cxn>
-              <a:cxn ang="0">
-                <a:pos x="connsiteX1" y="connsiteY1"/>
-              </a:cxn>
-              <a:cxn ang="0">
-                <a:pos x="connsiteX2" y="connsiteY2"/>
-              </a:cxn>
-              <a:cxn ang="0">
-                <a:pos x="connsiteX3" y="connsiteY3"/>
-              </a:cxn>
-              <a:cxn ang="0">
-                <a:pos x="connsiteX4" y="connsiteY4"/>
-              </a:cxn>
-              <a:cxn ang="0">
-                <a:pos x="connsiteX5" y="connsiteY5"/>
-              </a:cxn>
-              <a:cxn ang="0">
-                <a:pos x="connsiteX6" y="connsiteY6"/>
-              </a:cxn>
-              <a:cxn ang="0">
-                <a:pos x="connsiteX7" y="connsiteY7"/>
-              </a:cxn>
-            </a:cxnLst>
-            <a:rect l="l" t="t" r="r" b="b"/>
-            <a:pathLst>
-              <a:path w="1853969" h="926985">
-                <a:moveTo>
-                  <a:pt x="958943" y="1614"/>
-                </a:moveTo>
-                <a:lnTo>
-                  <a:pt x="1852355" y="895026"/>
-                </a:lnTo>
-                <a:lnTo>
-                  <a:pt x="1853969" y="926985"/>
-                </a:lnTo>
-                <a:lnTo>
-                  <a:pt x="1390476" y="926985"/>
-                </a:lnTo>
-                <a:cubicBezTo>
-                  <a:pt x="1390476" y="671005"/>
-                  <a:pt x="1182964" y="463493"/>
-                  <a:pt x="926984" y="463493"/>
-                </a:cubicBezTo>
-                <a:cubicBezTo>
-                  <a:pt x="671005" y="463493"/>
-                  <a:pt x="463493" y="671005"/>
-                  <a:pt x="463493" y="926985"/>
-                </a:cubicBezTo>
-                <a:lnTo>
-                  <a:pt x="0" y="926985"/>
-                </a:lnTo>
-                <a:cubicBezTo>
-                  <a:pt x="0" y="415026"/>
-                  <a:pt x="415025" y="0"/>
-                  <a:pt x="926985" y="0"/>
-                </a:cubicBezTo>
-                <a:close/>
-              </a:path>
-            </a:pathLst>
-          </a:custGeom>
-          <a:solidFill>
-            <a:schemeClr val="bg2"/>
-          </a:solidFill>
-          <a:ln>
-            <a:noFill/>
-          </a:ln>
-          <a:effectLst>
-            <a:innerShdw blurRad="254000" dist="50800" dir="5400000">
-              <a:schemeClr val="accent1">
-                <a:lumMod val="40000"/>
-                <a:lumOff val="60000"/>
-                <a:alpha val="40000"/>
-              </a:schemeClr>
-            </a:innerShdw>
-          </a:effectLst>
-        </p:spPr>
-        <p:style>
-          <a:lnRef idx="2">
-            <a:schemeClr val="accent1">
-              <a:shade val="50000"/>
-            </a:schemeClr>
-          </a:lnRef>
-          <a:fillRef idx="1">
-            <a:schemeClr val="accent1"/>
-          </a:fillRef>
-          <a:effectRef idx="0">
-            <a:schemeClr val="accent1"/>
-          </a:effectRef>
-          <a:fontRef idx="minor">
-            <a:schemeClr val="lt1"/>
-          </a:fontRef>
-        </p:style>
-        <p:txBody>
-          <a:bodyPr wrap="square" rtlCol="0" anchor="ctr">
-            <a:noAutofit/>
-          </a:bodyPr>
-          <a:lstStyle/>
-          <a:p>
-            <a:pPr algn="ctr"/>
-            <a:endParaRPr lang="en-US" dirty="0">
-              <a:solidFill>
-                <a:schemeClr val="tx1"/>
-              </a:solidFill>
-            </a:endParaRPr>
-          </a:p>
-        </p:txBody>
-      </p:sp>
-      <p:sp>
-        <p:nvSpPr>
-          <p:cNvPr id="12" name="Oval 11">
-            <a:extLst>
-              <a:ext uri="{FF2B5EF4-FFF2-40B4-BE49-F238E27FC236}">
-                <a16:creationId xmlns:a16="http://schemas.microsoft.com/office/drawing/2014/main" id="{2AE18936-8FC4-4357-B2D0-AEEAFF4D7029}"/>
-              </a:ext>
-              <a:ext uri="{C183D7F6-B498-43B3-948B-1728B52AA6E4}">
-                <adec:decorative xmlns:adec="http://schemas.microsoft.com/office/drawing/2017/decorative" val="1"/>
-              </a:ext>
-            </a:extLst>
-          </p:cNvPr>
-          <p:cNvSpPr>
-            <a:spLocks noGrp="1" noRot="1" noChangeAspect="1" noMove="1" noResize="1" noEditPoints="1" noAdjustHandles="1" noChangeArrowheads="1" noChangeShapeType="1" noTextEdit="1"/>
-          </p:cNvSpPr>
-          <p:nvPr>
-            <p:extLst>
-              <p:ext uri="{386F3935-93C4-4BCD-93E2-E3B085C9AB24}">
-                <p16:designElem xmlns:p16="http://schemas.microsoft.com/office/powerpoint/2015/main" val="1"/>
-              </p:ext>
-            </p:extLst>
-          </p:nvPr>
-        </p:nvSpPr>
-        <p:spPr>
-          <a:xfrm rot="2700000">
-            <a:off x="1968027" y="-45404"/>
-            <a:ext cx="107098" cy="466589"/>
-          </a:xfrm>
-          <a:prstGeom prst="ellipse">
-            <a:avLst/>
-          </a:prstGeom>
-          <a:solidFill>
-            <a:schemeClr val="bg2">
-              <a:lumMod val="90000"/>
-              <a:lumOff val="10000"/>
-            </a:schemeClr>
-          </a:solidFill>
-          <a:ln>
-            <a:noFill/>
-          </a:ln>
-          <a:effectLst>
-            <a:innerShdw blurRad="63500" dist="2540000">
-              <a:schemeClr val="accent1">
-                <a:lumMod val="60000"/>
-                <a:lumOff val="40000"/>
-                <a:alpha val="40000"/>
-              </a:schemeClr>
-            </a:innerShdw>
-          </a:effectLst>
-        </p:spPr>
-        <p:style>
-          <a:lnRef idx="2">
-            <a:schemeClr val="accent1">
-              <a:shade val="50000"/>
-            </a:schemeClr>
-          </a:lnRef>
-          <a:fillRef idx="1">
-            <a:schemeClr val="accent1"/>
-          </a:fillRef>
-          <a:effectRef idx="0">
-            <a:schemeClr val="accent1"/>
-          </a:effectRef>
-          <a:fontRef idx="minor">
-            <a:schemeClr val="lt1"/>
-          </a:fontRef>
-        </p:style>
-        <p:txBody>
-          <a:bodyPr rot="0" spcFirstLastPara="0" vertOverflow="overflow" horzOverflow="overflow" vert="horz" wrap="square" lIns="91440" tIns="45720" rIns="91440" bIns="45720" numCol="1" spcCol="0" rtlCol="0" fromWordArt="0" anchor="ctr" anchorCtr="0" forceAA="0" compatLnSpc="1">
-            <a:prstTxWarp prst="textNoShape">
-              <a:avLst/>
-            </a:prstTxWarp>
-            <a:noAutofit/>
-          </a:bodyPr>
-          <a:lstStyle/>
-          <a:p>
-            <a:pPr algn="ctr"/>
-            <a:endParaRPr lang="en-US"/>
-          </a:p>
-        </p:txBody>
-      </p:sp>
-      <p:sp>
-        <p:nvSpPr>
-          <p:cNvPr id="14" name="Oval 13">
-            <a:extLst>
-              <a:ext uri="{FF2B5EF4-FFF2-40B4-BE49-F238E27FC236}">
-                <a16:creationId xmlns:a16="http://schemas.microsoft.com/office/drawing/2014/main" id="{3CF94A42-720D-4B81-8D24-E4A974DE0225}"/>
-              </a:ext>
-              <a:ext uri="{C183D7F6-B498-43B3-948B-1728B52AA6E4}">
-                <adec:decorative xmlns:adec="http://schemas.microsoft.com/office/drawing/2017/decorative" val="1"/>
-              </a:ext>
-            </a:extLst>
-          </p:cNvPr>
-          <p:cNvSpPr>
-            <a:spLocks noGrp="1" noRot="1" noChangeAspect="1" noMove="1" noResize="1" noEditPoints="1" noAdjustHandles="1" noChangeArrowheads="1" noChangeShapeType="1" noTextEdit="1"/>
-          </p:cNvSpPr>
-          <p:nvPr>
-            <p:extLst>
-              <p:ext uri="{386F3935-93C4-4BCD-93E2-E3B085C9AB24}">
-                <p16:designElem xmlns:p16="http://schemas.microsoft.com/office/powerpoint/2015/main" val="1"/>
-              </p:ext>
-            </p:extLst>
-          </p:nvPr>
-        </p:nvSpPr>
-        <p:spPr>
-          <a:xfrm rot="2700000">
-            <a:off x="987001" y="935623"/>
-            <a:ext cx="107098" cy="466589"/>
-          </a:xfrm>
-          <a:prstGeom prst="ellipse">
-            <a:avLst/>
-          </a:prstGeom>
-          <a:solidFill>
-            <a:schemeClr val="bg2">
-              <a:lumMod val="90000"/>
-              <a:lumOff val="10000"/>
-            </a:schemeClr>
-          </a:solidFill>
-          <a:ln>
-            <a:noFill/>
-          </a:ln>
-          <a:effectLst>
-            <a:innerShdw blurRad="63500" dist="2540000">
-              <a:schemeClr val="accent1">
-                <a:lumMod val="60000"/>
-                <a:lumOff val="40000"/>
-                <a:alpha val="40000"/>
-              </a:schemeClr>
-            </a:innerShdw>
-          </a:effectLst>
-        </p:spPr>
-        <p:style>
-          <a:lnRef idx="2">
-            <a:schemeClr val="accent1">
-              <a:shade val="50000"/>
-            </a:schemeClr>
-          </a:lnRef>
-          <a:fillRef idx="1">
-            <a:schemeClr val="accent1"/>
-          </a:fillRef>
-          <a:effectRef idx="0">
-            <a:schemeClr val="accent1"/>
-          </a:effectRef>
-          <a:fontRef idx="minor">
-            <a:schemeClr val="lt1"/>
-          </a:fontRef>
-        </p:style>
-        <p:txBody>
-          <a:bodyPr rot="0" spcFirstLastPara="0" vertOverflow="overflow" horzOverflow="overflow" vert="horz" wrap="square" lIns="91440" tIns="45720" rIns="91440" bIns="45720" numCol="1" spcCol="0" rtlCol="0" fromWordArt="0" anchor="ctr" anchorCtr="0" forceAA="0" compatLnSpc="1">
-            <a:prstTxWarp prst="textNoShape">
-              <a:avLst/>
-            </a:prstTxWarp>
-            <a:noAutofit/>
-          </a:bodyPr>
-          <a:lstStyle/>
-          <a:p>
-            <a:pPr algn="ctr"/>
-            <a:endParaRPr lang="en-US"/>
-          </a:p>
-        </p:txBody>
-      </p:sp>
-      <p:sp>
-        <p:nvSpPr>
-          <p:cNvPr id="16" name="Freeform: Shape 15">
-            <a:extLst>
-              <a:ext uri="{FF2B5EF4-FFF2-40B4-BE49-F238E27FC236}">
-                <a16:creationId xmlns:a16="http://schemas.microsoft.com/office/drawing/2014/main" id="{E15EB72A-E1B0-4CE0-BB0D-BEFCDF8EFFB0}"/>
-              </a:ext>
-              <a:ext uri="{C183D7F6-B498-43B3-948B-1728B52AA6E4}">
-                <adec:decorative xmlns:adec="http://schemas.microsoft.com/office/drawing/2017/decorative" val="1"/>
-              </a:ext>
-            </a:extLst>
-          </p:cNvPr>
-          <p:cNvSpPr>
-            <a:spLocks noGrp="1" noRot="1" noChangeAspect="1" noMove="1" noResize="1" noEditPoints="1" noAdjustHandles="1" noChangeArrowheads="1" noChangeShapeType="1" noTextEdit="1"/>
-          </p:cNvSpPr>
-          <p:nvPr>
-            <p:extLst>
-              <p:ext uri="{386F3935-93C4-4BCD-93E2-E3B085C9AB24}">
-                <p16:designElem xmlns:p16="http://schemas.microsoft.com/office/powerpoint/2015/main" val="1"/>
-              </p:ext>
-            </p:extLst>
-          </p:nvPr>
-        </p:nvSpPr>
-        <p:spPr>
-          <a:xfrm rot="18900000">
-            <a:off x="315857" y="-131277"/>
-            <a:ext cx="1853969" cy="1042921"/>
-          </a:xfrm>
-          <a:custGeom>
-            <a:avLst/>
-            <a:gdLst>
-              <a:gd name="connsiteX0" fmla="*/ 959154 w 1853969"/>
-              <a:gd name="connsiteY0" fmla="*/ 1828 h 1042921"/>
-              <a:gd name="connsiteX1" fmla="*/ 1842210 w 1853969"/>
-              <a:gd name="connsiteY1" fmla="*/ 884883 h 1042921"/>
-              <a:gd name="connsiteX2" fmla="*/ 1849183 w 1853969"/>
-              <a:gd name="connsiteY2" fmla="*/ 936288 h 1042921"/>
-              <a:gd name="connsiteX3" fmla="*/ 1853969 w 1853969"/>
-              <a:gd name="connsiteY3" fmla="*/ 1042921 h 1042921"/>
-              <a:gd name="connsiteX4" fmla="*/ 1390476 w 1853969"/>
-              <a:gd name="connsiteY4" fmla="*/ 1042921 h 1042921"/>
-              <a:gd name="connsiteX5" fmla="*/ 926984 w 1853969"/>
-              <a:gd name="connsiteY5" fmla="*/ 521461 h 1042921"/>
-              <a:gd name="connsiteX6" fmla="*/ 463493 w 1853969"/>
-              <a:gd name="connsiteY6" fmla="*/ 1042921 h 1042921"/>
-              <a:gd name="connsiteX7" fmla="*/ 0 w 1853969"/>
-              <a:gd name="connsiteY7" fmla="*/ 1042921 h 1042921"/>
-              <a:gd name="connsiteX8" fmla="*/ 926985 w 1853969"/>
-              <a:gd name="connsiteY8" fmla="*/ 0 h 1042921"/>
-            </a:gdLst>
-            <a:ahLst/>
-            <a:cxnLst>
-              <a:cxn ang="0">
-                <a:pos x="connsiteX0" y="connsiteY0"/>
-              </a:cxn>
-              <a:cxn ang="0">
-                <a:pos x="connsiteX1" y="connsiteY1"/>
-              </a:cxn>
-              <a:cxn ang="0">
-                <a:pos x="connsiteX2" y="connsiteY2"/>
-              </a:cxn>
-              <a:cxn ang="0">
-                <a:pos x="connsiteX3" y="connsiteY3"/>
-              </a:cxn>
-              <a:cxn ang="0">
-                <a:pos x="connsiteX4" y="connsiteY4"/>
-              </a:cxn>
-              <a:cxn ang="0">
-                <a:pos x="connsiteX5" y="connsiteY5"/>
-              </a:cxn>
-              <a:cxn ang="0">
-                <a:pos x="connsiteX6" y="connsiteY6"/>
-              </a:cxn>
-              <a:cxn ang="0">
-                <a:pos x="connsiteX7" y="connsiteY7"/>
-              </a:cxn>
-              <a:cxn ang="0">
-                <a:pos x="connsiteX8" y="connsiteY8"/>
-              </a:cxn>
-            </a:cxnLst>
-            <a:rect l="l" t="t" r="r" b="b"/>
-            <a:pathLst>
-              <a:path w="1853969" h="1042921">
-                <a:moveTo>
-                  <a:pt x="959154" y="1828"/>
-                </a:moveTo>
-                <a:lnTo>
-                  <a:pt x="1842210" y="884883"/>
-                </a:lnTo>
-                <a:lnTo>
-                  <a:pt x="1849183" y="936288"/>
-                </a:lnTo>
-                <a:cubicBezTo>
-                  <a:pt x="1852348" y="971348"/>
-                  <a:pt x="1853969" y="1006922"/>
-                  <a:pt x="1853969" y="1042921"/>
-                </a:cubicBezTo>
-                <a:lnTo>
-                  <a:pt x="1390476" y="1042921"/>
-                </a:lnTo>
-                <a:cubicBezTo>
-                  <a:pt x="1390476" y="754927"/>
-                  <a:pt x="1182964" y="521461"/>
-                  <a:pt x="926984" y="521461"/>
-                </a:cubicBezTo>
-                <a:cubicBezTo>
-                  <a:pt x="671005" y="521461"/>
-                  <a:pt x="463493" y="754927"/>
-                  <a:pt x="463493" y="1042921"/>
-                </a:cubicBezTo>
-                <a:lnTo>
-                  <a:pt x="0" y="1042921"/>
-                </a:lnTo>
-                <a:cubicBezTo>
-                  <a:pt x="0" y="466932"/>
-                  <a:pt x="415025" y="0"/>
-                  <a:pt x="926985" y="0"/>
-                </a:cubicBezTo>
-                <a:close/>
-              </a:path>
-            </a:pathLst>
-          </a:custGeom>
-          <a:solidFill>
-            <a:schemeClr val="bg2">
-              <a:lumMod val="50000"/>
-              <a:lumOff val="50000"/>
-              <a:alpha val="20000"/>
-            </a:schemeClr>
-          </a:solidFill>
-          <a:ln>
-            <a:noFill/>
-          </a:ln>
-          <a:effectLst>
-            <a:softEdge rad="190500"/>
-          </a:effectLst>
-        </p:spPr>
-        <p:style>
-          <a:lnRef idx="2">
-            <a:schemeClr val="accent1">
-              <a:shade val="50000"/>
-            </a:schemeClr>
-          </a:lnRef>
-          <a:fillRef idx="1">
-            <a:schemeClr val="accent1"/>
-          </a:fillRef>
-          <a:effectRef idx="0">
-            <a:schemeClr val="accent1"/>
-          </a:effectRef>
-          <a:fontRef idx="minor">
-            <a:schemeClr val="lt1"/>
-          </a:fontRef>
-        </p:style>
-        <p:txBody>
-          <a:bodyPr wrap="square" rtlCol="0" anchor="ctr">
-            <a:noAutofit/>
-          </a:bodyPr>
-          <a:lstStyle/>
-          <a:p>
-            <a:pPr algn="ctr"/>
-            <a:endParaRPr lang="en-US" dirty="0">
-              <a:solidFill>
-                <a:schemeClr val="tx1"/>
-              </a:solidFill>
-            </a:endParaRPr>
-          </a:p>
-        </p:txBody>
-      </p:sp>
-      <p:sp>
-        <p:nvSpPr>
-          <p:cNvPr id="18" name="Oval 17">
-            <a:extLst>
-              <a:ext uri="{FF2B5EF4-FFF2-40B4-BE49-F238E27FC236}">
-                <a16:creationId xmlns:a16="http://schemas.microsoft.com/office/drawing/2014/main" id="{88D9FE19-3EE9-41F7-8054-F2C86DBEB361}"/>
-              </a:ext>
-              <a:ext uri="{C183D7F6-B498-43B3-948B-1728B52AA6E4}">
-                <adec:decorative xmlns:adec="http://schemas.microsoft.com/office/drawing/2017/decorative" val="1"/>
-              </a:ext>
-            </a:extLst>
-          </p:cNvPr>
-          <p:cNvSpPr>
-            <a:spLocks noGrp="1" noRot="1" noChangeAspect="1" noMove="1" noResize="1" noEditPoints="1" noAdjustHandles="1" noChangeArrowheads="1" noChangeShapeType="1" noTextEdit="1"/>
-          </p:cNvSpPr>
-          <p:nvPr>
-            <p:extLst>
-              <p:ext uri="{386F3935-93C4-4BCD-93E2-E3B085C9AB24}">
-                <p16:designElem xmlns:p16="http://schemas.microsoft.com/office/powerpoint/2015/main" val="1"/>
-              </p:ext>
-            </p:extLst>
-          </p:nvPr>
-        </p:nvSpPr>
-        <p:spPr>
-          <a:xfrm>
-            <a:off x="979908" y="4729022"/>
-            <a:ext cx="360000" cy="360000"/>
-          </a:xfrm>
-          <a:prstGeom prst="ellipse">
-            <a:avLst/>
-          </a:prstGeom>
-          <a:gradFill flip="none" rotWithShape="1">
-            <a:gsLst>
-              <a:gs pos="100000">
-                <a:schemeClr val="bg2">
-                  <a:lumMod val="50000"/>
-                  <a:lumOff val="50000"/>
-                </a:schemeClr>
-              </a:gs>
-              <a:gs pos="60000">
-                <a:schemeClr val="bg2"/>
-              </a:gs>
-            </a:gsLst>
-            <a:path path="circle">
-              <a:fillToRect l="100000" b="100000"/>
-            </a:path>
-            <a:tileRect t="-100000" r="-100000"/>
-          </a:gradFill>
-          <a:ln>
-            <a:noFill/>
-          </a:ln>
-          <a:effectLst>
-            <a:innerShdw blurRad="127000" dist="63500" dir="2700000">
-              <a:schemeClr val="accent1">
-                <a:lumMod val="60000"/>
-                <a:lumOff val="40000"/>
-                <a:alpha val="20000"/>
-              </a:schemeClr>
-            </a:innerShdw>
-            <a:softEdge rad="0"/>
-          </a:effectLst>
-        </p:spPr>
-        <p:style>
-          <a:lnRef idx="2">
-            <a:schemeClr val="accent1">
-              <a:shade val="50000"/>
-            </a:schemeClr>
-          </a:lnRef>
-          <a:fillRef idx="1">
-            <a:schemeClr val="accent1"/>
-          </a:fillRef>
-          <a:effectRef idx="0">
-            <a:schemeClr val="accent1"/>
-          </a:effectRef>
-          <a:fontRef idx="minor">
-            <a:schemeClr val="lt1"/>
-          </a:fontRef>
-        </p:style>
-        <p:txBody>
-          <a:bodyPr rot="0" spcFirstLastPara="0" vertOverflow="overflow" horzOverflow="overflow" vert="horz" wrap="square" lIns="91440" tIns="45720" rIns="91440" bIns="45720" numCol="1" spcCol="0" rtlCol="0" fromWordArt="0" anchor="ctr" anchorCtr="0" forceAA="0" compatLnSpc="1">
-            <a:prstTxWarp prst="textNoShape">
-              <a:avLst/>
-            </a:prstTxWarp>
-            <a:noAutofit/>
-          </a:bodyPr>
-          <a:lstStyle/>
-          <a:p>
-            <a:pPr algn="ctr"/>
-            <a:endParaRPr lang="en-US"/>
-          </a:p>
-        </p:txBody>
-      </p:sp>
-      <p:sp>
-        <p:nvSpPr>
-          <p:cNvPr id="3" name="Content Placeholder 2">
-            <a:extLst>
-              <a:ext uri="{FF2B5EF4-FFF2-40B4-BE49-F238E27FC236}">
-                <a16:creationId xmlns:a16="http://schemas.microsoft.com/office/drawing/2014/main" id="{4A2C06D6-4A6A-48A4-BF44-9049E67B0877}"/>
-              </a:ext>
-            </a:extLst>
-          </p:cNvPr>
-          <p:cNvSpPr>
-            <a:spLocks noGrp="1"/>
-          </p:cNvSpPr>
-          <p:nvPr>
-            <p:ph idx="1"/>
-          </p:nvPr>
-        </p:nvSpPr>
-        <p:spPr>
-          <a:xfrm>
-            <a:off x="3377566" y="3052367"/>
-            <a:ext cx="5418772" cy="3040458"/>
-          </a:xfrm>
-        </p:spPr>
-        <p:txBody>
-          <a:bodyPr anchor="t">
-            <a:normAutofit/>
-          </a:bodyPr>
-          <a:lstStyle/>
-          <a:p>
-            <a:r>
-              <a:rPr lang="en-US" sz="1600" dirty="0"/>
-              <a:t>Scikit-Learn</a:t>
-            </a:r>
-          </a:p>
-          <a:p>
-            <a:pPr lvl="1"/>
-            <a:r>
-              <a:rPr lang="en-US" sz="1600" dirty="0"/>
-              <a:t>Used with linear models</a:t>
-            </a:r>
-          </a:p>
-          <a:p>
-            <a:pPr lvl="1"/>
-            <a:r>
-              <a:rPr lang="en-US" sz="1600" dirty="0"/>
-              <a:t>Know </a:t>
-            </a:r>
-            <a:r>
-              <a:rPr lang="en-US" sz="1600" dirty="0" err="1"/>
-              <a:t>train_test_split</a:t>
-            </a:r>
-            <a:endParaRPr lang="en-US" sz="1600" dirty="0"/>
-          </a:p>
-        </p:txBody>
-      </p:sp>
-      <p:grpSp>
-        <p:nvGrpSpPr>
-          <p:cNvPr id="20" name="Group 19">
-            <a:extLst>
-              <a:ext uri="{FF2B5EF4-FFF2-40B4-BE49-F238E27FC236}">
-                <a16:creationId xmlns:a16="http://schemas.microsoft.com/office/drawing/2014/main" id="{1D7EF0A0-9237-4001-884B-9E0F5ECE4944}"/>
-              </a:ext>
-              <a:ext uri="{C183D7F6-B498-43B3-948B-1728B52AA6E4}">
-                <adec:decorative xmlns:adec="http://schemas.microsoft.com/office/drawing/2017/decorative" val="1"/>
-              </a:ext>
-            </a:extLst>
-          </p:cNvPr>
-          <p:cNvGrpSpPr>
-            <a:grpSpLocks noGrp="1" noUngrp="1" noRot="1" noChangeAspect="1" noMove="1" noResize="1"/>
-          </p:cNvGrpSpPr>
-          <p:nvPr>
-            <p:extLst>
-              <p:ext uri="{386F3935-93C4-4BCD-93E2-E3B085C9AB24}">
-                <p16:designElem xmlns:p16="http://schemas.microsoft.com/office/powerpoint/2015/main" val="1"/>
-              </p:ext>
-            </p:extLst>
-          </p:nvPr>
-        </p:nvGrpSpPr>
-        <p:grpSpPr>
-          <a:xfrm>
-            <a:off x="8962595" y="3429000"/>
-            <a:ext cx="2679292" cy="2525894"/>
-            <a:chOff x="9469123" y="4029759"/>
-            <a:chExt cx="2679292" cy="2525894"/>
-          </a:xfrm>
-        </p:grpSpPr>
-        <p:sp>
-          <p:nvSpPr>
-            <p:cNvPr id="21" name="Freeform: Shape 20">
-              <a:extLst>
-                <a:ext uri="{FF2B5EF4-FFF2-40B4-BE49-F238E27FC236}">
-                  <a16:creationId xmlns:a16="http://schemas.microsoft.com/office/drawing/2014/main" id="{149490B2-2AF9-4660-9B40-248A345D9532}"/>
-                </a:ext>
-                <a:ext uri="{C183D7F6-B498-43B3-948B-1728B52AA6E4}">
-                  <adec:decorative xmlns:adec="http://schemas.microsoft.com/office/drawing/2017/decorative" val="1"/>
-                </a:ext>
-              </a:extLst>
-            </p:cNvPr>
-            <p:cNvSpPr>
-              <a:spLocks noChangeAspect="1"/>
-            </p:cNvSpPr>
-            <p:nvPr>
-              <p:extLst>
-                <p:ext uri="{386F3935-93C4-4BCD-93E2-E3B085C9AB24}">
-                  <p16:designElem xmlns:p16="http://schemas.microsoft.com/office/powerpoint/2015/main" val="1"/>
-                </p:ext>
-              </p:extLst>
-            </p:nvPr>
-          </p:nvSpPr>
-          <p:spPr>
-            <a:xfrm rot="8100000">
-              <a:off x="9988415" y="4029759"/>
-              <a:ext cx="2160000" cy="2525894"/>
-            </a:xfrm>
-            <a:custGeom>
-              <a:avLst/>
-              <a:gdLst>
-                <a:gd name="connsiteX0" fmla="*/ 540000 w 1080000"/>
-                <a:gd name="connsiteY0" fmla="*/ 0 h 1262947"/>
-                <a:gd name="connsiteX1" fmla="*/ 1080000 w 1080000"/>
-                <a:gd name="connsiteY1" fmla="*/ 931034 h 1262947"/>
-                <a:gd name="connsiteX2" fmla="*/ 1064374 w 1080000"/>
-                <a:gd name="connsiteY2" fmla="*/ 931034 h 1262947"/>
-                <a:gd name="connsiteX3" fmla="*/ 1069029 w 1080000"/>
-                <a:gd name="connsiteY3" fmla="*/ 938533 h 1262947"/>
-                <a:gd name="connsiteX4" fmla="*/ 1080000 w 1080000"/>
-                <a:gd name="connsiteY4" fmla="*/ 992947 h 1262947"/>
-                <a:gd name="connsiteX5" fmla="*/ 540000 w 1080000"/>
-                <a:gd name="connsiteY5" fmla="*/ 1262947 h 1262947"/>
-                <a:gd name="connsiteX6" fmla="*/ 0 w 1080000"/>
-                <a:gd name="connsiteY6" fmla="*/ 992947 h 1262947"/>
-                <a:gd name="connsiteX7" fmla="*/ 10971 w 1080000"/>
-                <a:gd name="connsiteY7" fmla="*/ 938533 h 1262947"/>
-                <a:gd name="connsiteX8" fmla="*/ 15626 w 1080000"/>
-                <a:gd name="connsiteY8" fmla="*/ 931034 h 1262947"/>
-                <a:gd name="connsiteX9" fmla="*/ 0 w 1080000"/>
-                <a:gd name="connsiteY9" fmla="*/ 931034 h 1262947"/>
-                <a:gd name="connsiteX0" fmla="*/ 540000 w 1080000"/>
-                <a:gd name="connsiteY0" fmla="*/ 0 h 1262947"/>
-                <a:gd name="connsiteX1" fmla="*/ 1080000 w 1080000"/>
-                <a:gd name="connsiteY1" fmla="*/ 931034 h 1262947"/>
-                <a:gd name="connsiteX2" fmla="*/ 1064374 w 1080000"/>
-                <a:gd name="connsiteY2" fmla="*/ 931034 h 1262947"/>
-                <a:gd name="connsiteX3" fmla="*/ 1069029 w 1080000"/>
-                <a:gd name="connsiteY3" fmla="*/ 938533 h 1262947"/>
-                <a:gd name="connsiteX4" fmla="*/ 1080000 w 1080000"/>
-                <a:gd name="connsiteY4" fmla="*/ 992947 h 1262947"/>
-                <a:gd name="connsiteX5" fmla="*/ 540000 w 1080000"/>
-                <a:gd name="connsiteY5" fmla="*/ 1262947 h 1262947"/>
-                <a:gd name="connsiteX6" fmla="*/ 0 w 1080000"/>
-                <a:gd name="connsiteY6" fmla="*/ 992947 h 1262947"/>
-                <a:gd name="connsiteX7" fmla="*/ 10971 w 1080000"/>
-                <a:gd name="connsiteY7" fmla="*/ 938533 h 1262947"/>
-                <a:gd name="connsiteX8" fmla="*/ 15626 w 1080000"/>
-                <a:gd name="connsiteY8" fmla="*/ 931034 h 1262947"/>
-                <a:gd name="connsiteX9" fmla="*/ 540000 w 1080000"/>
-                <a:gd name="connsiteY9" fmla="*/ 0 h 1262947"/>
-                <a:gd name="connsiteX0" fmla="*/ 540000 w 1080000"/>
-                <a:gd name="connsiteY0" fmla="*/ 0 h 1262947"/>
-                <a:gd name="connsiteX1" fmla="*/ 1064374 w 1080000"/>
-                <a:gd name="connsiteY1" fmla="*/ 931034 h 1262947"/>
-                <a:gd name="connsiteX2" fmla="*/ 1069029 w 1080000"/>
-                <a:gd name="connsiteY2" fmla="*/ 938533 h 1262947"/>
-                <a:gd name="connsiteX3" fmla="*/ 1080000 w 1080000"/>
-                <a:gd name="connsiteY3" fmla="*/ 992947 h 1262947"/>
-                <a:gd name="connsiteX4" fmla="*/ 540000 w 1080000"/>
-                <a:gd name="connsiteY4" fmla="*/ 1262947 h 1262947"/>
-                <a:gd name="connsiteX5" fmla="*/ 0 w 1080000"/>
-                <a:gd name="connsiteY5" fmla="*/ 992947 h 1262947"/>
-                <a:gd name="connsiteX6" fmla="*/ 10971 w 1080000"/>
-                <a:gd name="connsiteY6" fmla="*/ 938533 h 1262947"/>
-                <a:gd name="connsiteX7" fmla="*/ 15626 w 1080000"/>
-                <a:gd name="connsiteY7" fmla="*/ 931034 h 1262947"/>
-                <a:gd name="connsiteX8" fmla="*/ 540000 w 1080000"/>
-                <a:gd name="connsiteY8" fmla="*/ 0 h 1262947"/>
-              </a:gdLst>
-              <a:ahLst/>
-              <a:cxnLst>
-                <a:cxn ang="0">
-                  <a:pos x="connsiteX0" y="connsiteY0"/>
-                </a:cxn>
-                <a:cxn ang="0">
-                  <a:pos x="connsiteX1" y="connsiteY1"/>
-                </a:cxn>
-                <a:cxn ang="0">
-                  <a:pos x="connsiteX2" y="connsiteY2"/>
-                </a:cxn>
-                <a:cxn ang="0">
-                  <a:pos x="connsiteX3" y="connsiteY3"/>
-                </a:cxn>
-                <a:cxn ang="0">
-                  <a:pos x="connsiteX4" y="connsiteY4"/>
-                </a:cxn>
-                <a:cxn ang="0">
-                  <a:pos x="connsiteX5" y="connsiteY5"/>
-                </a:cxn>
-                <a:cxn ang="0">
-                  <a:pos x="connsiteX6" y="connsiteY6"/>
-                </a:cxn>
-                <a:cxn ang="0">
-                  <a:pos x="connsiteX7" y="connsiteY7"/>
-                </a:cxn>
-                <a:cxn ang="0">
-                  <a:pos x="connsiteX8" y="connsiteY8"/>
-                </a:cxn>
-              </a:cxnLst>
-              <a:rect l="l" t="t" r="r" b="b"/>
-              <a:pathLst>
-                <a:path w="1080000" h="1262947">
-                  <a:moveTo>
-                    <a:pt x="540000" y="0"/>
-                  </a:moveTo>
-                  <a:lnTo>
-                    <a:pt x="1064374" y="931034"/>
-                  </a:lnTo>
-                  <a:lnTo>
-                    <a:pt x="1069029" y="938533"/>
-                  </a:lnTo>
-                  <a:cubicBezTo>
-                    <a:pt x="1076223" y="956109"/>
-                    <a:pt x="1080000" y="974307"/>
-                    <a:pt x="1080000" y="992947"/>
-                  </a:cubicBezTo>
-                  <a:cubicBezTo>
-                    <a:pt x="1080000" y="1142064"/>
-                    <a:pt x="838234" y="1262947"/>
-                    <a:pt x="540000" y="1262947"/>
-                  </a:cubicBezTo>
-                  <a:cubicBezTo>
-                    <a:pt x="241766" y="1262947"/>
-                    <a:pt x="0" y="1142064"/>
-                    <a:pt x="0" y="992947"/>
-                  </a:cubicBezTo>
-                  <a:cubicBezTo>
-                    <a:pt x="0" y="974307"/>
-                    <a:pt x="3778" y="956109"/>
-                    <a:pt x="10971" y="938533"/>
-                  </a:cubicBezTo>
-                  <a:lnTo>
-                    <a:pt x="15626" y="931034"/>
-                  </a:lnTo>
-                  <a:lnTo>
-                    <a:pt x="540000" y="0"/>
-                  </a:lnTo>
-                  <a:close/>
-                </a:path>
-              </a:pathLst>
-            </a:custGeom>
-            <a:gradFill>
-              <a:gsLst>
-                <a:gs pos="60000">
-                  <a:schemeClr val="bg2">
-                    <a:lumMod val="90000"/>
-                    <a:lumOff val="10000"/>
-                  </a:schemeClr>
-                </a:gs>
-                <a:gs pos="30000">
-                  <a:schemeClr val="bg2">
-                    <a:lumMod val="90000"/>
-                    <a:lumOff val="10000"/>
-                  </a:schemeClr>
-                </a:gs>
-                <a:gs pos="40000">
-                  <a:schemeClr val="bg2">
-                    <a:lumMod val="80000"/>
-                    <a:lumOff val="20000"/>
-                  </a:schemeClr>
-                </a:gs>
-                <a:gs pos="100000">
-                  <a:schemeClr val="bg2"/>
-                </a:gs>
-              </a:gsLst>
-              <a:lin ang="600000" scaled="0"/>
-            </a:gradFill>
-            <a:ln>
-              <a:noFill/>
-            </a:ln>
-            <a:effectLst>
-              <a:innerShdw blurRad="508000" dist="203200" dir="7320000">
-                <a:schemeClr val="accent1">
-                  <a:lumMod val="60000"/>
-                  <a:lumOff val="40000"/>
-                </a:schemeClr>
-              </a:innerShdw>
-            </a:effectLst>
-          </p:spPr>
-          <p:style>
-            <a:lnRef idx="2">
-              <a:schemeClr val="accent1">
-                <a:shade val="50000"/>
-              </a:schemeClr>
-            </a:lnRef>
-            <a:fillRef idx="1">
-              <a:schemeClr val="accent1"/>
-            </a:fillRef>
-            <a:effectRef idx="0">
-              <a:schemeClr val="accent1"/>
-            </a:effectRef>
-            <a:fontRef idx="minor">
-              <a:schemeClr val="lt1"/>
-            </a:fontRef>
-          </p:style>
-          <p:txBody>
-            <a:bodyPr rot="0" spcFirstLastPara="0" vertOverflow="overflow" horzOverflow="overflow" vert="horz" wrap="square" lIns="91440" tIns="45720" rIns="91440" bIns="45720" numCol="1" spcCol="0" rtlCol="0" fromWordArt="0" anchor="ctr" anchorCtr="0" forceAA="0" compatLnSpc="1">
-              <a:prstTxWarp prst="textNoShape">
-                <a:avLst/>
-              </a:prstTxWarp>
-              <a:noAutofit/>
-            </a:bodyPr>
-            <a:lstStyle/>
-            <a:p>
-              <a:pPr algn="ctr"/>
-              <a:endParaRPr lang="en-US"/>
-            </a:p>
-          </p:txBody>
-        </p:sp>
-        <p:sp>
-          <p:nvSpPr>
-            <p:cNvPr id="22" name="Oval 21">
-              <a:extLst>
-                <a:ext uri="{FF2B5EF4-FFF2-40B4-BE49-F238E27FC236}">
-                  <a16:creationId xmlns:a16="http://schemas.microsoft.com/office/drawing/2014/main" id="{0364A160-6ADA-4260-92B9-9BD8B6681296}"/>
-                </a:ext>
-                <a:ext uri="{C183D7F6-B498-43B3-948B-1728B52AA6E4}">
-                  <adec:decorative xmlns:adec="http://schemas.microsoft.com/office/drawing/2017/decorative" val="1"/>
-                </a:ext>
-              </a:extLst>
-            </p:cNvPr>
-            <p:cNvSpPr/>
-            <p:nvPr>
-              <p:extLst>
-                <p:ext uri="{386F3935-93C4-4BCD-93E2-E3B085C9AB24}">
-                  <p16:designElem xmlns:p16="http://schemas.microsoft.com/office/powerpoint/2015/main" val="1"/>
-                </p:ext>
-              </p:extLst>
-            </p:nvPr>
-          </p:nvSpPr>
-          <p:spPr>
-            <a:xfrm rot="13500000">
-              <a:off x="10009123" y="3693413"/>
-              <a:ext cx="1080000" cy="2160000"/>
-            </a:xfrm>
-            <a:prstGeom prst="ellipse">
-              <a:avLst/>
-            </a:prstGeom>
-            <a:solidFill>
-              <a:schemeClr val="bg2">
-                <a:lumMod val="90000"/>
-                <a:lumOff val="10000"/>
-              </a:schemeClr>
-            </a:solidFill>
-            <a:ln>
-              <a:noFill/>
-            </a:ln>
-            <a:effectLst>
-              <a:innerShdw blurRad="1270000" dist="2540000">
-                <a:schemeClr val="accent1">
-                  <a:lumMod val="60000"/>
-                  <a:lumOff val="40000"/>
-                  <a:alpha val="0"/>
-                </a:schemeClr>
-              </a:innerShdw>
-            </a:effectLst>
-          </p:spPr>
-          <p:style>
-            <a:lnRef idx="2">
-              <a:schemeClr val="accent1">
-                <a:shade val="50000"/>
-              </a:schemeClr>
-            </a:lnRef>
-            <a:fillRef idx="1">
-              <a:schemeClr val="accent1"/>
-            </a:fillRef>
-            <a:effectRef idx="0">
-              <a:schemeClr val="accent1"/>
-            </a:effectRef>
-            <a:fontRef idx="minor">
-              <a:schemeClr val="lt1"/>
-            </a:fontRef>
-          </p:style>
-          <p:txBody>
-            <a:bodyPr rot="0" spcFirstLastPara="0" vertOverflow="overflow" horzOverflow="overflow" vert="horz" wrap="square" lIns="91440" tIns="45720" rIns="91440" bIns="45720" numCol="1" spcCol="0" rtlCol="0" fromWordArt="0" anchor="ctr" anchorCtr="0" forceAA="0" compatLnSpc="1">
-              <a:prstTxWarp prst="textNoShape">
-                <a:avLst/>
-              </a:prstTxWarp>
-              <a:noAutofit/>
-            </a:bodyPr>
-            <a:lstStyle/>
-            <a:p>
-              <a:pPr algn="ctr"/>
-              <a:endParaRPr lang="en-US"/>
-            </a:p>
-          </p:txBody>
-        </p:sp>
-      </p:grpSp>
+        </p:nvGraphicFramePr>
+        <p:xfrm>
+          <a:off x="5267325" y="549275"/>
+          <a:ext cx="6373814" cy="5759450"/>
+        </p:xfrm>
+        <a:graphic>
+          <a:graphicData uri="http://schemas.openxmlformats.org/drawingml/2006/diagram">
+            <dgm:relIds xmlns:dgm="http://schemas.openxmlformats.org/drawingml/2006/diagram" xmlns:r="http://schemas.openxmlformats.org/officeDocument/2006/relationships" r:dm="rId2" r:lo="rId3" r:qs="rId4" r:cs="rId5"/>
+          </a:graphicData>
+        </a:graphic>
+      </p:graphicFrame>
     </p:spTree>
     <p:extLst>
       <p:ext uri="{BB962C8B-B14F-4D97-AF65-F5344CB8AC3E}">
         <p14:creationId xmlns:p14="http://schemas.microsoft.com/office/powerpoint/2010/main" val="2740775337"/>
-      </p:ext>
-    </p:extLst>
-  </p:cSld>
-  <p:clrMapOvr>
-    <a:masterClrMapping/>
-  </p:clrMapOvr>
-</p:sld>
-</file>
-
-<file path=ppt/slides/slide5.xml><?xml version="1.0" encoding="utf-8"?>
-<p:sld xmlns:a="http://schemas.openxmlformats.org/drawingml/2006/main" xmlns:r="http://schemas.openxmlformats.org/officeDocument/2006/relationships" xmlns:p="http://schemas.openxmlformats.org/presentationml/2006/main">
-  <p:cSld>
-    <p:spTree>
-      <p:nvGrpSpPr>
-        <p:cNvPr id="1" name=""/>
-        <p:cNvGrpSpPr/>
-        <p:nvPr/>
-      </p:nvGrpSpPr>
-      <p:grpSpPr>
-        <a:xfrm>
-          <a:off x="0" y="0"/>
-          <a:ext cx="0" cy="0"/>
-          <a:chOff x="0" y="0"/>
-          <a:chExt cx="0" cy="0"/>
-        </a:xfrm>
-      </p:grpSpPr>
-      <p:sp>
-        <p:nvSpPr>
-          <p:cNvPr id="2" name="Title 1">
-            <a:extLst>
-              <a:ext uri="{FF2B5EF4-FFF2-40B4-BE49-F238E27FC236}">
-                <a16:creationId xmlns:a16="http://schemas.microsoft.com/office/drawing/2014/main" id="{9D4B72D4-EDC5-427B-BE56-B204739391FC}"/>
-              </a:ext>
-            </a:extLst>
-          </p:cNvPr>
-          <p:cNvSpPr>
-            <a:spLocks noGrp="1"/>
-          </p:cNvSpPr>
-          <p:nvPr>
-            <p:ph type="title"/>
-          </p:nvPr>
-        </p:nvSpPr>
-        <p:spPr/>
-        <p:txBody>
-          <a:bodyPr/>
-          <a:lstStyle/>
-          <a:p>
-            <a:r>
-              <a:rPr lang="en-US" dirty="0"/>
-              <a:t>Objectives – Decision Trees</a:t>
-            </a:r>
-          </a:p>
-        </p:txBody>
-      </p:sp>
-      <p:sp>
-        <p:nvSpPr>
-          <p:cNvPr id="3" name="Content Placeholder 2">
-            <a:extLst>
-              <a:ext uri="{FF2B5EF4-FFF2-40B4-BE49-F238E27FC236}">
-                <a16:creationId xmlns:a16="http://schemas.microsoft.com/office/drawing/2014/main" id="{0E16DDFB-F7E9-492E-A683-D141A392C310}"/>
-              </a:ext>
-            </a:extLst>
-          </p:cNvPr>
-          <p:cNvSpPr>
-            <a:spLocks noGrp="1"/>
-          </p:cNvSpPr>
-          <p:nvPr>
-            <p:ph idx="1"/>
-          </p:nvPr>
-        </p:nvSpPr>
-        <p:spPr/>
-        <p:txBody>
-          <a:bodyPr>
-            <a:normAutofit fontScale="77500" lnSpcReduction="20000"/>
-          </a:bodyPr>
-          <a:lstStyle/>
-          <a:p>
-            <a:r>
-              <a:rPr lang="en-US" dirty="0"/>
-              <a:t>Explain what are Decision Trees/How They Work</a:t>
-            </a:r>
-          </a:p>
-          <a:p>
-            <a:pPr lvl="1"/>
-            <a:r>
-              <a:rPr lang="en-US" dirty="0"/>
-              <a:t>Written</a:t>
-            </a:r>
-          </a:p>
-          <a:p>
-            <a:pPr lvl="1"/>
-            <a:r>
-              <a:rPr lang="en-US" dirty="0"/>
-              <a:t>Verbal</a:t>
-            </a:r>
-          </a:p>
-          <a:p>
-            <a:r>
-              <a:rPr lang="en-US" dirty="0"/>
-              <a:t>Build a Decision Tree</a:t>
-            </a:r>
-          </a:p>
-          <a:p>
-            <a:pPr lvl="1"/>
-            <a:r>
-              <a:rPr lang="en-US" dirty="0"/>
-              <a:t>Follow along with me</a:t>
-            </a:r>
-          </a:p>
-          <a:p>
-            <a:pPr lvl="2"/>
-            <a:r>
-              <a:rPr lang="en-US" dirty="0"/>
-              <a:t>Classification</a:t>
-            </a:r>
-          </a:p>
-          <a:p>
-            <a:pPr lvl="2"/>
-            <a:r>
-              <a:rPr lang="en-US" dirty="0"/>
-              <a:t>Regression</a:t>
-            </a:r>
-          </a:p>
-          <a:p>
-            <a:r>
-              <a:rPr lang="en-US" dirty="0"/>
-              <a:t>Exercise / Application</a:t>
-            </a:r>
-          </a:p>
-          <a:p>
-            <a:pPr lvl="1"/>
-            <a:r>
-              <a:rPr lang="en-US" dirty="0"/>
-              <a:t>Build a decision tree</a:t>
-            </a:r>
-          </a:p>
-          <a:p>
-            <a:pPr lvl="2"/>
-            <a:r>
-              <a:rPr lang="en-US" dirty="0"/>
-              <a:t>One for Classification</a:t>
-            </a:r>
-          </a:p>
-          <a:p>
-            <a:pPr lvl="2"/>
-            <a:r>
-              <a:rPr lang="en-US" dirty="0"/>
-              <a:t>One for Regression</a:t>
-            </a:r>
-          </a:p>
-          <a:p>
-            <a:pPr lvl="1"/>
-            <a:r>
-              <a:rPr lang="en-US" dirty="0"/>
-              <a:t>Improve upon initial tree by adjusting parameters.</a:t>
-            </a:r>
-          </a:p>
-        </p:txBody>
-      </p:sp>
-    </p:spTree>
-    <p:extLst>
-      <p:ext uri="{BB962C8B-B14F-4D97-AF65-F5344CB8AC3E}">
-        <p14:creationId xmlns:p14="http://schemas.microsoft.com/office/powerpoint/2010/main" val="1535784562"/>
       </p:ext>
     </p:extLst>
   </p:cSld>
@@ -19789,118 +21929,6 @@
 </file>
 
 <file path=ppt/slides/slide7.xml><?xml version="1.0" encoding="utf-8"?>
-<p:sld xmlns:a="http://schemas.openxmlformats.org/drawingml/2006/main" xmlns:r="http://schemas.openxmlformats.org/officeDocument/2006/relationships" xmlns:p="http://schemas.openxmlformats.org/presentationml/2006/main">
-  <p:cSld>
-    <p:spTree>
-      <p:nvGrpSpPr>
-        <p:cNvPr id="1" name=""/>
-        <p:cNvGrpSpPr/>
-        <p:nvPr/>
-      </p:nvGrpSpPr>
-      <p:grpSpPr>
-        <a:xfrm>
-          <a:off x="0" y="0"/>
-          <a:ext cx="0" cy="0"/>
-          <a:chOff x="0" y="0"/>
-          <a:chExt cx="0" cy="0"/>
-        </a:xfrm>
-      </p:grpSpPr>
-      <p:sp>
-        <p:nvSpPr>
-          <p:cNvPr id="2" name="Title 1">
-            <a:extLst>
-              <a:ext uri="{FF2B5EF4-FFF2-40B4-BE49-F238E27FC236}">
-                <a16:creationId xmlns:a16="http://schemas.microsoft.com/office/drawing/2014/main" id="{EB93436D-161C-40EA-AEAC-1529E19871B8}"/>
-              </a:ext>
-            </a:extLst>
-          </p:cNvPr>
-          <p:cNvSpPr>
-            <a:spLocks noGrp="1"/>
-          </p:cNvSpPr>
-          <p:nvPr>
-            <p:ph type="title"/>
-          </p:nvPr>
-        </p:nvSpPr>
-        <p:spPr/>
-        <p:txBody>
-          <a:bodyPr/>
-          <a:lstStyle/>
-          <a:p>
-            <a:r>
-              <a:rPr lang="en-US" dirty="0"/>
-              <a:t>Decision Trees</a:t>
-            </a:r>
-          </a:p>
-        </p:txBody>
-      </p:sp>
-      <p:sp>
-        <p:nvSpPr>
-          <p:cNvPr id="3" name="Content Placeholder 2">
-            <a:extLst>
-              <a:ext uri="{FF2B5EF4-FFF2-40B4-BE49-F238E27FC236}">
-                <a16:creationId xmlns:a16="http://schemas.microsoft.com/office/drawing/2014/main" id="{A685669A-A7A4-4DC5-84F4-293F4E1F6A18}"/>
-              </a:ext>
-            </a:extLst>
-          </p:cNvPr>
-          <p:cNvSpPr>
-            <a:spLocks noGrp="1"/>
-          </p:cNvSpPr>
-          <p:nvPr>
-            <p:ph idx="1"/>
-          </p:nvPr>
-        </p:nvSpPr>
-        <p:spPr/>
-        <p:txBody>
-          <a:bodyPr/>
-          <a:lstStyle/>
-          <a:p>
-            <a:r>
-              <a:rPr lang="en-US" dirty="0"/>
-              <a:t>Widely used models for Classification and Regression Tasks</a:t>
-            </a:r>
-          </a:p>
-          <a:p>
-            <a:pPr lvl="1"/>
-            <a:r>
-              <a:rPr lang="en-US" dirty="0"/>
-              <a:t>Foundation of Ensemble Models we will see shortly.</a:t>
-            </a:r>
-          </a:p>
-          <a:p>
-            <a:r>
-              <a:rPr lang="en-US" dirty="0"/>
-              <a:t>Essentially, they learn a hierarchy of if/else questions, leading to a decision.</a:t>
-            </a:r>
-          </a:p>
-          <a:p>
-            <a:pPr lvl="1"/>
-            <a:r>
-              <a:rPr lang="en-US" dirty="0"/>
-              <a:t>Like the Game “20 Questions”</a:t>
-            </a:r>
-          </a:p>
-          <a:p>
-            <a:r>
-              <a:rPr lang="en-US" dirty="0"/>
-              <a:t>Goal is to create a model that predicts the value of a target variable by learning simple decision rules inferred from the data features.</a:t>
-            </a:r>
-          </a:p>
-        </p:txBody>
-      </p:sp>
-    </p:spTree>
-    <p:extLst>
-      <p:ext uri="{BB962C8B-B14F-4D97-AF65-F5344CB8AC3E}">
-        <p14:creationId xmlns:p14="http://schemas.microsoft.com/office/powerpoint/2010/main" val="3988223733"/>
-      </p:ext>
-    </p:extLst>
-  </p:cSld>
-  <p:clrMapOvr>
-    <a:masterClrMapping/>
-  </p:clrMapOvr>
-</p:sld>
-</file>
-
-<file path=ppt/slides/slide8.xml><?xml version="1.0" encoding="utf-8"?>
 <p:sld xmlns:a="http://schemas.openxmlformats.org/drawingml/2006/main" xmlns:r="http://schemas.openxmlformats.org/officeDocument/2006/relationships" xmlns:p="http://schemas.openxmlformats.org/presentationml/2006/main">
   <p:cSld>
     <p:bg>
@@ -21007,6 +23035,118 @@
 </p:sld>
 </file>
 
+<file path=ppt/slides/slide8.xml><?xml version="1.0" encoding="utf-8"?>
+<p:sld xmlns:a="http://schemas.openxmlformats.org/drawingml/2006/main" xmlns:r="http://schemas.openxmlformats.org/officeDocument/2006/relationships" xmlns:p="http://schemas.openxmlformats.org/presentationml/2006/main">
+  <p:cSld>
+    <p:spTree>
+      <p:nvGrpSpPr>
+        <p:cNvPr id="1" name=""/>
+        <p:cNvGrpSpPr/>
+        <p:nvPr/>
+      </p:nvGrpSpPr>
+      <p:grpSpPr>
+        <a:xfrm>
+          <a:off x="0" y="0"/>
+          <a:ext cx="0" cy="0"/>
+          <a:chOff x="0" y="0"/>
+          <a:chExt cx="0" cy="0"/>
+        </a:xfrm>
+      </p:grpSpPr>
+      <p:sp>
+        <p:nvSpPr>
+          <p:cNvPr id="2" name="Title 1">
+            <a:extLst>
+              <a:ext uri="{FF2B5EF4-FFF2-40B4-BE49-F238E27FC236}">
+                <a16:creationId xmlns:a16="http://schemas.microsoft.com/office/drawing/2014/main" id="{EB93436D-161C-40EA-AEAC-1529E19871B8}"/>
+              </a:ext>
+            </a:extLst>
+          </p:cNvPr>
+          <p:cNvSpPr>
+            <a:spLocks noGrp="1"/>
+          </p:cNvSpPr>
+          <p:nvPr>
+            <p:ph type="title"/>
+          </p:nvPr>
+        </p:nvSpPr>
+        <p:spPr/>
+        <p:txBody>
+          <a:bodyPr/>
+          <a:lstStyle/>
+          <a:p>
+            <a:r>
+              <a:rPr lang="en-US" dirty="0"/>
+              <a:t>Decision Trees</a:t>
+            </a:r>
+          </a:p>
+        </p:txBody>
+      </p:sp>
+      <p:sp>
+        <p:nvSpPr>
+          <p:cNvPr id="3" name="Content Placeholder 2">
+            <a:extLst>
+              <a:ext uri="{FF2B5EF4-FFF2-40B4-BE49-F238E27FC236}">
+                <a16:creationId xmlns:a16="http://schemas.microsoft.com/office/drawing/2014/main" id="{A685669A-A7A4-4DC5-84F4-293F4E1F6A18}"/>
+              </a:ext>
+            </a:extLst>
+          </p:cNvPr>
+          <p:cNvSpPr>
+            <a:spLocks noGrp="1"/>
+          </p:cNvSpPr>
+          <p:nvPr>
+            <p:ph idx="1"/>
+          </p:nvPr>
+        </p:nvSpPr>
+        <p:spPr/>
+        <p:txBody>
+          <a:bodyPr/>
+          <a:lstStyle/>
+          <a:p>
+            <a:r>
+              <a:rPr lang="en-US" dirty="0"/>
+              <a:t>Widely used models for Classification and Regression Tasks</a:t>
+            </a:r>
+          </a:p>
+          <a:p>
+            <a:pPr lvl="1"/>
+            <a:r>
+              <a:rPr lang="en-US" dirty="0"/>
+              <a:t>Foundation of Ensemble Models we will see shortly.</a:t>
+            </a:r>
+          </a:p>
+          <a:p>
+            <a:r>
+              <a:rPr lang="en-US" dirty="0"/>
+              <a:t>Essentially, they learn a hierarchy of if/else questions, leading to a decision.</a:t>
+            </a:r>
+          </a:p>
+          <a:p>
+            <a:pPr lvl="1"/>
+            <a:r>
+              <a:rPr lang="en-US" dirty="0"/>
+              <a:t>Like the Game “20 Questions”</a:t>
+            </a:r>
+          </a:p>
+          <a:p>
+            <a:r>
+              <a:rPr lang="en-US" dirty="0"/>
+              <a:t>Goal is to create a model that predicts the value of a target variable by learning simple decision rules inferred from the data features.</a:t>
+            </a:r>
+          </a:p>
+        </p:txBody>
+      </p:sp>
+    </p:spTree>
+    <p:extLst>
+      <p:ext uri="{BB962C8B-B14F-4D97-AF65-F5344CB8AC3E}">
+        <p14:creationId xmlns:p14="http://schemas.microsoft.com/office/powerpoint/2010/main" val="3988223733"/>
+      </p:ext>
+    </p:extLst>
+  </p:cSld>
+  <p:clrMapOvr>
+    <a:masterClrMapping/>
+  </p:clrMapOvr>
+</p:sld>
+</file>
+
 <file path=ppt/slides/slide9.xml><?xml version="1.0" encoding="utf-8"?>
 <p:sld xmlns:a="http://schemas.openxmlformats.org/drawingml/2006/main" xmlns:r="http://schemas.openxmlformats.org/officeDocument/2006/relationships" xmlns:p="http://schemas.openxmlformats.org/presentationml/2006/main">
   <p:cSld>
@@ -21950,4 +24090,299 @@
     </a:ext>
   </a:extLst>
 </a:theme>
+</file>
+
+<file path=ppt/theme/theme2.xml><?xml version="1.0" encoding="utf-8"?>
+<a:theme xmlns:a="http://schemas.openxmlformats.org/drawingml/2006/main" name="Office Theme">
+  <a:themeElements>
+    <a:clrScheme name="Office">
+      <a:dk1>
+        <a:sysClr val="windowText" lastClr="000000"/>
+      </a:dk1>
+      <a:lt1>
+        <a:sysClr val="window" lastClr="FFFFFF"/>
+      </a:lt1>
+      <a:dk2>
+        <a:srgbClr val="44546A"/>
+      </a:dk2>
+      <a:lt2>
+        <a:srgbClr val="E7E6E6"/>
+      </a:lt2>
+      <a:accent1>
+        <a:srgbClr val="4472C4"/>
+      </a:accent1>
+      <a:accent2>
+        <a:srgbClr val="ED7D31"/>
+      </a:accent2>
+      <a:accent3>
+        <a:srgbClr val="A5A5A5"/>
+      </a:accent3>
+      <a:accent4>
+        <a:srgbClr val="FFC000"/>
+      </a:accent4>
+      <a:accent5>
+        <a:srgbClr val="5B9BD5"/>
+      </a:accent5>
+      <a:accent6>
+        <a:srgbClr val="70AD47"/>
+      </a:accent6>
+      <a:hlink>
+        <a:srgbClr val="0563C1"/>
+      </a:hlink>
+      <a:folHlink>
+        <a:srgbClr val="954F72"/>
+      </a:folHlink>
+    </a:clrScheme>
+    <a:fontScheme name="Office">
+      <a:majorFont>
+        <a:latin typeface="Calibri Light" panose="020F0302020204030204"/>
+        <a:ea typeface=""/>
+        <a:cs typeface=""/>
+        <a:font script="Jpan" typeface="游ゴシック Light"/>
+        <a:font script="Hang" typeface="맑은 고딕"/>
+        <a:font script="Hans" typeface="等线 Light"/>
+        <a:font script="Hant" typeface="新細明體"/>
+        <a:font script="Arab" typeface="Times New Roman"/>
+        <a:font script="Hebr" typeface="Times New Roman"/>
+        <a:font script="Thai" typeface="Angsana New"/>
+        <a:font script="Ethi" typeface="Nyala"/>
+        <a:font script="Beng" typeface="Vrinda"/>
+        <a:font script="Gujr" typeface="Shruti"/>
+        <a:font script="Khmr" typeface="MoolBoran"/>
+        <a:font script="Knda" typeface="Tunga"/>
+        <a:font script="Guru" typeface="Raavi"/>
+        <a:font script="Cans" typeface="Euphemia"/>
+        <a:font script="Cher" typeface="Plantagenet Cherokee"/>
+        <a:font script="Yiii" typeface="Microsoft Yi Baiti"/>
+        <a:font script="Tibt" typeface="Microsoft Himalaya"/>
+        <a:font script="Thaa" typeface="MV Boli"/>
+        <a:font script="Deva" typeface="Mangal"/>
+        <a:font script="Telu" typeface="Gautami"/>
+        <a:font script="Taml" typeface="Latha"/>
+        <a:font script="Syrc" typeface="Estrangelo Edessa"/>
+        <a:font script="Orya" typeface="Kalinga"/>
+        <a:font script="Mlym" typeface="Kartika"/>
+        <a:font script="Laoo" typeface="DokChampa"/>
+        <a:font script="Sinh" typeface="Iskoola Pota"/>
+        <a:font script="Mong" typeface="Mongolian Baiti"/>
+        <a:font script="Viet" typeface="Times New Roman"/>
+        <a:font script="Uigh" typeface="Microsoft Uighur"/>
+        <a:font script="Geor" typeface="Sylfaen"/>
+        <a:font script="Armn" typeface="Arial"/>
+        <a:font script="Bugi" typeface="Leelawadee UI"/>
+        <a:font script="Bopo" typeface="Microsoft JhengHei"/>
+        <a:font script="Java" typeface="Javanese Text"/>
+        <a:font script="Lisu" typeface="Segoe UI"/>
+        <a:font script="Mymr" typeface="Myanmar Text"/>
+        <a:font script="Nkoo" typeface="Ebrima"/>
+        <a:font script="Olck" typeface="Nirmala UI"/>
+        <a:font script="Osma" typeface="Ebrima"/>
+        <a:font script="Phag" typeface="Phagspa"/>
+        <a:font script="Syrn" typeface="Estrangelo Edessa"/>
+        <a:font script="Syrj" typeface="Estrangelo Edessa"/>
+        <a:font script="Syre" typeface="Estrangelo Edessa"/>
+        <a:font script="Sora" typeface="Nirmala UI"/>
+        <a:font script="Tale" typeface="Microsoft Tai Le"/>
+        <a:font script="Talu" typeface="Microsoft New Tai Lue"/>
+        <a:font script="Tfng" typeface="Ebrima"/>
+      </a:majorFont>
+      <a:minorFont>
+        <a:latin typeface="Calibri" panose="020F0502020204030204"/>
+        <a:ea typeface=""/>
+        <a:cs typeface=""/>
+        <a:font script="Jpan" typeface="游ゴシック"/>
+        <a:font script="Hang" typeface="맑은 고딕"/>
+        <a:font script="Hans" typeface="等线"/>
+        <a:font script="Hant" typeface="新細明體"/>
+        <a:font script="Arab" typeface="Arial"/>
+        <a:font script="Hebr" typeface="Arial"/>
+        <a:font script="Thai" typeface="Cordia New"/>
+        <a:font script="Ethi" typeface="Nyala"/>
+        <a:font script="Beng" typeface="Vrinda"/>
+        <a:font script="Gujr" typeface="Shruti"/>
+        <a:font script="Khmr" typeface="DaunPenh"/>
+        <a:font script="Knda" typeface="Tunga"/>
+        <a:font script="Guru" typeface="Raavi"/>
+        <a:font script="Cans" typeface="Euphemia"/>
+        <a:font script="Cher" typeface="Plantagenet Cherokee"/>
+        <a:font script="Yiii" typeface="Microsoft Yi Baiti"/>
+        <a:font script="Tibt" typeface="Microsoft Himalaya"/>
+        <a:font script="Thaa" typeface="MV Boli"/>
+        <a:font script="Deva" typeface="Mangal"/>
+        <a:font script="Telu" typeface="Gautami"/>
+        <a:font script="Taml" typeface="Latha"/>
+        <a:font script="Syrc" typeface="Estrangelo Edessa"/>
+        <a:font script="Orya" typeface="Kalinga"/>
+        <a:font script="Mlym" typeface="Kartika"/>
+        <a:font script="Laoo" typeface="DokChampa"/>
+        <a:font script="Sinh" typeface="Iskoola Pota"/>
+        <a:font script="Mong" typeface="Mongolian Baiti"/>
+        <a:font script="Viet" typeface="Arial"/>
+        <a:font script="Uigh" typeface="Microsoft Uighur"/>
+        <a:font script="Geor" typeface="Sylfaen"/>
+        <a:font script="Armn" typeface="Arial"/>
+        <a:font script="Bugi" typeface="Leelawadee UI"/>
+        <a:font script="Bopo" typeface="Microsoft JhengHei"/>
+        <a:font script="Java" typeface="Javanese Text"/>
+        <a:font script="Lisu" typeface="Segoe UI"/>
+        <a:font script="Mymr" typeface="Myanmar Text"/>
+        <a:font script="Nkoo" typeface="Ebrima"/>
+        <a:font script="Olck" typeface="Nirmala UI"/>
+        <a:font script="Osma" typeface="Ebrima"/>
+        <a:font script="Phag" typeface="Phagspa"/>
+        <a:font script="Syrn" typeface="Estrangelo Edessa"/>
+        <a:font script="Syrj" typeface="Estrangelo Edessa"/>
+        <a:font script="Syre" typeface="Estrangelo Edessa"/>
+        <a:font script="Sora" typeface="Nirmala UI"/>
+        <a:font script="Tale" typeface="Microsoft Tai Le"/>
+        <a:font script="Talu" typeface="Microsoft New Tai Lue"/>
+        <a:font script="Tfng" typeface="Ebrima"/>
+      </a:minorFont>
+    </a:fontScheme>
+    <a:fmtScheme name="Office">
+      <a:fillStyleLst>
+        <a:solidFill>
+          <a:schemeClr val="phClr"/>
+        </a:solidFill>
+        <a:gradFill rotWithShape="1">
+          <a:gsLst>
+            <a:gs pos="0">
+              <a:schemeClr val="phClr">
+                <a:lumMod val="110000"/>
+                <a:satMod val="105000"/>
+                <a:tint val="67000"/>
+              </a:schemeClr>
+            </a:gs>
+            <a:gs pos="50000">
+              <a:schemeClr val="phClr">
+                <a:lumMod val="105000"/>
+                <a:satMod val="103000"/>
+                <a:tint val="73000"/>
+              </a:schemeClr>
+            </a:gs>
+            <a:gs pos="100000">
+              <a:schemeClr val="phClr">
+                <a:lumMod val="105000"/>
+                <a:satMod val="109000"/>
+                <a:tint val="81000"/>
+              </a:schemeClr>
+            </a:gs>
+          </a:gsLst>
+          <a:lin ang="5400000" scaled="0"/>
+        </a:gradFill>
+        <a:gradFill rotWithShape="1">
+          <a:gsLst>
+            <a:gs pos="0">
+              <a:schemeClr val="phClr">
+                <a:satMod val="103000"/>
+                <a:lumMod val="102000"/>
+                <a:tint val="94000"/>
+              </a:schemeClr>
+            </a:gs>
+            <a:gs pos="50000">
+              <a:schemeClr val="phClr">
+                <a:satMod val="110000"/>
+                <a:lumMod val="100000"/>
+                <a:shade val="100000"/>
+              </a:schemeClr>
+            </a:gs>
+            <a:gs pos="100000">
+              <a:schemeClr val="phClr">
+                <a:lumMod val="99000"/>
+                <a:satMod val="120000"/>
+                <a:shade val="78000"/>
+              </a:schemeClr>
+            </a:gs>
+          </a:gsLst>
+          <a:lin ang="5400000" scaled="0"/>
+        </a:gradFill>
+      </a:fillStyleLst>
+      <a:lnStyleLst>
+        <a:ln w="6350" cap="flat" cmpd="sng" algn="ctr">
+          <a:solidFill>
+            <a:schemeClr val="phClr"/>
+          </a:solidFill>
+          <a:prstDash val="solid"/>
+          <a:miter lim="800000"/>
+        </a:ln>
+        <a:ln w="12700" cap="flat" cmpd="sng" algn="ctr">
+          <a:solidFill>
+            <a:schemeClr val="phClr"/>
+          </a:solidFill>
+          <a:prstDash val="solid"/>
+          <a:miter lim="800000"/>
+        </a:ln>
+        <a:ln w="19050" cap="flat" cmpd="sng" algn="ctr">
+          <a:solidFill>
+            <a:schemeClr val="phClr"/>
+          </a:solidFill>
+          <a:prstDash val="solid"/>
+          <a:miter lim="800000"/>
+        </a:ln>
+      </a:lnStyleLst>
+      <a:effectStyleLst>
+        <a:effectStyle>
+          <a:effectLst/>
+        </a:effectStyle>
+        <a:effectStyle>
+          <a:effectLst/>
+        </a:effectStyle>
+        <a:effectStyle>
+          <a:effectLst>
+            <a:outerShdw blurRad="57150" dist="19050" dir="5400000" algn="ctr" rotWithShape="0">
+              <a:srgbClr val="000000">
+                <a:alpha val="63000"/>
+              </a:srgbClr>
+            </a:outerShdw>
+          </a:effectLst>
+        </a:effectStyle>
+      </a:effectStyleLst>
+      <a:bgFillStyleLst>
+        <a:solidFill>
+          <a:schemeClr val="phClr"/>
+        </a:solidFill>
+        <a:solidFill>
+          <a:schemeClr val="phClr">
+            <a:tint val="95000"/>
+            <a:satMod val="170000"/>
+          </a:schemeClr>
+        </a:solidFill>
+        <a:gradFill rotWithShape="1">
+          <a:gsLst>
+            <a:gs pos="0">
+              <a:schemeClr val="phClr">
+                <a:tint val="93000"/>
+                <a:satMod val="150000"/>
+                <a:shade val="98000"/>
+                <a:lumMod val="102000"/>
+              </a:schemeClr>
+            </a:gs>
+            <a:gs pos="50000">
+              <a:schemeClr val="phClr">
+                <a:tint val="98000"/>
+                <a:satMod val="130000"/>
+                <a:shade val="90000"/>
+                <a:lumMod val="103000"/>
+              </a:schemeClr>
+            </a:gs>
+            <a:gs pos="100000">
+              <a:schemeClr val="phClr">
+                <a:shade val="63000"/>
+                <a:satMod val="120000"/>
+              </a:schemeClr>
+            </a:gs>
+          </a:gsLst>
+          <a:lin ang="5400000" scaled="0"/>
+        </a:gradFill>
+      </a:bgFillStyleLst>
+    </a:fmtScheme>
+  </a:themeElements>
+  <a:objectDefaults/>
+  <a:extraClrSchemeLst/>
+  <a:extLst>
+    <a:ext uri="{05A4C25C-085E-4340-85A3-A5531E510DB2}">
+      <thm15:themeFamily xmlns:thm15="http://schemas.microsoft.com/office/thememl/2012/main" name="Office Theme" id="{62F939B6-93AF-4DB8-9C6B-D6C7DFDC589F}" vid="{4A3C46E8-61CC-4603-A589-7422A47A8E4A}"/>
+    </a:ext>
+  </a:extLst>
+</a:theme>
 </file>